--- a/documentacao/arquitetura_LLD.pptx
+++ b/documentacao/arquitetura_LLD.pptx
@@ -259,7 +259,7 @@
           <a:p>
             <a:fld id="{DED8EB3A-AD80-4F0D-A0AC-02D3D51D9AC5}" type="datetimeFigureOut">
               <a:rPr lang="pt-BR" smtClean="0"/>
-              <a:t>09/04/2019</a:t>
+              <a:t>16/04/2019</a:t>
             </a:fld>
             <a:endParaRPr lang="pt-BR"/>
           </a:p>
@@ -457,7 +457,7 @@
           <a:p>
             <a:fld id="{DED8EB3A-AD80-4F0D-A0AC-02D3D51D9AC5}" type="datetimeFigureOut">
               <a:rPr lang="pt-BR" smtClean="0"/>
-              <a:t>09/04/2019</a:t>
+              <a:t>16/04/2019</a:t>
             </a:fld>
             <a:endParaRPr lang="pt-BR"/>
           </a:p>
@@ -665,7 +665,7 @@
           <a:p>
             <a:fld id="{DED8EB3A-AD80-4F0D-A0AC-02D3D51D9AC5}" type="datetimeFigureOut">
               <a:rPr lang="pt-BR" smtClean="0"/>
-              <a:t>09/04/2019</a:t>
+              <a:t>16/04/2019</a:t>
             </a:fld>
             <a:endParaRPr lang="pt-BR"/>
           </a:p>
@@ -863,7 +863,7 @@
           <a:p>
             <a:fld id="{DED8EB3A-AD80-4F0D-A0AC-02D3D51D9AC5}" type="datetimeFigureOut">
               <a:rPr lang="pt-BR" smtClean="0"/>
-              <a:t>09/04/2019</a:t>
+              <a:t>16/04/2019</a:t>
             </a:fld>
             <a:endParaRPr lang="pt-BR"/>
           </a:p>
@@ -1138,7 +1138,7 @@
           <a:p>
             <a:fld id="{DED8EB3A-AD80-4F0D-A0AC-02D3D51D9AC5}" type="datetimeFigureOut">
               <a:rPr lang="pt-BR" smtClean="0"/>
-              <a:t>09/04/2019</a:t>
+              <a:t>16/04/2019</a:t>
             </a:fld>
             <a:endParaRPr lang="pt-BR"/>
           </a:p>
@@ -1403,7 +1403,7 @@
           <a:p>
             <a:fld id="{DED8EB3A-AD80-4F0D-A0AC-02D3D51D9AC5}" type="datetimeFigureOut">
               <a:rPr lang="pt-BR" smtClean="0"/>
-              <a:t>09/04/2019</a:t>
+              <a:t>16/04/2019</a:t>
             </a:fld>
             <a:endParaRPr lang="pt-BR"/>
           </a:p>
@@ -1815,7 +1815,7 @@
           <a:p>
             <a:fld id="{DED8EB3A-AD80-4F0D-A0AC-02D3D51D9AC5}" type="datetimeFigureOut">
               <a:rPr lang="pt-BR" smtClean="0"/>
-              <a:t>09/04/2019</a:t>
+              <a:t>16/04/2019</a:t>
             </a:fld>
             <a:endParaRPr lang="pt-BR"/>
           </a:p>
@@ -1956,7 +1956,7 @@
           <a:p>
             <a:fld id="{DED8EB3A-AD80-4F0D-A0AC-02D3D51D9AC5}" type="datetimeFigureOut">
               <a:rPr lang="pt-BR" smtClean="0"/>
-              <a:t>09/04/2019</a:t>
+              <a:t>16/04/2019</a:t>
             </a:fld>
             <a:endParaRPr lang="pt-BR"/>
           </a:p>
@@ -2069,7 +2069,7 @@
           <a:p>
             <a:fld id="{DED8EB3A-AD80-4F0D-A0AC-02D3D51D9AC5}" type="datetimeFigureOut">
               <a:rPr lang="pt-BR" smtClean="0"/>
-              <a:t>09/04/2019</a:t>
+              <a:t>16/04/2019</a:t>
             </a:fld>
             <a:endParaRPr lang="pt-BR"/>
           </a:p>
@@ -2380,7 +2380,7 @@
           <a:p>
             <a:fld id="{DED8EB3A-AD80-4F0D-A0AC-02D3D51D9AC5}" type="datetimeFigureOut">
               <a:rPr lang="pt-BR" smtClean="0"/>
-              <a:t>09/04/2019</a:t>
+              <a:t>16/04/2019</a:t>
             </a:fld>
             <a:endParaRPr lang="pt-BR"/>
           </a:p>
@@ -2668,7 +2668,7 @@
           <a:p>
             <a:fld id="{DED8EB3A-AD80-4F0D-A0AC-02D3D51D9AC5}" type="datetimeFigureOut">
               <a:rPr lang="pt-BR" smtClean="0"/>
-              <a:t>09/04/2019</a:t>
+              <a:t>16/04/2019</a:t>
             </a:fld>
             <a:endParaRPr lang="pt-BR"/>
           </a:p>
@@ -2909,7 +2909,7 @@
           <a:p>
             <a:fld id="{DED8EB3A-AD80-4F0D-A0AC-02D3D51D9AC5}" type="datetimeFigureOut">
               <a:rPr lang="pt-BR" smtClean="0"/>
-              <a:t>09/04/2019</a:t>
+              <a:t>16/04/2019</a:t>
             </a:fld>
             <a:endParaRPr lang="pt-BR"/>
           </a:p>
@@ -3471,7 +3471,7 @@
           <p:nvPr/>
         </p:nvPicPr>
         <p:blipFill>
-          <a:blip r:embed="rId5">
+          <a:blip r:embed="rId5" cstate="hqprint">
             <a:extLst>
               <a:ext uri="{28A0092B-C50C-407E-A947-70E740481C1C}">
                 <a14:useLocalDpi xmlns:a14="http://schemas.microsoft.com/office/drawing/2010/main" val="0"/>
@@ -4235,8 +4235,8 @@
         </p:nvSpPr>
         <p:spPr>
           <a:xfrm>
-            <a:off x="3445168" y="1129123"/>
-            <a:ext cx="2678377" cy="769441"/>
+            <a:off x="3445168" y="1011585"/>
+            <a:ext cx="2678377" cy="938719"/>
           </a:xfrm>
           <a:prstGeom prst="rect">
             <a:avLst/>
@@ -4251,7 +4251,15 @@
           <a:p>
             <a:r>
               <a:rPr lang="pt-BR" sz="1100" dirty="0"/>
-              <a:t>Através das linguagens de programação, criamos as aplicações web e mobile, onde o cliente poderá ter acesso as suas informações, dados recolhidos e gráficos.</a:t>
+              <a:t>Através das linguagens de programação, criamos as aplicações web e </a:t>
+            </a:r>
+            <a:r>
+              <a:rPr lang="pt-BR" sz="1100" dirty="0" smtClean="0"/>
+              <a:t>mobile que serão acessadas através da internet, </a:t>
+            </a:r>
+            <a:r>
+              <a:rPr lang="pt-BR" sz="1100" dirty="0"/>
+              <a:t>onde o cliente poderá ter acesso as suas informações, dados recolhidos e gráficos.</a:t>
             </a:r>
           </a:p>
         </p:txBody>

--- a/documentacao/arquitetura_LLD.pptx
+++ b/documentacao/arquitetura_LLD.pptx
@@ -259,7 +259,7 @@
           <a:p>
             <a:fld id="{DED8EB3A-AD80-4F0D-A0AC-02D3D51D9AC5}" type="datetimeFigureOut">
               <a:rPr lang="pt-BR" smtClean="0"/>
-              <a:t>16/04/2019</a:t>
+              <a:t>22/04/2019</a:t>
             </a:fld>
             <a:endParaRPr lang="pt-BR"/>
           </a:p>
@@ -457,7 +457,7 @@
           <a:p>
             <a:fld id="{DED8EB3A-AD80-4F0D-A0AC-02D3D51D9AC5}" type="datetimeFigureOut">
               <a:rPr lang="pt-BR" smtClean="0"/>
-              <a:t>16/04/2019</a:t>
+              <a:t>22/04/2019</a:t>
             </a:fld>
             <a:endParaRPr lang="pt-BR"/>
           </a:p>
@@ -665,7 +665,7 @@
           <a:p>
             <a:fld id="{DED8EB3A-AD80-4F0D-A0AC-02D3D51D9AC5}" type="datetimeFigureOut">
               <a:rPr lang="pt-BR" smtClean="0"/>
-              <a:t>16/04/2019</a:t>
+              <a:t>22/04/2019</a:t>
             </a:fld>
             <a:endParaRPr lang="pt-BR"/>
           </a:p>
@@ -863,7 +863,7 @@
           <a:p>
             <a:fld id="{DED8EB3A-AD80-4F0D-A0AC-02D3D51D9AC5}" type="datetimeFigureOut">
               <a:rPr lang="pt-BR" smtClean="0"/>
-              <a:t>16/04/2019</a:t>
+              <a:t>22/04/2019</a:t>
             </a:fld>
             <a:endParaRPr lang="pt-BR"/>
           </a:p>
@@ -1138,7 +1138,7 @@
           <a:p>
             <a:fld id="{DED8EB3A-AD80-4F0D-A0AC-02D3D51D9AC5}" type="datetimeFigureOut">
               <a:rPr lang="pt-BR" smtClean="0"/>
-              <a:t>16/04/2019</a:t>
+              <a:t>22/04/2019</a:t>
             </a:fld>
             <a:endParaRPr lang="pt-BR"/>
           </a:p>
@@ -1403,7 +1403,7 @@
           <a:p>
             <a:fld id="{DED8EB3A-AD80-4F0D-A0AC-02D3D51D9AC5}" type="datetimeFigureOut">
               <a:rPr lang="pt-BR" smtClean="0"/>
-              <a:t>16/04/2019</a:t>
+              <a:t>22/04/2019</a:t>
             </a:fld>
             <a:endParaRPr lang="pt-BR"/>
           </a:p>
@@ -1815,7 +1815,7 @@
           <a:p>
             <a:fld id="{DED8EB3A-AD80-4F0D-A0AC-02D3D51D9AC5}" type="datetimeFigureOut">
               <a:rPr lang="pt-BR" smtClean="0"/>
-              <a:t>16/04/2019</a:t>
+              <a:t>22/04/2019</a:t>
             </a:fld>
             <a:endParaRPr lang="pt-BR"/>
           </a:p>
@@ -1956,7 +1956,7 @@
           <a:p>
             <a:fld id="{DED8EB3A-AD80-4F0D-A0AC-02D3D51D9AC5}" type="datetimeFigureOut">
               <a:rPr lang="pt-BR" smtClean="0"/>
-              <a:t>16/04/2019</a:t>
+              <a:t>22/04/2019</a:t>
             </a:fld>
             <a:endParaRPr lang="pt-BR"/>
           </a:p>
@@ -2069,7 +2069,7 @@
           <a:p>
             <a:fld id="{DED8EB3A-AD80-4F0D-A0AC-02D3D51D9AC5}" type="datetimeFigureOut">
               <a:rPr lang="pt-BR" smtClean="0"/>
-              <a:t>16/04/2019</a:t>
+              <a:t>22/04/2019</a:t>
             </a:fld>
             <a:endParaRPr lang="pt-BR"/>
           </a:p>
@@ -2380,7 +2380,7 @@
           <a:p>
             <a:fld id="{DED8EB3A-AD80-4F0D-A0AC-02D3D51D9AC5}" type="datetimeFigureOut">
               <a:rPr lang="pt-BR" smtClean="0"/>
-              <a:t>16/04/2019</a:t>
+              <a:t>22/04/2019</a:t>
             </a:fld>
             <a:endParaRPr lang="pt-BR"/>
           </a:p>
@@ -2668,7 +2668,7 @@
           <a:p>
             <a:fld id="{DED8EB3A-AD80-4F0D-A0AC-02D3D51D9AC5}" type="datetimeFigureOut">
               <a:rPr lang="pt-BR" smtClean="0"/>
-              <a:t>16/04/2019</a:t>
+              <a:t>22/04/2019</a:t>
             </a:fld>
             <a:endParaRPr lang="pt-BR"/>
           </a:p>
@@ -2909,7 +2909,7 @@
           <a:p>
             <a:fld id="{DED8EB3A-AD80-4F0D-A0AC-02D3D51D9AC5}" type="datetimeFigureOut">
               <a:rPr lang="pt-BR" smtClean="0"/>
-              <a:t>16/04/2019</a:t>
+              <a:t>22/04/2019</a:t>
             </a:fld>
             <a:endParaRPr lang="pt-BR"/>
           </a:p>
@@ -3448,7 +3448,7 @@
         </p:blipFill>
         <p:spPr>
           <a:xfrm>
-            <a:off x="5777948" y="-848988"/>
+            <a:off x="5859328" y="-777357"/>
             <a:ext cx="5234609" cy="4767857"/>
           </a:xfrm>
           <a:prstGeom prst="rect">
@@ -3575,7 +3575,7 @@
         </p:nvSpPr>
         <p:spPr>
           <a:xfrm>
-            <a:off x="658613" y="5835981"/>
+            <a:off x="681405" y="4179229"/>
             <a:ext cx="1999395" cy="461665"/>
           </a:xfrm>
           <a:prstGeom prst="rect">
@@ -3725,9 +3725,9 @@
           <p:nvPr/>
         </p:nvCxnSpPr>
         <p:spPr>
-          <a:xfrm flipH="1" flipV="1">
-            <a:off x="2557670" y="5372177"/>
-            <a:ext cx="2663688" cy="1189"/>
+          <a:xfrm flipH="1">
+            <a:off x="4189915" y="5426023"/>
+            <a:ext cx="1106085" cy="5818"/>
           </a:xfrm>
           <a:prstGeom prst="straightConnector1">
             <a:avLst/>
@@ -3768,8 +3768,8 @@
         </p:nvCxnSpPr>
         <p:spPr>
           <a:xfrm flipV="1">
-            <a:off x="2451338" y="2690898"/>
-            <a:ext cx="3920981" cy="2259452"/>
+            <a:off x="2378778" y="2354986"/>
+            <a:ext cx="3728179" cy="1514787"/>
           </a:xfrm>
           <a:prstGeom prst="straightConnector1">
             <a:avLst/>
@@ -4017,7 +4017,7 @@
           <p:nvPr/>
         </p:nvPicPr>
         <p:blipFill>
-          <a:blip r:embed="rId9">
+          <a:blip r:embed="rId9" cstate="hqprint">
             <a:extLst>
               <a:ext uri="{BEBA8EAE-BF5A-486C-A8C5-ECC9F3942E4B}">
                 <a14:imgProps xmlns:a14="http://schemas.microsoft.com/office/drawing/2010/main">
@@ -4043,8 +4043,8 @@
         </p:blipFill>
         <p:spPr bwMode="auto">
           <a:xfrm>
-            <a:off x="823399" y="4279241"/>
-            <a:ext cx="1582071" cy="1582071"/>
+            <a:off x="1118673" y="3209478"/>
+            <a:ext cx="1124861" cy="1124861"/>
           </a:xfrm>
           <a:prstGeom prst="rect">
             <a:avLst/>
@@ -4143,7 +4143,7 @@
         </p:blipFill>
         <p:spPr>
           <a:xfrm>
-            <a:off x="7357075" y="1762539"/>
+            <a:off x="7491146" y="1826558"/>
             <a:ext cx="670625" cy="549306"/>
           </a:xfrm>
           <a:prstGeom prst="rect">
@@ -4199,8 +4199,8 @@
           <p:nvPr/>
         </p:nvSpPr>
         <p:spPr>
-          <a:xfrm rot="19865074">
-            <a:off x="3205593" y="3330167"/>
+          <a:xfrm rot="20286667">
+            <a:off x="3013104" y="2532930"/>
             <a:ext cx="2254495" cy="430887"/>
           </a:xfrm>
           <a:prstGeom prst="rect">
@@ -4264,22 +4264,71 @@
           </a:p>
         </p:txBody>
       </p:sp>
-      <p:sp>
-        <p:nvSpPr>
-          <p:cNvPr id="31" name="CaixaDeTexto 30">
-            <a:extLst>
-              <a:ext uri="{FF2B5EF4-FFF2-40B4-BE49-F238E27FC236}">
-                <a16:creationId xmlns:a16="http://schemas.microsoft.com/office/drawing/2014/main" id="{D277CE2B-FA9B-43CD-93A4-713E83E597C9}"/>
-              </a:ext>
-            </a:extLst>
-          </p:cNvPr>
-          <p:cNvSpPr txBox="1"/>
+      <p:pic>
+        <p:nvPicPr>
+          <p:cNvPr id="10" name="Imagem 9"/>
+          <p:cNvPicPr>
+            <a:picLocks noChangeAspect="1"/>
+          </p:cNvPicPr>
           <p:nvPr/>
-        </p:nvSpPr>
+        </p:nvPicPr>
+        <p:blipFill>
+          <a:blip r:embed="rId15">
+            <a:extLst>
+              <a:ext uri="{BEBA8EAE-BF5A-486C-A8C5-ECC9F3942E4B}">
+                <a14:imgProps xmlns:a14="http://schemas.microsoft.com/office/drawing/2010/main">
+                  <a14:imgLayer r:embed="rId16">
+                    <a14:imgEffect>
+                      <a14:backgroundRemoval t="536" b="100000" l="0" r="99667">
+                        <a14:foregroundMark x1="7667" y1="11429" x2="8778" y2="25000"/>
+                        <a14:foregroundMark x1="10000" y1="2143" x2="89000" y2="1607"/>
+                        <a14:foregroundMark x1="89889" y1="2143" x2="89000" y2="14107"/>
+                        <a14:foregroundMark x1="50333" y1="76607" x2="49556" y2="78036"/>
+                        <a14:foregroundMark x1="3667" y1="93393" x2="18889" y2="95893"/>
+                        <a14:foregroundMark x1="18111" y1="95536" x2="96667" y2="96429"/>
+                        <a14:foregroundMark x1="49889" y1="91964" x2="54333" y2="71607"/>
+                        <a14:foregroundMark x1="20222" y1="93571" x2="95333" y2="92857"/>
+                        <a14:foregroundMark x1="10000" y1="97321" x2="3222" y2="96607"/>
+                        <a14:foregroundMark x1="60556" y1="77679" x2="89889" y2="73393"/>
+                        <a14:foregroundMark x1="89889" y1="73571" x2="89889" y2="73571"/>
+                        <a14:foregroundMark x1="35333" y1="79286" x2="8667" y2="55536"/>
+                      </a14:backgroundRemoval>
+                    </a14:imgEffect>
+                  </a14:imgLayer>
+                </a14:imgProps>
+              </a:ext>
+            </a:extLst>
+          </a:blip>
+          <a:stretch>
+            <a:fillRect/>
+          </a:stretch>
+        </p:blipFill>
         <p:spPr>
           <a:xfrm>
-            <a:off x="2957231" y="4821710"/>
-            <a:ext cx="2254495" cy="600164"/>
+            <a:off x="3090950" y="5126917"/>
+            <a:ext cx="1057730" cy="658143"/>
+          </a:xfrm>
+          <a:prstGeom prst="rect">
+            <a:avLst/>
+          </a:prstGeom>
+        </p:spPr>
+      </p:pic>
+      <p:sp>
+        <p:nvSpPr>
+          <p:cNvPr id="32" name="Retângulo 31">
+            <a:extLst>
+              <a:ext uri="{FF2B5EF4-FFF2-40B4-BE49-F238E27FC236}">
+                <a16:creationId xmlns:a16="http://schemas.microsoft.com/office/drawing/2014/main" id="{8015C4A5-A75D-4892-B1AE-ED515FF5CD8C}"/>
+              </a:ext>
+            </a:extLst>
+          </p:cNvPr>
+          <p:cNvSpPr/>
+          <p:nvPr/>
+        </p:nvSpPr>
+        <p:spPr>
+          <a:xfrm>
+            <a:off x="3472712" y="5725311"/>
+            <a:ext cx="423514" cy="461665"/>
           </a:xfrm>
           <a:prstGeom prst="rect">
             <a:avLst/>
@@ -4287,23 +4336,144 @@
           <a:noFill/>
         </p:spPr>
         <p:txBody>
-          <a:bodyPr wrap="square" rtlCol="0">
+          <a:bodyPr wrap="none" lIns="91440" tIns="45720" rIns="91440" bIns="45720">
             <a:spAutoFit/>
           </a:bodyPr>
           <a:lstStyle/>
           <a:p>
-            <a:r>
-              <a:rPr lang="pt-BR" sz="1100" dirty="0"/>
-              <a:t>Através do </a:t>
-            </a:r>
-            <a:r>
-              <a:rPr lang="pt-BR" sz="1100" dirty="0" err="1"/>
-              <a:t>wifi</a:t>
-            </a:r>
-            <a:r>
-              <a:rPr lang="pt-BR" sz="1100" dirty="0"/>
-              <a:t> são exportados os dados recolhidos pelo sensor DHT11 para o banco de dados.</a:t>
-            </a:r>
+            <a:pPr algn="ctr"/>
+            <a:r>
+              <a:rPr lang="pt-BR" sz="2400" b="0" cap="none" spc="0" dirty="0" smtClean="0">
+                <a:ln w="0"/>
+                <a:solidFill>
+                  <a:schemeClr val="accent1"/>
+                </a:solidFill>
+                <a:effectLst>
+                  <a:outerShdw blurRad="38100" dist="25400" dir="5400000" algn="ctr" rotWithShape="0">
+                    <a:srgbClr val="6E747A">
+                      <a:alpha val="43000"/>
+                    </a:srgbClr>
+                  </a:outerShdw>
+                </a:effectLst>
+              </a:rPr>
+              <a:t>JS</a:t>
+            </a:r>
+            <a:endParaRPr lang="pt-BR" sz="2400" b="0" cap="none" spc="0" dirty="0">
+              <a:ln w="0"/>
+              <a:solidFill>
+                <a:schemeClr val="accent1"/>
+              </a:solidFill>
+              <a:effectLst>
+                <a:outerShdw blurRad="38100" dist="25400" dir="5400000" algn="ctr" rotWithShape="0">
+                  <a:srgbClr val="6E747A">
+                    <a:alpha val="43000"/>
+                  </a:srgbClr>
+                </a:outerShdw>
+              </a:effectLst>
+            </a:endParaRPr>
+          </a:p>
+        </p:txBody>
+      </p:sp>
+      <p:cxnSp>
+        <p:nvCxnSpPr>
+          <p:cNvPr id="33" name="Conector de Seta Reta 32">
+            <a:extLst>
+              <a:ext uri="{FF2B5EF4-FFF2-40B4-BE49-F238E27FC236}">
+                <a16:creationId xmlns:a16="http://schemas.microsoft.com/office/drawing/2014/main" id="{F9311CF2-1330-48A9-9EB1-D1672C80B244}"/>
+              </a:ext>
+            </a:extLst>
+          </p:cNvPr>
+          <p:cNvCxnSpPr>
+            <a:cxnSpLocks/>
+          </p:cNvCxnSpPr>
+          <p:nvPr/>
+        </p:nvCxnSpPr>
+        <p:spPr>
+          <a:xfrm flipH="1" flipV="1">
+            <a:off x="2098125" y="4666246"/>
+            <a:ext cx="897246" cy="705934"/>
+          </a:xfrm>
+          <a:prstGeom prst="straightConnector1">
+            <a:avLst/>
+          </a:prstGeom>
+          <a:ln>
+            <a:headEnd type="triangle"/>
+            <a:tailEnd type="triangle"/>
+          </a:ln>
+        </p:spPr>
+        <p:style>
+          <a:lnRef idx="3">
+            <a:schemeClr val="dk1"/>
+          </a:lnRef>
+          <a:fillRef idx="0">
+            <a:schemeClr val="dk1"/>
+          </a:fillRef>
+          <a:effectRef idx="2">
+            <a:schemeClr val="dk1"/>
+          </a:effectRef>
+          <a:fontRef idx="minor">
+            <a:schemeClr val="tx1"/>
+          </a:fontRef>
+        </p:style>
+      </p:cxnSp>
+      <p:sp>
+        <p:nvSpPr>
+          <p:cNvPr id="37" name="Retângulo 36">
+            <a:extLst>
+              <a:ext uri="{FF2B5EF4-FFF2-40B4-BE49-F238E27FC236}">
+                <a16:creationId xmlns:a16="http://schemas.microsoft.com/office/drawing/2014/main" id="{8015C4A5-A75D-4892-B1AE-ED515FF5CD8C}"/>
+              </a:ext>
+            </a:extLst>
+          </p:cNvPr>
+          <p:cNvSpPr/>
+          <p:nvPr/>
+        </p:nvSpPr>
+        <p:spPr>
+          <a:xfrm>
+            <a:off x="3047902" y="4573299"/>
+            <a:ext cx="1126683" cy="584775"/>
+          </a:xfrm>
+          <a:prstGeom prst="rect">
+            <a:avLst/>
+          </a:prstGeom>
+          <a:noFill/>
+        </p:spPr>
+        <p:txBody>
+          <a:bodyPr wrap="square" lIns="91440" tIns="45720" rIns="91440" bIns="45720">
+            <a:spAutoFit/>
+          </a:bodyPr>
+          <a:lstStyle/>
+          <a:p>
+            <a:pPr algn="ctr"/>
+            <a:r>
+              <a:rPr lang="pt-BR" sz="1600" dirty="0" smtClean="0">
+                <a:ln w="0"/>
+                <a:solidFill>
+                  <a:schemeClr val="accent1"/>
+                </a:solidFill>
+                <a:effectLst>
+                  <a:outerShdw blurRad="38100" dist="25400" dir="5400000" algn="ctr" rotWithShape="0">
+                    <a:srgbClr val="6E747A">
+                      <a:alpha val="43000"/>
+                    </a:srgbClr>
+                  </a:outerShdw>
+                </a:effectLst>
+              </a:rPr>
+              <a:t>Servidor Local</a:t>
+            </a:r>
+            <a:endParaRPr lang="pt-BR" sz="1600" b="0" cap="none" spc="0" dirty="0">
+              <a:ln w="0"/>
+              <a:solidFill>
+                <a:schemeClr val="accent1"/>
+              </a:solidFill>
+              <a:effectLst>
+                <a:outerShdw blurRad="38100" dist="25400" dir="5400000" algn="ctr" rotWithShape="0">
+                  <a:srgbClr val="6E747A">
+                    <a:alpha val="43000"/>
+                  </a:srgbClr>
+                </a:outerShdw>
+              </a:effectLst>
+            </a:endParaRPr>
           </a:p>
         </p:txBody>
       </p:sp>

--- a/documentacao/arquitetura_LLD.pptx
+++ b/documentacao/arquitetura_LLD.pptx
@@ -2,19 +2,19 @@
 <file path=ppt/presentation.xml><?xml version="1.0" encoding="utf-8"?>
 <p:presentation xmlns:a="http://schemas.openxmlformats.org/drawingml/2006/main" xmlns:r="http://schemas.openxmlformats.org/officeDocument/2006/relationships" xmlns:p="http://schemas.openxmlformats.org/presentationml/2006/main" saveSubsetFonts="1">
   <p:sldMasterIdLst>
-    <p:sldMasterId id="2147483648" r:id="rId1"/>
+    <p:sldMasterId id="2147483660" r:id="rId1"/>
   </p:sldMasterIdLst>
   <p:sldIdLst>
     <p:sldId id="258" r:id="rId2"/>
   </p:sldIdLst>
-  <p:sldSz cx="12192000" cy="6858000"/>
+  <p:sldSz cx="23760113" cy="14400213"/>
   <p:notesSz cx="6858000" cy="9144000"/>
   <p:defaultTextStyle>
     <a:defPPr>
       <a:defRPr lang="pt-BR"/>
     </a:defPPr>
-    <a:lvl1pPr marL="0" algn="l" defTabSz="914400" rtl="0" eaLnBrk="1" latinLnBrk="0" hangingPunct="1">
-      <a:defRPr sz="1800" kern="1200">
+    <a:lvl1pPr marL="0" algn="l" defTabSz="1831635" rtl="0" eaLnBrk="1" latinLnBrk="0" hangingPunct="1">
+      <a:defRPr sz="3606" kern="1200">
         <a:solidFill>
           <a:schemeClr val="tx1"/>
         </a:solidFill>
@@ -23,8 +23,8 @@
         <a:cs typeface="+mn-cs"/>
       </a:defRPr>
     </a:lvl1pPr>
-    <a:lvl2pPr marL="457200" algn="l" defTabSz="914400" rtl="0" eaLnBrk="1" latinLnBrk="0" hangingPunct="1">
-      <a:defRPr sz="1800" kern="1200">
+    <a:lvl2pPr marL="915817" algn="l" defTabSz="1831635" rtl="0" eaLnBrk="1" latinLnBrk="0" hangingPunct="1">
+      <a:defRPr sz="3606" kern="1200">
         <a:solidFill>
           <a:schemeClr val="tx1"/>
         </a:solidFill>
@@ -33,8 +33,8 @@
         <a:cs typeface="+mn-cs"/>
       </a:defRPr>
     </a:lvl2pPr>
-    <a:lvl3pPr marL="914400" algn="l" defTabSz="914400" rtl="0" eaLnBrk="1" latinLnBrk="0" hangingPunct="1">
-      <a:defRPr sz="1800" kern="1200">
+    <a:lvl3pPr marL="1831635" algn="l" defTabSz="1831635" rtl="0" eaLnBrk="1" latinLnBrk="0" hangingPunct="1">
+      <a:defRPr sz="3606" kern="1200">
         <a:solidFill>
           <a:schemeClr val="tx1"/>
         </a:solidFill>
@@ -43,8 +43,8 @@
         <a:cs typeface="+mn-cs"/>
       </a:defRPr>
     </a:lvl3pPr>
-    <a:lvl4pPr marL="1371600" algn="l" defTabSz="914400" rtl="0" eaLnBrk="1" latinLnBrk="0" hangingPunct="1">
-      <a:defRPr sz="1800" kern="1200">
+    <a:lvl4pPr marL="2747452" algn="l" defTabSz="1831635" rtl="0" eaLnBrk="1" latinLnBrk="0" hangingPunct="1">
+      <a:defRPr sz="3606" kern="1200">
         <a:solidFill>
           <a:schemeClr val="tx1"/>
         </a:solidFill>
@@ -53,8 +53,8 @@
         <a:cs typeface="+mn-cs"/>
       </a:defRPr>
     </a:lvl4pPr>
-    <a:lvl5pPr marL="1828800" algn="l" defTabSz="914400" rtl="0" eaLnBrk="1" latinLnBrk="0" hangingPunct="1">
-      <a:defRPr sz="1800" kern="1200">
+    <a:lvl5pPr marL="3663269" algn="l" defTabSz="1831635" rtl="0" eaLnBrk="1" latinLnBrk="0" hangingPunct="1">
+      <a:defRPr sz="3606" kern="1200">
         <a:solidFill>
           <a:schemeClr val="tx1"/>
         </a:solidFill>
@@ -63,8 +63,8 @@
         <a:cs typeface="+mn-cs"/>
       </a:defRPr>
     </a:lvl5pPr>
-    <a:lvl6pPr marL="2286000" algn="l" defTabSz="914400" rtl="0" eaLnBrk="1" latinLnBrk="0" hangingPunct="1">
-      <a:defRPr sz="1800" kern="1200">
+    <a:lvl6pPr marL="4579087" algn="l" defTabSz="1831635" rtl="0" eaLnBrk="1" latinLnBrk="0" hangingPunct="1">
+      <a:defRPr sz="3606" kern="1200">
         <a:solidFill>
           <a:schemeClr val="tx1"/>
         </a:solidFill>
@@ -73,8 +73,8 @@
         <a:cs typeface="+mn-cs"/>
       </a:defRPr>
     </a:lvl6pPr>
-    <a:lvl7pPr marL="2743200" algn="l" defTabSz="914400" rtl="0" eaLnBrk="1" latinLnBrk="0" hangingPunct="1">
-      <a:defRPr sz="1800" kern="1200">
+    <a:lvl7pPr marL="5494904" algn="l" defTabSz="1831635" rtl="0" eaLnBrk="1" latinLnBrk="0" hangingPunct="1">
+      <a:defRPr sz="3606" kern="1200">
         <a:solidFill>
           <a:schemeClr val="tx1"/>
         </a:solidFill>
@@ -83,8 +83,8 @@
         <a:cs typeface="+mn-cs"/>
       </a:defRPr>
     </a:lvl7pPr>
-    <a:lvl8pPr marL="3200400" algn="l" defTabSz="914400" rtl="0" eaLnBrk="1" latinLnBrk="0" hangingPunct="1">
-      <a:defRPr sz="1800" kern="1200">
+    <a:lvl8pPr marL="6410721" algn="l" defTabSz="1831635" rtl="0" eaLnBrk="1" latinLnBrk="0" hangingPunct="1">
+      <a:defRPr sz="3606" kern="1200">
         <a:solidFill>
           <a:schemeClr val="tx1"/>
         </a:solidFill>
@@ -93,8 +93,8 @@
         <a:cs typeface="+mn-cs"/>
       </a:defRPr>
     </a:lvl8pPr>
-    <a:lvl9pPr marL="3657600" algn="l" defTabSz="914400" rtl="0" eaLnBrk="1" latinLnBrk="0" hangingPunct="1">
-      <a:defRPr sz="1800" kern="1200">
+    <a:lvl9pPr marL="7326539" algn="l" defTabSz="1831635" rtl="0" eaLnBrk="1" latinLnBrk="0" hangingPunct="1">
+      <a:defRPr sz="3606" kern="1200">
         <a:solidFill>
           <a:schemeClr val="tx1"/>
         </a:solidFill>
@@ -131,13 +131,7 @@
       </p:grpSpPr>
       <p:sp>
         <p:nvSpPr>
-          <p:cNvPr id="2" name="Título 1">
-            <a:extLst>
-              <a:ext uri="{FF2B5EF4-FFF2-40B4-BE49-F238E27FC236}">
-                <a16:creationId xmlns:a16="http://schemas.microsoft.com/office/drawing/2014/main" id="{DB6626EC-1948-46E6-894B-6211E784817F}"/>
-              </a:ext>
-            </a:extLst>
-          </p:cNvPr>
+          <p:cNvPr id="2" name="Title 1"/>
           <p:cNvSpPr>
             <a:spLocks noGrp="1"/>
           </p:cNvSpPr>
@@ -147,34 +141,29 @@
         </p:nvSpPr>
         <p:spPr>
           <a:xfrm>
-            <a:off x="1524000" y="1122363"/>
-            <a:ext cx="9144000" cy="2387600"/>
+            <a:off x="2970014" y="2356703"/>
+            <a:ext cx="17820085" cy="5013407"/>
           </a:xfrm>
         </p:spPr>
         <p:txBody>
           <a:bodyPr anchor="b"/>
           <a:lstStyle>
             <a:lvl1pPr algn="ctr">
-              <a:defRPr sz="6000"/>
+              <a:defRPr sz="11693"/>
             </a:lvl1pPr>
           </a:lstStyle>
           <a:p>
             <a:r>
-              <a:rPr lang="pt-BR"/>
-              <a:t>Clique para editar o título Mestre</a:t>
-            </a:r>
-          </a:p>
-        </p:txBody>
-      </p:sp>
-      <p:sp>
-        <p:nvSpPr>
-          <p:cNvPr id="3" name="Subtítulo 2">
-            <a:extLst>
-              <a:ext uri="{FF2B5EF4-FFF2-40B4-BE49-F238E27FC236}">
-                <a16:creationId xmlns:a16="http://schemas.microsoft.com/office/drawing/2014/main" id="{67559825-274F-44AC-BCF5-3A374F62A5D5}"/>
-              </a:ext>
-            </a:extLst>
-          </p:cNvPr>
+              <a:rPr lang="pt-BR" smtClean="0"/>
+              <a:t>Clique para editar o título mestre</a:t>
+            </a:r>
+            <a:endParaRPr lang="en-US" dirty="0"/>
+          </a:p>
+        </p:txBody>
+      </p:sp>
+      <p:sp>
+        <p:nvSpPr>
+          <p:cNvPr id="3" name="Subtitle 2"/>
           <p:cNvSpPr>
             <a:spLocks noGrp="1"/>
           </p:cNvSpPr>
@@ -184,8 +173,8 @@
         </p:nvSpPr>
         <p:spPr>
           <a:xfrm>
-            <a:off x="1524000" y="3602038"/>
-            <a:ext cx="9144000" cy="1655762"/>
+            <a:off x="2970014" y="7563446"/>
+            <a:ext cx="17820085" cy="3476717"/>
           </a:xfrm>
         </p:spPr>
         <p:txBody>
@@ -193,58 +182,53 @@
           <a:lstStyle>
             <a:lvl1pPr marL="0" indent="0" algn="ctr">
               <a:buNone/>
-              <a:defRPr sz="2400"/>
+              <a:defRPr sz="4677"/>
             </a:lvl1pPr>
-            <a:lvl2pPr marL="457200" indent="0" algn="ctr">
-              <a:buNone/>
-              <a:defRPr sz="2000"/>
+            <a:lvl2pPr marL="890991" indent="0" algn="ctr">
+              <a:buNone/>
+              <a:defRPr sz="3898"/>
             </a:lvl2pPr>
-            <a:lvl3pPr marL="914400" indent="0" algn="ctr">
-              <a:buNone/>
-              <a:defRPr sz="1800"/>
+            <a:lvl3pPr marL="1781983" indent="0" algn="ctr">
+              <a:buNone/>
+              <a:defRPr sz="3508"/>
             </a:lvl3pPr>
-            <a:lvl4pPr marL="1371600" indent="0" algn="ctr">
-              <a:buNone/>
-              <a:defRPr sz="1600"/>
+            <a:lvl4pPr marL="2672974" indent="0" algn="ctr">
+              <a:buNone/>
+              <a:defRPr sz="3118"/>
             </a:lvl4pPr>
-            <a:lvl5pPr marL="1828800" indent="0" algn="ctr">
-              <a:buNone/>
-              <a:defRPr sz="1600"/>
+            <a:lvl5pPr marL="3563965" indent="0" algn="ctr">
+              <a:buNone/>
+              <a:defRPr sz="3118"/>
             </a:lvl5pPr>
-            <a:lvl6pPr marL="2286000" indent="0" algn="ctr">
-              <a:buNone/>
-              <a:defRPr sz="1600"/>
+            <a:lvl6pPr marL="4454957" indent="0" algn="ctr">
+              <a:buNone/>
+              <a:defRPr sz="3118"/>
             </a:lvl6pPr>
-            <a:lvl7pPr marL="2743200" indent="0" algn="ctr">
-              <a:buNone/>
-              <a:defRPr sz="1600"/>
+            <a:lvl7pPr marL="5345948" indent="0" algn="ctr">
+              <a:buNone/>
+              <a:defRPr sz="3118"/>
             </a:lvl7pPr>
-            <a:lvl8pPr marL="3200400" indent="0" algn="ctr">
-              <a:buNone/>
-              <a:defRPr sz="1600"/>
+            <a:lvl8pPr marL="6236940" indent="0" algn="ctr">
+              <a:buNone/>
+              <a:defRPr sz="3118"/>
             </a:lvl8pPr>
-            <a:lvl9pPr marL="3657600" indent="0" algn="ctr">
-              <a:buNone/>
-              <a:defRPr sz="1600"/>
+            <a:lvl9pPr marL="7127931" indent="0" algn="ctr">
+              <a:buNone/>
+              <a:defRPr sz="3118"/>
             </a:lvl9pPr>
           </a:lstStyle>
           <a:p>
             <a:r>
-              <a:rPr lang="pt-BR"/>
+              <a:rPr lang="pt-BR" smtClean="0"/>
               <a:t>Clique para editar o estilo do subtítulo Mestre</a:t>
             </a:r>
-          </a:p>
-        </p:txBody>
-      </p:sp>
-      <p:sp>
-        <p:nvSpPr>
-          <p:cNvPr id="4" name="Espaço Reservado para Data 3">
-            <a:extLst>
-              <a:ext uri="{FF2B5EF4-FFF2-40B4-BE49-F238E27FC236}">
-                <a16:creationId xmlns:a16="http://schemas.microsoft.com/office/drawing/2014/main" id="{9E854E1A-5100-4F72-8EDB-F20F810A688F}"/>
-              </a:ext>
-            </a:extLst>
-          </p:cNvPr>
+            <a:endParaRPr lang="en-US" dirty="0"/>
+          </a:p>
+        </p:txBody>
+      </p:sp>
+      <p:sp>
+        <p:nvSpPr>
+          <p:cNvPr id="4" name="Date Placeholder 3"/>
           <p:cNvSpPr>
             <a:spLocks noGrp="1"/>
           </p:cNvSpPr>
@@ -267,13 +251,7 @@
       </p:sp>
       <p:sp>
         <p:nvSpPr>
-          <p:cNvPr id="5" name="Espaço Reservado para Rodapé 4">
-            <a:extLst>
-              <a:ext uri="{FF2B5EF4-FFF2-40B4-BE49-F238E27FC236}">
-                <a16:creationId xmlns:a16="http://schemas.microsoft.com/office/drawing/2014/main" id="{2AA01060-65D2-410F-B44D-2A1226D1E44C}"/>
-              </a:ext>
-            </a:extLst>
-          </p:cNvPr>
+          <p:cNvPr id="5" name="Footer Placeholder 4"/>
           <p:cNvSpPr>
             <a:spLocks noGrp="1"/>
           </p:cNvSpPr>
@@ -292,13 +270,7 @@
       </p:sp>
       <p:sp>
         <p:nvSpPr>
-          <p:cNvPr id="6" name="Espaço Reservado para Número de Slide 5">
-            <a:extLst>
-              <a:ext uri="{FF2B5EF4-FFF2-40B4-BE49-F238E27FC236}">
-                <a16:creationId xmlns:a16="http://schemas.microsoft.com/office/drawing/2014/main" id="{2582EDB5-2E92-427F-8381-5E877614DF2F}"/>
-              </a:ext>
-            </a:extLst>
-          </p:cNvPr>
+          <p:cNvPr id="6" name="Slide Number Placeholder 5"/>
           <p:cNvSpPr>
             <a:spLocks noGrp="1"/>
           </p:cNvSpPr>
@@ -322,7 +294,7 @@
     </p:spTree>
     <p:extLst>
       <p:ext uri="{BB962C8B-B14F-4D97-AF65-F5344CB8AC3E}">
-        <p14:creationId xmlns:p14="http://schemas.microsoft.com/office/powerpoint/2010/main" val="3674704144"/>
+        <p14:creationId xmlns:p14="http://schemas.microsoft.com/office/powerpoint/2010/main" val="2335031312"/>
       </p:ext>
     </p:extLst>
   </p:cSld>
@@ -351,13 +323,7 @@
       </p:grpSpPr>
       <p:sp>
         <p:nvSpPr>
-          <p:cNvPr id="2" name="Título 1">
-            <a:extLst>
-              <a:ext uri="{FF2B5EF4-FFF2-40B4-BE49-F238E27FC236}">
-                <a16:creationId xmlns:a16="http://schemas.microsoft.com/office/drawing/2014/main" id="{7E07EB43-490B-4A0A-AF41-EA89F4E401F6}"/>
-              </a:ext>
-            </a:extLst>
-          </p:cNvPr>
+          <p:cNvPr id="2" name="Title 1"/>
           <p:cNvSpPr>
             <a:spLocks noGrp="1"/>
           </p:cNvSpPr>
@@ -371,21 +337,16 @@
           <a:lstStyle/>
           <a:p>
             <a:r>
-              <a:rPr lang="pt-BR"/>
-              <a:t>Clique para editar o título Mestre</a:t>
-            </a:r>
-          </a:p>
-        </p:txBody>
-      </p:sp>
-      <p:sp>
-        <p:nvSpPr>
-          <p:cNvPr id="3" name="Espaço Reservado para Texto Vertical 2">
-            <a:extLst>
-              <a:ext uri="{FF2B5EF4-FFF2-40B4-BE49-F238E27FC236}">
-                <a16:creationId xmlns:a16="http://schemas.microsoft.com/office/drawing/2014/main" id="{CF373C42-1A8F-4C52-8507-427F2AC0B52B}"/>
-              </a:ext>
-            </a:extLst>
-          </p:cNvPr>
+              <a:rPr lang="pt-BR" smtClean="0"/>
+              <a:t>Clique para editar o título mestre</a:t>
+            </a:r>
+            <a:endParaRPr lang="en-US" dirty="0"/>
+          </a:p>
+        </p:txBody>
+      </p:sp>
+      <p:sp>
+        <p:nvSpPr>
+          <p:cNvPr id="3" name="Vertical Text Placeholder 2"/>
           <p:cNvSpPr>
             <a:spLocks noGrp="1"/>
           </p:cNvSpPr>
@@ -400,49 +361,44 @@
           <a:p>
             <a:pPr lvl="0"/>
             <a:r>
-              <a:rPr lang="pt-BR"/>
-              <a:t>Clique para editar os estilos de texto Mestres</a:t>
+              <a:rPr lang="pt-BR" smtClean="0"/>
+              <a:t>Editar estilos de texto Mestre</a:t>
             </a:r>
           </a:p>
           <a:p>
             <a:pPr lvl="1"/>
             <a:r>
-              <a:rPr lang="pt-BR"/>
+              <a:rPr lang="pt-BR" smtClean="0"/>
               <a:t>Segundo nível</a:t>
             </a:r>
           </a:p>
           <a:p>
             <a:pPr lvl="2"/>
             <a:r>
-              <a:rPr lang="pt-BR"/>
+              <a:rPr lang="pt-BR" smtClean="0"/>
               <a:t>Terceiro nível</a:t>
             </a:r>
           </a:p>
           <a:p>
             <a:pPr lvl="3"/>
             <a:r>
-              <a:rPr lang="pt-BR"/>
+              <a:rPr lang="pt-BR" smtClean="0"/>
               <a:t>Quarto nível</a:t>
             </a:r>
           </a:p>
           <a:p>
             <a:pPr lvl="4"/>
             <a:r>
-              <a:rPr lang="pt-BR"/>
+              <a:rPr lang="pt-BR" smtClean="0"/>
               <a:t>Quinto nível</a:t>
             </a:r>
-          </a:p>
-        </p:txBody>
-      </p:sp>
-      <p:sp>
-        <p:nvSpPr>
-          <p:cNvPr id="4" name="Espaço Reservado para Data 3">
-            <a:extLst>
-              <a:ext uri="{FF2B5EF4-FFF2-40B4-BE49-F238E27FC236}">
-                <a16:creationId xmlns:a16="http://schemas.microsoft.com/office/drawing/2014/main" id="{31EA577E-B7AF-4DDC-B6FB-EF1CDF9A2CC7}"/>
-              </a:ext>
-            </a:extLst>
-          </p:cNvPr>
+            <a:endParaRPr lang="en-US" dirty="0"/>
+          </a:p>
+        </p:txBody>
+      </p:sp>
+      <p:sp>
+        <p:nvSpPr>
+          <p:cNvPr id="4" name="Date Placeholder 3"/>
           <p:cNvSpPr>
             <a:spLocks noGrp="1"/>
           </p:cNvSpPr>
@@ -465,13 +421,7 @@
       </p:sp>
       <p:sp>
         <p:nvSpPr>
-          <p:cNvPr id="5" name="Espaço Reservado para Rodapé 4">
-            <a:extLst>
-              <a:ext uri="{FF2B5EF4-FFF2-40B4-BE49-F238E27FC236}">
-                <a16:creationId xmlns:a16="http://schemas.microsoft.com/office/drawing/2014/main" id="{0BC8BA62-E5CC-4330-A2CA-A23EB5679C3F}"/>
-              </a:ext>
-            </a:extLst>
-          </p:cNvPr>
+          <p:cNvPr id="5" name="Footer Placeholder 4"/>
           <p:cNvSpPr>
             <a:spLocks noGrp="1"/>
           </p:cNvSpPr>
@@ -490,13 +440,7 @@
       </p:sp>
       <p:sp>
         <p:nvSpPr>
-          <p:cNvPr id="6" name="Espaço Reservado para Número de Slide 5">
-            <a:extLst>
-              <a:ext uri="{FF2B5EF4-FFF2-40B4-BE49-F238E27FC236}">
-                <a16:creationId xmlns:a16="http://schemas.microsoft.com/office/drawing/2014/main" id="{19EBAA2F-B5CE-4122-B17C-FCF5B73146CC}"/>
-              </a:ext>
-            </a:extLst>
-          </p:cNvPr>
+          <p:cNvPr id="6" name="Slide Number Placeholder 5"/>
           <p:cNvSpPr>
             <a:spLocks noGrp="1"/>
           </p:cNvSpPr>
@@ -520,7 +464,7 @@
     </p:spTree>
     <p:extLst>
       <p:ext uri="{BB962C8B-B14F-4D97-AF65-F5344CB8AC3E}">
-        <p14:creationId xmlns:p14="http://schemas.microsoft.com/office/powerpoint/2010/main" val="2974681106"/>
+        <p14:creationId xmlns:p14="http://schemas.microsoft.com/office/powerpoint/2010/main" val="2953296354"/>
       </p:ext>
     </p:extLst>
   </p:cSld>
@@ -549,13 +493,7 @@
       </p:grpSpPr>
       <p:sp>
         <p:nvSpPr>
-          <p:cNvPr id="2" name="Título Vertical 1">
-            <a:extLst>
-              <a:ext uri="{FF2B5EF4-FFF2-40B4-BE49-F238E27FC236}">
-                <a16:creationId xmlns:a16="http://schemas.microsoft.com/office/drawing/2014/main" id="{3997A259-0B8C-472F-8280-5CDA3AD0A9C9}"/>
-              </a:ext>
-            </a:extLst>
-          </p:cNvPr>
+          <p:cNvPr id="2" name="Vertical Title 1"/>
           <p:cNvSpPr>
             <a:spLocks noGrp="1"/>
           </p:cNvSpPr>
@@ -565,8 +503,8 @@
         </p:nvSpPr>
         <p:spPr>
           <a:xfrm>
-            <a:off x="8724900" y="365125"/>
-            <a:ext cx="2628900" cy="5811838"/>
+            <a:off x="17003331" y="766678"/>
+            <a:ext cx="5123274" cy="12203515"/>
           </a:xfrm>
         </p:spPr>
         <p:txBody>
@@ -574,21 +512,16 @@
           <a:lstStyle/>
           <a:p>
             <a:r>
-              <a:rPr lang="pt-BR"/>
-              <a:t>Clique para editar o título Mestre</a:t>
-            </a:r>
-          </a:p>
-        </p:txBody>
-      </p:sp>
-      <p:sp>
-        <p:nvSpPr>
-          <p:cNvPr id="3" name="Espaço Reservado para Texto Vertical 2">
-            <a:extLst>
-              <a:ext uri="{FF2B5EF4-FFF2-40B4-BE49-F238E27FC236}">
-                <a16:creationId xmlns:a16="http://schemas.microsoft.com/office/drawing/2014/main" id="{44F8E59A-CC72-45BB-B63E-DBF9FCB04D6A}"/>
-              </a:ext>
-            </a:extLst>
-          </p:cNvPr>
+              <a:rPr lang="pt-BR" smtClean="0"/>
+              <a:t>Clique para editar o título mestre</a:t>
+            </a:r>
+            <a:endParaRPr lang="en-US" dirty="0"/>
+          </a:p>
+        </p:txBody>
+      </p:sp>
+      <p:sp>
+        <p:nvSpPr>
+          <p:cNvPr id="3" name="Vertical Text Placeholder 2"/>
           <p:cNvSpPr>
             <a:spLocks noGrp="1"/>
           </p:cNvSpPr>
@@ -598,8 +531,8 @@
         </p:nvSpPr>
         <p:spPr>
           <a:xfrm>
-            <a:off x="838200" y="365125"/>
-            <a:ext cx="7734300" cy="5811838"/>
+            <a:off x="1633508" y="766678"/>
+            <a:ext cx="15072822" cy="12203515"/>
           </a:xfrm>
         </p:spPr>
         <p:txBody>
@@ -608,49 +541,44 @@
           <a:p>
             <a:pPr lvl="0"/>
             <a:r>
-              <a:rPr lang="pt-BR"/>
-              <a:t>Clique para editar os estilos de texto Mestres</a:t>
+              <a:rPr lang="pt-BR" smtClean="0"/>
+              <a:t>Editar estilos de texto Mestre</a:t>
             </a:r>
           </a:p>
           <a:p>
             <a:pPr lvl="1"/>
             <a:r>
-              <a:rPr lang="pt-BR"/>
+              <a:rPr lang="pt-BR" smtClean="0"/>
               <a:t>Segundo nível</a:t>
             </a:r>
           </a:p>
           <a:p>
             <a:pPr lvl="2"/>
             <a:r>
-              <a:rPr lang="pt-BR"/>
+              <a:rPr lang="pt-BR" smtClean="0"/>
               <a:t>Terceiro nível</a:t>
             </a:r>
           </a:p>
           <a:p>
             <a:pPr lvl="3"/>
             <a:r>
-              <a:rPr lang="pt-BR"/>
+              <a:rPr lang="pt-BR" smtClean="0"/>
               <a:t>Quarto nível</a:t>
             </a:r>
           </a:p>
           <a:p>
             <a:pPr lvl="4"/>
             <a:r>
-              <a:rPr lang="pt-BR"/>
+              <a:rPr lang="pt-BR" smtClean="0"/>
               <a:t>Quinto nível</a:t>
             </a:r>
-          </a:p>
-        </p:txBody>
-      </p:sp>
-      <p:sp>
-        <p:nvSpPr>
-          <p:cNvPr id="4" name="Espaço Reservado para Data 3">
-            <a:extLst>
-              <a:ext uri="{FF2B5EF4-FFF2-40B4-BE49-F238E27FC236}">
-                <a16:creationId xmlns:a16="http://schemas.microsoft.com/office/drawing/2014/main" id="{D0C9B83A-D898-469F-AB3D-EECC4C4C6A8E}"/>
-              </a:ext>
-            </a:extLst>
-          </p:cNvPr>
+            <a:endParaRPr lang="en-US" dirty="0"/>
+          </a:p>
+        </p:txBody>
+      </p:sp>
+      <p:sp>
+        <p:nvSpPr>
+          <p:cNvPr id="4" name="Date Placeholder 3"/>
           <p:cNvSpPr>
             <a:spLocks noGrp="1"/>
           </p:cNvSpPr>
@@ -673,13 +601,7 @@
       </p:sp>
       <p:sp>
         <p:nvSpPr>
-          <p:cNvPr id="5" name="Espaço Reservado para Rodapé 4">
-            <a:extLst>
-              <a:ext uri="{FF2B5EF4-FFF2-40B4-BE49-F238E27FC236}">
-                <a16:creationId xmlns:a16="http://schemas.microsoft.com/office/drawing/2014/main" id="{D04009FA-D117-40A2-BFD1-D4CEFCBE65E7}"/>
-              </a:ext>
-            </a:extLst>
-          </p:cNvPr>
+          <p:cNvPr id="5" name="Footer Placeholder 4"/>
           <p:cNvSpPr>
             <a:spLocks noGrp="1"/>
           </p:cNvSpPr>
@@ -698,13 +620,7 @@
       </p:sp>
       <p:sp>
         <p:nvSpPr>
-          <p:cNvPr id="6" name="Espaço Reservado para Número de Slide 5">
-            <a:extLst>
-              <a:ext uri="{FF2B5EF4-FFF2-40B4-BE49-F238E27FC236}">
-                <a16:creationId xmlns:a16="http://schemas.microsoft.com/office/drawing/2014/main" id="{DC1455EE-EA59-4BEA-9A7E-2C9C982C0553}"/>
-              </a:ext>
-            </a:extLst>
-          </p:cNvPr>
+          <p:cNvPr id="6" name="Slide Number Placeholder 5"/>
           <p:cNvSpPr>
             <a:spLocks noGrp="1"/>
           </p:cNvSpPr>
@@ -728,7 +644,7 @@
     </p:spTree>
     <p:extLst>
       <p:ext uri="{BB962C8B-B14F-4D97-AF65-F5344CB8AC3E}">
-        <p14:creationId xmlns:p14="http://schemas.microsoft.com/office/powerpoint/2010/main" val="3474209467"/>
+        <p14:creationId xmlns:p14="http://schemas.microsoft.com/office/powerpoint/2010/main" val="3701120371"/>
       </p:ext>
     </p:extLst>
   </p:cSld>
@@ -757,13 +673,7 @@
       </p:grpSpPr>
       <p:sp>
         <p:nvSpPr>
-          <p:cNvPr id="2" name="Título 1">
-            <a:extLst>
-              <a:ext uri="{FF2B5EF4-FFF2-40B4-BE49-F238E27FC236}">
-                <a16:creationId xmlns:a16="http://schemas.microsoft.com/office/drawing/2014/main" id="{AB3D1181-FFF7-450E-87F3-EA3FD795A751}"/>
-              </a:ext>
-            </a:extLst>
-          </p:cNvPr>
+          <p:cNvPr id="2" name="Title 1"/>
           <p:cNvSpPr>
             <a:spLocks noGrp="1"/>
           </p:cNvSpPr>
@@ -777,21 +687,16 @@
           <a:lstStyle/>
           <a:p>
             <a:r>
-              <a:rPr lang="pt-BR"/>
-              <a:t>Clique para editar o título Mestre</a:t>
-            </a:r>
-          </a:p>
-        </p:txBody>
-      </p:sp>
-      <p:sp>
-        <p:nvSpPr>
-          <p:cNvPr id="3" name="Espaço Reservado para Conteúdo 2">
-            <a:extLst>
-              <a:ext uri="{FF2B5EF4-FFF2-40B4-BE49-F238E27FC236}">
-                <a16:creationId xmlns:a16="http://schemas.microsoft.com/office/drawing/2014/main" id="{EF8868BB-D288-456A-B53E-C68B1E7A7155}"/>
-              </a:ext>
-            </a:extLst>
-          </p:cNvPr>
+              <a:rPr lang="pt-BR" smtClean="0"/>
+              <a:t>Clique para editar o título mestre</a:t>
+            </a:r>
+            <a:endParaRPr lang="en-US" dirty="0"/>
+          </a:p>
+        </p:txBody>
+      </p:sp>
+      <p:sp>
+        <p:nvSpPr>
+          <p:cNvPr id="3" name="Content Placeholder 2"/>
           <p:cNvSpPr>
             <a:spLocks noGrp="1"/>
           </p:cNvSpPr>
@@ -806,49 +711,44 @@
           <a:p>
             <a:pPr lvl="0"/>
             <a:r>
-              <a:rPr lang="pt-BR"/>
-              <a:t>Clique para editar os estilos de texto Mestres</a:t>
+              <a:rPr lang="pt-BR" smtClean="0"/>
+              <a:t>Editar estilos de texto Mestre</a:t>
             </a:r>
           </a:p>
           <a:p>
             <a:pPr lvl="1"/>
             <a:r>
-              <a:rPr lang="pt-BR"/>
+              <a:rPr lang="pt-BR" smtClean="0"/>
               <a:t>Segundo nível</a:t>
             </a:r>
           </a:p>
           <a:p>
             <a:pPr lvl="2"/>
             <a:r>
-              <a:rPr lang="pt-BR"/>
+              <a:rPr lang="pt-BR" smtClean="0"/>
               <a:t>Terceiro nível</a:t>
             </a:r>
           </a:p>
           <a:p>
             <a:pPr lvl="3"/>
             <a:r>
-              <a:rPr lang="pt-BR"/>
+              <a:rPr lang="pt-BR" smtClean="0"/>
               <a:t>Quarto nível</a:t>
             </a:r>
           </a:p>
           <a:p>
             <a:pPr lvl="4"/>
             <a:r>
-              <a:rPr lang="pt-BR"/>
+              <a:rPr lang="pt-BR" smtClean="0"/>
               <a:t>Quinto nível</a:t>
             </a:r>
-          </a:p>
-        </p:txBody>
-      </p:sp>
-      <p:sp>
-        <p:nvSpPr>
-          <p:cNvPr id="4" name="Espaço Reservado para Data 3">
-            <a:extLst>
-              <a:ext uri="{FF2B5EF4-FFF2-40B4-BE49-F238E27FC236}">
-                <a16:creationId xmlns:a16="http://schemas.microsoft.com/office/drawing/2014/main" id="{DC2A9DDE-6010-4AEB-9119-5FB30D5BB735}"/>
-              </a:ext>
-            </a:extLst>
-          </p:cNvPr>
+            <a:endParaRPr lang="en-US" dirty="0"/>
+          </a:p>
+        </p:txBody>
+      </p:sp>
+      <p:sp>
+        <p:nvSpPr>
+          <p:cNvPr id="4" name="Date Placeholder 3"/>
           <p:cNvSpPr>
             <a:spLocks noGrp="1"/>
           </p:cNvSpPr>
@@ -871,13 +771,7 @@
       </p:sp>
       <p:sp>
         <p:nvSpPr>
-          <p:cNvPr id="5" name="Espaço Reservado para Rodapé 4">
-            <a:extLst>
-              <a:ext uri="{FF2B5EF4-FFF2-40B4-BE49-F238E27FC236}">
-                <a16:creationId xmlns:a16="http://schemas.microsoft.com/office/drawing/2014/main" id="{2F72698B-C0DA-4D65-A2BD-1FC3FE3FC03A}"/>
-              </a:ext>
-            </a:extLst>
-          </p:cNvPr>
+          <p:cNvPr id="5" name="Footer Placeholder 4"/>
           <p:cNvSpPr>
             <a:spLocks noGrp="1"/>
           </p:cNvSpPr>
@@ -896,13 +790,7 @@
       </p:sp>
       <p:sp>
         <p:nvSpPr>
-          <p:cNvPr id="6" name="Espaço Reservado para Número de Slide 5">
-            <a:extLst>
-              <a:ext uri="{FF2B5EF4-FFF2-40B4-BE49-F238E27FC236}">
-                <a16:creationId xmlns:a16="http://schemas.microsoft.com/office/drawing/2014/main" id="{F9E78D6C-1E05-4362-8599-D93AD942C36C}"/>
-              </a:ext>
-            </a:extLst>
-          </p:cNvPr>
+          <p:cNvPr id="6" name="Slide Number Placeholder 5"/>
           <p:cNvSpPr>
             <a:spLocks noGrp="1"/>
           </p:cNvSpPr>
@@ -926,7 +814,7 @@
     </p:spTree>
     <p:extLst>
       <p:ext uri="{BB962C8B-B14F-4D97-AF65-F5344CB8AC3E}">
-        <p14:creationId xmlns:p14="http://schemas.microsoft.com/office/powerpoint/2010/main" val="2160271542"/>
+        <p14:creationId xmlns:p14="http://schemas.microsoft.com/office/powerpoint/2010/main" val="888110764"/>
       </p:ext>
     </p:extLst>
   </p:cSld>
@@ -955,13 +843,7 @@
       </p:grpSpPr>
       <p:sp>
         <p:nvSpPr>
-          <p:cNvPr id="2" name="Título 1">
-            <a:extLst>
-              <a:ext uri="{FF2B5EF4-FFF2-40B4-BE49-F238E27FC236}">
-                <a16:creationId xmlns:a16="http://schemas.microsoft.com/office/drawing/2014/main" id="{8E7A703D-054A-4281-91EA-C8073D0FDEA1}"/>
-              </a:ext>
-            </a:extLst>
-          </p:cNvPr>
+          <p:cNvPr id="2" name="Title 1"/>
           <p:cNvSpPr>
             <a:spLocks noGrp="1"/>
           </p:cNvSpPr>
@@ -971,34 +853,29 @@
         </p:nvSpPr>
         <p:spPr>
           <a:xfrm>
-            <a:off x="831850" y="1709738"/>
-            <a:ext cx="10515600" cy="2852737"/>
+            <a:off x="1621133" y="3590055"/>
+            <a:ext cx="20493097" cy="5990088"/>
           </a:xfrm>
         </p:spPr>
         <p:txBody>
           <a:bodyPr anchor="b"/>
           <a:lstStyle>
             <a:lvl1pPr>
-              <a:defRPr sz="6000"/>
+              <a:defRPr sz="11693"/>
             </a:lvl1pPr>
           </a:lstStyle>
           <a:p>
             <a:r>
-              <a:rPr lang="pt-BR"/>
-              <a:t>Clique para editar o título Mestre</a:t>
-            </a:r>
-          </a:p>
-        </p:txBody>
-      </p:sp>
-      <p:sp>
-        <p:nvSpPr>
-          <p:cNvPr id="3" name="Espaço Reservado para Texto 2">
-            <a:extLst>
-              <a:ext uri="{FF2B5EF4-FFF2-40B4-BE49-F238E27FC236}">
-                <a16:creationId xmlns:a16="http://schemas.microsoft.com/office/drawing/2014/main" id="{D150546B-1310-44C1-8C5A-57B3E6CD0799}"/>
-              </a:ext>
-            </a:extLst>
-          </p:cNvPr>
+              <a:rPr lang="pt-BR" smtClean="0"/>
+              <a:t>Clique para editar o título mestre</a:t>
+            </a:r>
+            <a:endParaRPr lang="en-US" dirty="0"/>
+          </a:p>
+        </p:txBody>
+      </p:sp>
+      <p:sp>
+        <p:nvSpPr>
+          <p:cNvPr id="3" name="Text Placeholder 2"/>
           <p:cNvSpPr>
             <a:spLocks noGrp="1"/>
           </p:cNvSpPr>
@@ -1008,8 +885,8 @@
         </p:nvSpPr>
         <p:spPr>
           <a:xfrm>
-            <a:off x="831850" y="4589463"/>
-            <a:ext cx="10515600" cy="1500187"/>
+            <a:off x="1621133" y="9636811"/>
+            <a:ext cx="20493097" cy="3150046"/>
           </a:xfrm>
         </p:spPr>
         <p:txBody>
@@ -1017,7 +894,7 @@
           <a:lstStyle>
             <a:lvl1pPr marL="0" indent="0">
               <a:buNone/>
-              <a:defRPr sz="2400">
+              <a:defRPr sz="4677">
                 <a:solidFill>
                   <a:schemeClr val="tx1">
                     <a:tint val="75000"/>
@@ -1025,9 +902,9 @@
                 </a:solidFill>
               </a:defRPr>
             </a:lvl1pPr>
-            <a:lvl2pPr marL="457200" indent="0">
-              <a:buNone/>
-              <a:defRPr sz="2000">
+            <a:lvl2pPr marL="890991" indent="0">
+              <a:buNone/>
+              <a:defRPr sz="3898">
                 <a:solidFill>
                   <a:schemeClr val="tx1">
                     <a:tint val="75000"/>
@@ -1035,9 +912,9 @@
                 </a:solidFill>
               </a:defRPr>
             </a:lvl2pPr>
-            <a:lvl3pPr marL="914400" indent="0">
-              <a:buNone/>
-              <a:defRPr sz="1800">
+            <a:lvl3pPr marL="1781983" indent="0">
+              <a:buNone/>
+              <a:defRPr sz="3508">
                 <a:solidFill>
                   <a:schemeClr val="tx1">
                     <a:tint val="75000"/>
@@ -1045,9 +922,9 @@
                 </a:solidFill>
               </a:defRPr>
             </a:lvl3pPr>
-            <a:lvl4pPr marL="1371600" indent="0">
-              <a:buNone/>
-              <a:defRPr sz="1600">
+            <a:lvl4pPr marL="2672974" indent="0">
+              <a:buNone/>
+              <a:defRPr sz="3118">
                 <a:solidFill>
                   <a:schemeClr val="tx1">
                     <a:tint val="75000"/>
@@ -1055,9 +932,9 @@
                 </a:solidFill>
               </a:defRPr>
             </a:lvl4pPr>
-            <a:lvl5pPr marL="1828800" indent="0">
-              <a:buNone/>
-              <a:defRPr sz="1600">
+            <a:lvl5pPr marL="3563965" indent="0">
+              <a:buNone/>
+              <a:defRPr sz="3118">
                 <a:solidFill>
                   <a:schemeClr val="tx1">
                     <a:tint val="75000"/>
@@ -1065,9 +942,9 @@
                 </a:solidFill>
               </a:defRPr>
             </a:lvl5pPr>
-            <a:lvl6pPr marL="2286000" indent="0">
-              <a:buNone/>
-              <a:defRPr sz="1600">
+            <a:lvl6pPr marL="4454957" indent="0">
+              <a:buNone/>
+              <a:defRPr sz="3118">
                 <a:solidFill>
                   <a:schemeClr val="tx1">
                     <a:tint val="75000"/>
@@ -1075,9 +952,9 @@
                 </a:solidFill>
               </a:defRPr>
             </a:lvl6pPr>
-            <a:lvl7pPr marL="2743200" indent="0">
-              <a:buNone/>
-              <a:defRPr sz="1600">
+            <a:lvl7pPr marL="5345948" indent="0">
+              <a:buNone/>
+              <a:defRPr sz="3118">
                 <a:solidFill>
                   <a:schemeClr val="tx1">
                     <a:tint val="75000"/>
@@ -1085,9 +962,9 @@
                 </a:solidFill>
               </a:defRPr>
             </a:lvl7pPr>
-            <a:lvl8pPr marL="3200400" indent="0">
-              <a:buNone/>
-              <a:defRPr sz="1600">
+            <a:lvl8pPr marL="6236940" indent="0">
+              <a:buNone/>
+              <a:defRPr sz="3118">
                 <a:solidFill>
                   <a:schemeClr val="tx1">
                     <a:tint val="75000"/>
@@ -1095,9 +972,9 @@
                 </a:solidFill>
               </a:defRPr>
             </a:lvl8pPr>
-            <a:lvl9pPr marL="3657600" indent="0">
-              <a:buNone/>
-              <a:defRPr sz="1600">
+            <a:lvl9pPr marL="7127931" indent="0">
+              <a:buNone/>
+              <a:defRPr sz="3118">
                 <a:solidFill>
                   <a:schemeClr val="tx1">
                     <a:tint val="75000"/>
@@ -1109,21 +986,15 @@
           <a:p>
             <a:pPr lvl="0"/>
             <a:r>
-              <a:rPr lang="pt-BR"/>
-              <a:t>Clique para editar os estilos de texto Mestres</a:t>
-            </a:r>
-          </a:p>
-        </p:txBody>
-      </p:sp>
-      <p:sp>
-        <p:nvSpPr>
-          <p:cNvPr id="4" name="Espaço Reservado para Data 3">
-            <a:extLst>
-              <a:ext uri="{FF2B5EF4-FFF2-40B4-BE49-F238E27FC236}">
-                <a16:creationId xmlns:a16="http://schemas.microsoft.com/office/drawing/2014/main" id="{85E16434-3179-40D1-AFFD-6716D2329535}"/>
-              </a:ext>
-            </a:extLst>
-          </p:cNvPr>
+              <a:rPr lang="pt-BR" smtClean="0"/>
+              <a:t>Editar estilos de texto Mestre</a:t>
+            </a:r>
+          </a:p>
+        </p:txBody>
+      </p:sp>
+      <p:sp>
+        <p:nvSpPr>
+          <p:cNvPr id="4" name="Date Placeholder 3"/>
           <p:cNvSpPr>
             <a:spLocks noGrp="1"/>
           </p:cNvSpPr>
@@ -1146,13 +1017,7 @@
       </p:sp>
       <p:sp>
         <p:nvSpPr>
-          <p:cNvPr id="5" name="Espaço Reservado para Rodapé 4">
-            <a:extLst>
-              <a:ext uri="{FF2B5EF4-FFF2-40B4-BE49-F238E27FC236}">
-                <a16:creationId xmlns:a16="http://schemas.microsoft.com/office/drawing/2014/main" id="{57FCAA2D-9DB6-4706-B59F-CA2E61FEFC27}"/>
-              </a:ext>
-            </a:extLst>
-          </p:cNvPr>
+          <p:cNvPr id="5" name="Footer Placeholder 4"/>
           <p:cNvSpPr>
             <a:spLocks noGrp="1"/>
           </p:cNvSpPr>
@@ -1171,13 +1036,7 @@
       </p:sp>
       <p:sp>
         <p:nvSpPr>
-          <p:cNvPr id="6" name="Espaço Reservado para Número de Slide 5">
-            <a:extLst>
-              <a:ext uri="{FF2B5EF4-FFF2-40B4-BE49-F238E27FC236}">
-                <a16:creationId xmlns:a16="http://schemas.microsoft.com/office/drawing/2014/main" id="{63FEDABD-89BC-41FF-A0FC-AF3B5BE16DF6}"/>
-              </a:ext>
-            </a:extLst>
-          </p:cNvPr>
+          <p:cNvPr id="6" name="Slide Number Placeholder 5"/>
           <p:cNvSpPr>
             <a:spLocks noGrp="1"/>
           </p:cNvSpPr>
@@ -1201,7 +1060,7 @@
     </p:spTree>
     <p:extLst>
       <p:ext uri="{BB962C8B-B14F-4D97-AF65-F5344CB8AC3E}">
-        <p14:creationId xmlns:p14="http://schemas.microsoft.com/office/powerpoint/2010/main" val="3501282648"/>
+        <p14:creationId xmlns:p14="http://schemas.microsoft.com/office/powerpoint/2010/main" val="3879260677"/>
       </p:ext>
     </p:extLst>
   </p:cSld>
@@ -1230,13 +1089,7 @@
       </p:grpSpPr>
       <p:sp>
         <p:nvSpPr>
-          <p:cNvPr id="2" name="Título 1">
-            <a:extLst>
-              <a:ext uri="{FF2B5EF4-FFF2-40B4-BE49-F238E27FC236}">
-                <a16:creationId xmlns:a16="http://schemas.microsoft.com/office/drawing/2014/main" id="{1556F023-48C8-4729-A956-719DEA61F713}"/>
-              </a:ext>
-            </a:extLst>
-          </p:cNvPr>
+          <p:cNvPr id="2" name="Title 1"/>
           <p:cNvSpPr>
             <a:spLocks noGrp="1"/>
           </p:cNvSpPr>
@@ -1250,21 +1103,16 @@
           <a:lstStyle/>
           <a:p>
             <a:r>
-              <a:rPr lang="pt-BR"/>
-              <a:t>Clique para editar o título Mestre</a:t>
-            </a:r>
-          </a:p>
-        </p:txBody>
-      </p:sp>
-      <p:sp>
-        <p:nvSpPr>
-          <p:cNvPr id="3" name="Espaço Reservado para Conteúdo 2">
-            <a:extLst>
-              <a:ext uri="{FF2B5EF4-FFF2-40B4-BE49-F238E27FC236}">
-                <a16:creationId xmlns:a16="http://schemas.microsoft.com/office/drawing/2014/main" id="{2E516D7E-430A-4D81-A848-2C85227FC45A}"/>
-              </a:ext>
-            </a:extLst>
-          </p:cNvPr>
+              <a:rPr lang="pt-BR" smtClean="0"/>
+              <a:t>Clique para editar o título mestre</a:t>
+            </a:r>
+            <a:endParaRPr lang="en-US" dirty="0"/>
+          </a:p>
+        </p:txBody>
+      </p:sp>
+      <p:sp>
+        <p:nvSpPr>
+          <p:cNvPr id="3" name="Content Placeholder 2"/>
           <p:cNvSpPr>
             <a:spLocks noGrp="1"/>
           </p:cNvSpPr>
@@ -1274,8 +1122,8 @@
         </p:nvSpPr>
         <p:spPr>
           <a:xfrm>
-            <a:off x="838200" y="1825625"/>
-            <a:ext cx="5181600" cy="4351338"/>
+            <a:off x="1633508" y="3833390"/>
+            <a:ext cx="10098048" cy="9136803"/>
           </a:xfrm>
         </p:spPr>
         <p:txBody>
@@ -1284,49 +1132,44 @@
           <a:p>
             <a:pPr lvl="0"/>
             <a:r>
-              <a:rPr lang="pt-BR"/>
-              <a:t>Clique para editar os estilos de texto Mestres</a:t>
+              <a:rPr lang="pt-BR" smtClean="0"/>
+              <a:t>Editar estilos de texto Mestre</a:t>
             </a:r>
           </a:p>
           <a:p>
             <a:pPr lvl="1"/>
             <a:r>
-              <a:rPr lang="pt-BR"/>
+              <a:rPr lang="pt-BR" smtClean="0"/>
               <a:t>Segundo nível</a:t>
             </a:r>
           </a:p>
           <a:p>
             <a:pPr lvl="2"/>
             <a:r>
-              <a:rPr lang="pt-BR"/>
+              <a:rPr lang="pt-BR" smtClean="0"/>
               <a:t>Terceiro nível</a:t>
             </a:r>
           </a:p>
           <a:p>
             <a:pPr lvl="3"/>
             <a:r>
-              <a:rPr lang="pt-BR"/>
+              <a:rPr lang="pt-BR" smtClean="0"/>
               <a:t>Quarto nível</a:t>
             </a:r>
           </a:p>
           <a:p>
             <a:pPr lvl="4"/>
             <a:r>
-              <a:rPr lang="pt-BR"/>
+              <a:rPr lang="pt-BR" smtClean="0"/>
               <a:t>Quinto nível</a:t>
             </a:r>
-          </a:p>
-        </p:txBody>
-      </p:sp>
-      <p:sp>
-        <p:nvSpPr>
-          <p:cNvPr id="4" name="Espaço Reservado para Conteúdo 3">
-            <a:extLst>
-              <a:ext uri="{FF2B5EF4-FFF2-40B4-BE49-F238E27FC236}">
-                <a16:creationId xmlns:a16="http://schemas.microsoft.com/office/drawing/2014/main" id="{69152ED8-5A3C-4D17-AFFE-5111F45FF98B}"/>
-              </a:ext>
-            </a:extLst>
-          </p:cNvPr>
+            <a:endParaRPr lang="en-US" dirty="0"/>
+          </a:p>
+        </p:txBody>
+      </p:sp>
+      <p:sp>
+        <p:nvSpPr>
+          <p:cNvPr id="4" name="Content Placeholder 3"/>
           <p:cNvSpPr>
             <a:spLocks noGrp="1"/>
           </p:cNvSpPr>
@@ -1336,8 +1179,8 @@
         </p:nvSpPr>
         <p:spPr>
           <a:xfrm>
-            <a:off x="6172200" y="1825625"/>
-            <a:ext cx="5181600" cy="4351338"/>
+            <a:off x="12028557" y="3833390"/>
+            <a:ext cx="10098048" cy="9136803"/>
           </a:xfrm>
         </p:spPr>
         <p:txBody>
@@ -1346,49 +1189,44 @@
           <a:p>
             <a:pPr lvl="0"/>
             <a:r>
-              <a:rPr lang="pt-BR"/>
-              <a:t>Clique para editar os estilos de texto Mestres</a:t>
+              <a:rPr lang="pt-BR" smtClean="0"/>
+              <a:t>Editar estilos de texto Mestre</a:t>
             </a:r>
           </a:p>
           <a:p>
             <a:pPr lvl="1"/>
             <a:r>
-              <a:rPr lang="pt-BR"/>
+              <a:rPr lang="pt-BR" smtClean="0"/>
               <a:t>Segundo nível</a:t>
             </a:r>
           </a:p>
           <a:p>
             <a:pPr lvl="2"/>
             <a:r>
-              <a:rPr lang="pt-BR"/>
+              <a:rPr lang="pt-BR" smtClean="0"/>
               <a:t>Terceiro nível</a:t>
             </a:r>
           </a:p>
           <a:p>
             <a:pPr lvl="3"/>
             <a:r>
-              <a:rPr lang="pt-BR"/>
+              <a:rPr lang="pt-BR" smtClean="0"/>
               <a:t>Quarto nível</a:t>
             </a:r>
           </a:p>
           <a:p>
             <a:pPr lvl="4"/>
             <a:r>
-              <a:rPr lang="pt-BR"/>
+              <a:rPr lang="pt-BR" smtClean="0"/>
               <a:t>Quinto nível</a:t>
             </a:r>
-          </a:p>
-        </p:txBody>
-      </p:sp>
-      <p:sp>
-        <p:nvSpPr>
-          <p:cNvPr id="5" name="Espaço Reservado para Data 4">
-            <a:extLst>
-              <a:ext uri="{FF2B5EF4-FFF2-40B4-BE49-F238E27FC236}">
-                <a16:creationId xmlns:a16="http://schemas.microsoft.com/office/drawing/2014/main" id="{A956D2BE-B2F6-4B30-8771-ED5D59D449F3}"/>
-              </a:ext>
-            </a:extLst>
-          </p:cNvPr>
+            <a:endParaRPr lang="en-US" dirty="0"/>
+          </a:p>
+        </p:txBody>
+      </p:sp>
+      <p:sp>
+        <p:nvSpPr>
+          <p:cNvPr id="5" name="Date Placeholder 4"/>
           <p:cNvSpPr>
             <a:spLocks noGrp="1"/>
           </p:cNvSpPr>
@@ -1411,13 +1249,7 @@
       </p:sp>
       <p:sp>
         <p:nvSpPr>
-          <p:cNvPr id="6" name="Espaço Reservado para Rodapé 5">
-            <a:extLst>
-              <a:ext uri="{FF2B5EF4-FFF2-40B4-BE49-F238E27FC236}">
-                <a16:creationId xmlns:a16="http://schemas.microsoft.com/office/drawing/2014/main" id="{55745788-235F-41CB-B53A-C5F623235A3D}"/>
-              </a:ext>
-            </a:extLst>
-          </p:cNvPr>
+          <p:cNvPr id="6" name="Footer Placeholder 5"/>
           <p:cNvSpPr>
             <a:spLocks noGrp="1"/>
           </p:cNvSpPr>
@@ -1436,13 +1268,7 @@
       </p:sp>
       <p:sp>
         <p:nvSpPr>
-          <p:cNvPr id="7" name="Espaço Reservado para Número de Slide 6">
-            <a:extLst>
-              <a:ext uri="{FF2B5EF4-FFF2-40B4-BE49-F238E27FC236}">
-                <a16:creationId xmlns:a16="http://schemas.microsoft.com/office/drawing/2014/main" id="{C816EBF7-09E7-4FA3-B553-434B138095BB}"/>
-              </a:ext>
-            </a:extLst>
-          </p:cNvPr>
+          <p:cNvPr id="7" name="Slide Number Placeholder 6"/>
           <p:cNvSpPr>
             <a:spLocks noGrp="1"/>
           </p:cNvSpPr>
@@ -1466,7 +1292,7 @@
     </p:spTree>
     <p:extLst>
       <p:ext uri="{BB962C8B-B14F-4D97-AF65-F5344CB8AC3E}">
-        <p14:creationId xmlns:p14="http://schemas.microsoft.com/office/powerpoint/2010/main" val="346225138"/>
+        <p14:creationId xmlns:p14="http://schemas.microsoft.com/office/powerpoint/2010/main" val="1738670495"/>
       </p:ext>
     </p:extLst>
   </p:cSld>
@@ -1495,13 +1321,7 @@
       </p:grpSpPr>
       <p:sp>
         <p:nvSpPr>
-          <p:cNvPr id="2" name="Título 1">
-            <a:extLst>
-              <a:ext uri="{FF2B5EF4-FFF2-40B4-BE49-F238E27FC236}">
-                <a16:creationId xmlns:a16="http://schemas.microsoft.com/office/drawing/2014/main" id="{A1518B71-77AD-43DC-B743-78923A118C2F}"/>
-              </a:ext>
-            </a:extLst>
-          </p:cNvPr>
+          <p:cNvPr id="2" name="Title 1"/>
           <p:cNvSpPr>
             <a:spLocks noGrp="1"/>
           </p:cNvSpPr>
@@ -1511,8 +1331,8 @@
         </p:nvSpPr>
         <p:spPr>
           <a:xfrm>
-            <a:off x="839788" y="365125"/>
-            <a:ext cx="10515600" cy="1325563"/>
+            <a:off x="1636603" y="766679"/>
+            <a:ext cx="20493097" cy="2783376"/>
           </a:xfrm>
         </p:spPr>
         <p:txBody>
@@ -1520,21 +1340,16 @@
           <a:lstStyle/>
           <a:p>
             <a:r>
-              <a:rPr lang="pt-BR"/>
-              <a:t>Clique para editar o título Mestre</a:t>
-            </a:r>
-          </a:p>
-        </p:txBody>
-      </p:sp>
-      <p:sp>
-        <p:nvSpPr>
-          <p:cNvPr id="3" name="Espaço Reservado para Texto 2">
-            <a:extLst>
-              <a:ext uri="{FF2B5EF4-FFF2-40B4-BE49-F238E27FC236}">
-                <a16:creationId xmlns:a16="http://schemas.microsoft.com/office/drawing/2014/main" id="{4D5A9737-828A-43B0-B9F2-1C8CB7E2ED65}"/>
-              </a:ext>
-            </a:extLst>
-          </p:cNvPr>
+              <a:rPr lang="pt-BR" smtClean="0"/>
+              <a:t>Clique para editar o título mestre</a:t>
+            </a:r>
+            <a:endParaRPr lang="en-US" dirty="0"/>
+          </a:p>
+        </p:txBody>
+      </p:sp>
+      <p:sp>
+        <p:nvSpPr>
+          <p:cNvPr id="3" name="Text Placeholder 2"/>
           <p:cNvSpPr>
             <a:spLocks noGrp="1"/>
           </p:cNvSpPr>
@@ -1544,8 +1359,8 @@
         </p:nvSpPr>
         <p:spPr>
           <a:xfrm>
-            <a:off x="839788" y="1681163"/>
-            <a:ext cx="5157787" cy="823912"/>
+            <a:off x="1636603" y="3530053"/>
+            <a:ext cx="10051641" cy="1730025"/>
           </a:xfrm>
         </p:spPr>
         <p:txBody>
@@ -1553,59 +1368,53 @@
           <a:lstStyle>
             <a:lvl1pPr marL="0" indent="0">
               <a:buNone/>
-              <a:defRPr sz="2400" b="1"/>
+              <a:defRPr sz="4677" b="1"/>
             </a:lvl1pPr>
-            <a:lvl2pPr marL="457200" indent="0">
-              <a:buNone/>
-              <a:defRPr sz="2000" b="1"/>
+            <a:lvl2pPr marL="890991" indent="0">
+              <a:buNone/>
+              <a:defRPr sz="3898" b="1"/>
             </a:lvl2pPr>
-            <a:lvl3pPr marL="914400" indent="0">
-              <a:buNone/>
-              <a:defRPr sz="1800" b="1"/>
+            <a:lvl3pPr marL="1781983" indent="0">
+              <a:buNone/>
+              <a:defRPr sz="3508" b="1"/>
             </a:lvl3pPr>
-            <a:lvl4pPr marL="1371600" indent="0">
-              <a:buNone/>
-              <a:defRPr sz="1600" b="1"/>
+            <a:lvl4pPr marL="2672974" indent="0">
+              <a:buNone/>
+              <a:defRPr sz="3118" b="1"/>
             </a:lvl4pPr>
-            <a:lvl5pPr marL="1828800" indent="0">
-              <a:buNone/>
-              <a:defRPr sz="1600" b="1"/>
+            <a:lvl5pPr marL="3563965" indent="0">
+              <a:buNone/>
+              <a:defRPr sz="3118" b="1"/>
             </a:lvl5pPr>
-            <a:lvl6pPr marL="2286000" indent="0">
-              <a:buNone/>
-              <a:defRPr sz="1600" b="1"/>
+            <a:lvl6pPr marL="4454957" indent="0">
+              <a:buNone/>
+              <a:defRPr sz="3118" b="1"/>
             </a:lvl6pPr>
-            <a:lvl7pPr marL="2743200" indent="0">
-              <a:buNone/>
-              <a:defRPr sz="1600" b="1"/>
+            <a:lvl7pPr marL="5345948" indent="0">
+              <a:buNone/>
+              <a:defRPr sz="3118" b="1"/>
             </a:lvl7pPr>
-            <a:lvl8pPr marL="3200400" indent="0">
-              <a:buNone/>
-              <a:defRPr sz="1600" b="1"/>
+            <a:lvl8pPr marL="6236940" indent="0">
+              <a:buNone/>
+              <a:defRPr sz="3118" b="1"/>
             </a:lvl8pPr>
-            <a:lvl9pPr marL="3657600" indent="0">
-              <a:buNone/>
-              <a:defRPr sz="1600" b="1"/>
+            <a:lvl9pPr marL="7127931" indent="0">
+              <a:buNone/>
+              <a:defRPr sz="3118" b="1"/>
             </a:lvl9pPr>
           </a:lstStyle>
           <a:p>
             <a:pPr lvl="0"/>
             <a:r>
-              <a:rPr lang="pt-BR"/>
-              <a:t>Clique para editar os estilos de texto Mestres</a:t>
-            </a:r>
-          </a:p>
-        </p:txBody>
-      </p:sp>
-      <p:sp>
-        <p:nvSpPr>
-          <p:cNvPr id="4" name="Espaço Reservado para Conteúdo 3">
-            <a:extLst>
-              <a:ext uri="{FF2B5EF4-FFF2-40B4-BE49-F238E27FC236}">
-                <a16:creationId xmlns:a16="http://schemas.microsoft.com/office/drawing/2014/main" id="{08EC14B5-5911-47BA-8C92-5BA0BF289046}"/>
-              </a:ext>
-            </a:extLst>
-          </p:cNvPr>
+              <a:rPr lang="pt-BR" smtClean="0"/>
+              <a:t>Editar estilos de texto Mestre</a:t>
+            </a:r>
+          </a:p>
+        </p:txBody>
+      </p:sp>
+      <p:sp>
+        <p:nvSpPr>
+          <p:cNvPr id="4" name="Content Placeholder 3"/>
           <p:cNvSpPr>
             <a:spLocks noGrp="1"/>
           </p:cNvSpPr>
@@ -1615,8 +1424,8 @@
         </p:nvSpPr>
         <p:spPr>
           <a:xfrm>
-            <a:off x="839788" y="2505075"/>
-            <a:ext cx="5157787" cy="3684588"/>
+            <a:off x="1636603" y="5260078"/>
+            <a:ext cx="10051641" cy="7736782"/>
           </a:xfrm>
         </p:spPr>
         <p:txBody>
@@ -1625,49 +1434,44 @@
           <a:p>
             <a:pPr lvl="0"/>
             <a:r>
-              <a:rPr lang="pt-BR"/>
-              <a:t>Clique para editar os estilos de texto Mestres</a:t>
+              <a:rPr lang="pt-BR" smtClean="0"/>
+              <a:t>Editar estilos de texto Mestre</a:t>
             </a:r>
           </a:p>
           <a:p>
             <a:pPr lvl="1"/>
             <a:r>
-              <a:rPr lang="pt-BR"/>
+              <a:rPr lang="pt-BR" smtClean="0"/>
               <a:t>Segundo nível</a:t>
             </a:r>
           </a:p>
           <a:p>
             <a:pPr lvl="2"/>
             <a:r>
-              <a:rPr lang="pt-BR"/>
+              <a:rPr lang="pt-BR" smtClean="0"/>
               <a:t>Terceiro nível</a:t>
             </a:r>
           </a:p>
           <a:p>
             <a:pPr lvl="3"/>
             <a:r>
-              <a:rPr lang="pt-BR"/>
+              <a:rPr lang="pt-BR" smtClean="0"/>
               <a:t>Quarto nível</a:t>
             </a:r>
           </a:p>
           <a:p>
             <a:pPr lvl="4"/>
             <a:r>
-              <a:rPr lang="pt-BR"/>
+              <a:rPr lang="pt-BR" smtClean="0"/>
               <a:t>Quinto nível</a:t>
             </a:r>
-          </a:p>
-        </p:txBody>
-      </p:sp>
-      <p:sp>
-        <p:nvSpPr>
-          <p:cNvPr id="5" name="Espaço Reservado para Texto 4">
-            <a:extLst>
-              <a:ext uri="{FF2B5EF4-FFF2-40B4-BE49-F238E27FC236}">
-                <a16:creationId xmlns:a16="http://schemas.microsoft.com/office/drawing/2014/main" id="{204BF217-6CF5-4E5F-9EA0-4F0C9A91E048}"/>
-              </a:ext>
-            </a:extLst>
-          </p:cNvPr>
+            <a:endParaRPr lang="en-US" dirty="0"/>
+          </a:p>
+        </p:txBody>
+      </p:sp>
+      <p:sp>
+        <p:nvSpPr>
+          <p:cNvPr id="5" name="Text Placeholder 4"/>
           <p:cNvSpPr>
             <a:spLocks noGrp="1"/>
           </p:cNvSpPr>
@@ -1677,8 +1481,8 @@
         </p:nvSpPr>
         <p:spPr>
           <a:xfrm>
-            <a:off x="6172200" y="1681163"/>
-            <a:ext cx="5183188" cy="823912"/>
+            <a:off x="12028557" y="3530053"/>
+            <a:ext cx="10101143" cy="1730025"/>
           </a:xfrm>
         </p:spPr>
         <p:txBody>
@@ -1686,59 +1490,53 @@
           <a:lstStyle>
             <a:lvl1pPr marL="0" indent="0">
               <a:buNone/>
-              <a:defRPr sz="2400" b="1"/>
+              <a:defRPr sz="4677" b="1"/>
             </a:lvl1pPr>
-            <a:lvl2pPr marL="457200" indent="0">
-              <a:buNone/>
-              <a:defRPr sz="2000" b="1"/>
+            <a:lvl2pPr marL="890991" indent="0">
+              <a:buNone/>
+              <a:defRPr sz="3898" b="1"/>
             </a:lvl2pPr>
-            <a:lvl3pPr marL="914400" indent="0">
-              <a:buNone/>
-              <a:defRPr sz="1800" b="1"/>
+            <a:lvl3pPr marL="1781983" indent="0">
+              <a:buNone/>
+              <a:defRPr sz="3508" b="1"/>
             </a:lvl3pPr>
-            <a:lvl4pPr marL="1371600" indent="0">
-              <a:buNone/>
-              <a:defRPr sz="1600" b="1"/>
+            <a:lvl4pPr marL="2672974" indent="0">
+              <a:buNone/>
+              <a:defRPr sz="3118" b="1"/>
             </a:lvl4pPr>
-            <a:lvl5pPr marL="1828800" indent="0">
-              <a:buNone/>
-              <a:defRPr sz="1600" b="1"/>
+            <a:lvl5pPr marL="3563965" indent="0">
+              <a:buNone/>
+              <a:defRPr sz="3118" b="1"/>
             </a:lvl5pPr>
-            <a:lvl6pPr marL="2286000" indent="0">
-              <a:buNone/>
-              <a:defRPr sz="1600" b="1"/>
+            <a:lvl6pPr marL="4454957" indent="0">
+              <a:buNone/>
+              <a:defRPr sz="3118" b="1"/>
             </a:lvl6pPr>
-            <a:lvl7pPr marL="2743200" indent="0">
-              <a:buNone/>
-              <a:defRPr sz="1600" b="1"/>
+            <a:lvl7pPr marL="5345948" indent="0">
+              <a:buNone/>
+              <a:defRPr sz="3118" b="1"/>
             </a:lvl7pPr>
-            <a:lvl8pPr marL="3200400" indent="0">
-              <a:buNone/>
-              <a:defRPr sz="1600" b="1"/>
+            <a:lvl8pPr marL="6236940" indent="0">
+              <a:buNone/>
+              <a:defRPr sz="3118" b="1"/>
             </a:lvl8pPr>
-            <a:lvl9pPr marL="3657600" indent="0">
-              <a:buNone/>
-              <a:defRPr sz="1600" b="1"/>
+            <a:lvl9pPr marL="7127931" indent="0">
+              <a:buNone/>
+              <a:defRPr sz="3118" b="1"/>
             </a:lvl9pPr>
           </a:lstStyle>
           <a:p>
             <a:pPr lvl="0"/>
             <a:r>
-              <a:rPr lang="pt-BR"/>
-              <a:t>Clique para editar os estilos de texto Mestres</a:t>
-            </a:r>
-          </a:p>
-        </p:txBody>
-      </p:sp>
-      <p:sp>
-        <p:nvSpPr>
-          <p:cNvPr id="6" name="Espaço Reservado para Conteúdo 5">
-            <a:extLst>
-              <a:ext uri="{FF2B5EF4-FFF2-40B4-BE49-F238E27FC236}">
-                <a16:creationId xmlns:a16="http://schemas.microsoft.com/office/drawing/2014/main" id="{10CA0438-16A1-49FB-A319-A96AD2F0C7F1}"/>
-              </a:ext>
-            </a:extLst>
-          </p:cNvPr>
+              <a:rPr lang="pt-BR" smtClean="0"/>
+              <a:t>Editar estilos de texto Mestre</a:t>
+            </a:r>
+          </a:p>
+        </p:txBody>
+      </p:sp>
+      <p:sp>
+        <p:nvSpPr>
+          <p:cNvPr id="6" name="Content Placeholder 5"/>
           <p:cNvSpPr>
             <a:spLocks noGrp="1"/>
           </p:cNvSpPr>
@@ -1748,8 +1546,8 @@
         </p:nvSpPr>
         <p:spPr>
           <a:xfrm>
-            <a:off x="6172200" y="2505075"/>
-            <a:ext cx="5183188" cy="3684588"/>
+            <a:off x="12028557" y="5260078"/>
+            <a:ext cx="10101143" cy="7736782"/>
           </a:xfrm>
         </p:spPr>
         <p:txBody>
@@ -1758,49 +1556,44 @@
           <a:p>
             <a:pPr lvl="0"/>
             <a:r>
-              <a:rPr lang="pt-BR"/>
-              <a:t>Clique para editar os estilos de texto Mestres</a:t>
+              <a:rPr lang="pt-BR" smtClean="0"/>
+              <a:t>Editar estilos de texto Mestre</a:t>
             </a:r>
           </a:p>
           <a:p>
             <a:pPr lvl="1"/>
             <a:r>
-              <a:rPr lang="pt-BR"/>
+              <a:rPr lang="pt-BR" smtClean="0"/>
               <a:t>Segundo nível</a:t>
             </a:r>
           </a:p>
           <a:p>
             <a:pPr lvl="2"/>
             <a:r>
-              <a:rPr lang="pt-BR"/>
+              <a:rPr lang="pt-BR" smtClean="0"/>
               <a:t>Terceiro nível</a:t>
             </a:r>
           </a:p>
           <a:p>
             <a:pPr lvl="3"/>
             <a:r>
-              <a:rPr lang="pt-BR"/>
+              <a:rPr lang="pt-BR" smtClean="0"/>
               <a:t>Quarto nível</a:t>
             </a:r>
           </a:p>
           <a:p>
             <a:pPr lvl="4"/>
             <a:r>
-              <a:rPr lang="pt-BR"/>
+              <a:rPr lang="pt-BR" smtClean="0"/>
               <a:t>Quinto nível</a:t>
             </a:r>
-          </a:p>
-        </p:txBody>
-      </p:sp>
-      <p:sp>
-        <p:nvSpPr>
-          <p:cNvPr id="7" name="Espaço Reservado para Data 6">
-            <a:extLst>
-              <a:ext uri="{FF2B5EF4-FFF2-40B4-BE49-F238E27FC236}">
-                <a16:creationId xmlns:a16="http://schemas.microsoft.com/office/drawing/2014/main" id="{A9173C3B-9F80-4793-944F-829F24B07EF8}"/>
-              </a:ext>
-            </a:extLst>
-          </p:cNvPr>
+            <a:endParaRPr lang="en-US" dirty="0"/>
+          </a:p>
+        </p:txBody>
+      </p:sp>
+      <p:sp>
+        <p:nvSpPr>
+          <p:cNvPr id="7" name="Date Placeholder 6"/>
           <p:cNvSpPr>
             <a:spLocks noGrp="1"/>
           </p:cNvSpPr>
@@ -1823,13 +1616,7 @@
       </p:sp>
       <p:sp>
         <p:nvSpPr>
-          <p:cNvPr id="8" name="Espaço Reservado para Rodapé 7">
-            <a:extLst>
-              <a:ext uri="{FF2B5EF4-FFF2-40B4-BE49-F238E27FC236}">
-                <a16:creationId xmlns:a16="http://schemas.microsoft.com/office/drawing/2014/main" id="{060CAED1-1521-4539-ACFB-8292015137AD}"/>
-              </a:ext>
-            </a:extLst>
-          </p:cNvPr>
+          <p:cNvPr id="8" name="Footer Placeholder 7"/>
           <p:cNvSpPr>
             <a:spLocks noGrp="1"/>
           </p:cNvSpPr>
@@ -1848,13 +1635,7 @@
       </p:sp>
       <p:sp>
         <p:nvSpPr>
-          <p:cNvPr id="9" name="Espaço Reservado para Número de Slide 8">
-            <a:extLst>
-              <a:ext uri="{FF2B5EF4-FFF2-40B4-BE49-F238E27FC236}">
-                <a16:creationId xmlns:a16="http://schemas.microsoft.com/office/drawing/2014/main" id="{ADBB41D0-B211-4644-8022-D7D6A5381E4C}"/>
-              </a:ext>
-            </a:extLst>
-          </p:cNvPr>
+          <p:cNvPr id="9" name="Slide Number Placeholder 8"/>
           <p:cNvSpPr>
             <a:spLocks noGrp="1"/>
           </p:cNvSpPr>
@@ -1878,7 +1659,7 @@
     </p:spTree>
     <p:extLst>
       <p:ext uri="{BB962C8B-B14F-4D97-AF65-F5344CB8AC3E}">
-        <p14:creationId xmlns:p14="http://schemas.microsoft.com/office/powerpoint/2010/main" val="1431550231"/>
+        <p14:creationId xmlns:p14="http://schemas.microsoft.com/office/powerpoint/2010/main" val="3166229193"/>
       </p:ext>
     </p:extLst>
   </p:cSld>
@@ -1907,13 +1688,7 @@
       </p:grpSpPr>
       <p:sp>
         <p:nvSpPr>
-          <p:cNvPr id="2" name="Título 1">
-            <a:extLst>
-              <a:ext uri="{FF2B5EF4-FFF2-40B4-BE49-F238E27FC236}">
-                <a16:creationId xmlns:a16="http://schemas.microsoft.com/office/drawing/2014/main" id="{F77BB6CF-3CD8-4CCD-B861-D16CAD1A15D3}"/>
-              </a:ext>
-            </a:extLst>
-          </p:cNvPr>
+          <p:cNvPr id="2" name="Title 1"/>
           <p:cNvSpPr>
             <a:spLocks noGrp="1"/>
           </p:cNvSpPr>
@@ -1927,21 +1702,16 @@
           <a:lstStyle/>
           <a:p>
             <a:r>
-              <a:rPr lang="pt-BR"/>
-              <a:t>Clique para editar o título Mestre</a:t>
-            </a:r>
-          </a:p>
-        </p:txBody>
-      </p:sp>
-      <p:sp>
-        <p:nvSpPr>
-          <p:cNvPr id="3" name="Espaço Reservado para Data 2">
-            <a:extLst>
-              <a:ext uri="{FF2B5EF4-FFF2-40B4-BE49-F238E27FC236}">
-                <a16:creationId xmlns:a16="http://schemas.microsoft.com/office/drawing/2014/main" id="{357E0F71-2EF7-4DD2-B9E9-4977FC87DC32}"/>
-              </a:ext>
-            </a:extLst>
-          </p:cNvPr>
+              <a:rPr lang="pt-BR" smtClean="0"/>
+              <a:t>Clique para editar o título mestre</a:t>
+            </a:r>
+            <a:endParaRPr lang="en-US" dirty="0"/>
+          </a:p>
+        </p:txBody>
+      </p:sp>
+      <p:sp>
+        <p:nvSpPr>
+          <p:cNvPr id="3" name="Date Placeholder 2"/>
           <p:cNvSpPr>
             <a:spLocks noGrp="1"/>
           </p:cNvSpPr>
@@ -1964,13 +1734,7 @@
       </p:sp>
       <p:sp>
         <p:nvSpPr>
-          <p:cNvPr id="4" name="Espaço Reservado para Rodapé 3">
-            <a:extLst>
-              <a:ext uri="{FF2B5EF4-FFF2-40B4-BE49-F238E27FC236}">
-                <a16:creationId xmlns:a16="http://schemas.microsoft.com/office/drawing/2014/main" id="{C8EB16F4-27EA-4048-9CDC-D12EA841CE7B}"/>
-              </a:ext>
-            </a:extLst>
-          </p:cNvPr>
+          <p:cNvPr id="4" name="Footer Placeholder 3"/>
           <p:cNvSpPr>
             <a:spLocks noGrp="1"/>
           </p:cNvSpPr>
@@ -1989,13 +1753,7 @@
       </p:sp>
       <p:sp>
         <p:nvSpPr>
-          <p:cNvPr id="5" name="Espaço Reservado para Número de Slide 4">
-            <a:extLst>
-              <a:ext uri="{FF2B5EF4-FFF2-40B4-BE49-F238E27FC236}">
-                <a16:creationId xmlns:a16="http://schemas.microsoft.com/office/drawing/2014/main" id="{30FF335E-D18D-4DCD-951B-F99D09EE24FC}"/>
-              </a:ext>
-            </a:extLst>
-          </p:cNvPr>
+          <p:cNvPr id="5" name="Slide Number Placeholder 4"/>
           <p:cNvSpPr>
             <a:spLocks noGrp="1"/>
           </p:cNvSpPr>
@@ -2019,7 +1777,7 @@
     </p:spTree>
     <p:extLst>
       <p:ext uri="{BB962C8B-B14F-4D97-AF65-F5344CB8AC3E}">
-        <p14:creationId xmlns:p14="http://schemas.microsoft.com/office/powerpoint/2010/main" val="4095027678"/>
+        <p14:creationId xmlns:p14="http://schemas.microsoft.com/office/powerpoint/2010/main" val="745927981"/>
       </p:ext>
     </p:extLst>
   </p:cSld>
@@ -2031,7 +1789,7 @@
 
 <file path=ppt/slideLayouts/slideLayout7.xml><?xml version="1.0" encoding="utf-8"?>
 <p:sldLayout xmlns:a="http://schemas.openxmlformats.org/drawingml/2006/main" xmlns:r="http://schemas.openxmlformats.org/officeDocument/2006/relationships" xmlns:p="http://schemas.openxmlformats.org/presentationml/2006/main" type="blank" preserve="1">
-  <p:cSld name="Em Branco">
+  <p:cSld name="Em branco">
     <p:spTree>
       <p:nvGrpSpPr>
         <p:cNvPr id="1" name=""/>
@@ -2048,13 +1806,7 @@
       </p:grpSpPr>
       <p:sp>
         <p:nvSpPr>
-          <p:cNvPr id="2" name="Espaço Reservado para Data 1">
-            <a:extLst>
-              <a:ext uri="{FF2B5EF4-FFF2-40B4-BE49-F238E27FC236}">
-                <a16:creationId xmlns:a16="http://schemas.microsoft.com/office/drawing/2014/main" id="{DE360C55-951F-4A90-928D-5DB243ECB5B3}"/>
-              </a:ext>
-            </a:extLst>
-          </p:cNvPr>
+          <p:cNvPr id="2" name="Date Placeholder 1"/>
           <p:cNvSpPr>
             <a:spLocks noGrp="1"/>
           </p:cNvSpPr>
@@ -2077,13 +1829,7 @@
       </p:sp>
       <p:sp>
         <p:nvSpPr>
-          <p:cNvPr id="3" name="Espaço Reservado para Rodapé 2">
-            <a:extLst>
-              <a:ext uri="{FF2B5EF4-FFF2-40B4-BE49-F238E27FC236}">
-                <a16:creationId xmlns:a16="http://schemas.microsoft.com/office/drawing/2014/main" id="{E11CC003-6280-457A-A970-7EF39573B97A}"/>
-              </a:ext>
-            </a:extLst>
-          </p:cNvPr>
+          <p:cNvPr id="3" name="Footer Placeholder 2"/>
           <p:cNvSpPr>
             <a:spLocks noGrp="1"/>
           </p:cNvSpPr>
@@ -2102,13 +1848,7 @@
       </p:sp>
       <p:sp>
         <p:nvSpPr>
-          <p:cNvPr id="4" name="Espaço Reservado para Número de Slide 3">
-            <a:extLst>
-              <a:ext uri="{FF2B5EF4-FFF2-40B4-BE49-F238E27FC236}">
-                <a16:creationId xmlns:a16="http://schemas.microsoft.com/office/drawing/2014/main" id="{9489E7D0-61D6-40A9-A334-3296AFC1F7CD}"/>
-              </a:ext>
-            </a:extLst>
-          </p:cNvPr>
+          <p:cNvPr id="4" name="Slide Number Placeholder 3"/>
           <p:cNvSpPr>
             <a:spLocks noGrp="1"/>
           </p:cNvSpPr>
@@ -2132,7 +1872,7 @@
     </p:spTree>
     <p:extLst>
       <p:ext uri="{BB962C8B-B14F-4D97-AF65-F5344CB8AC3E}">
-        <p14:creationId xmlns:p14="http://schemas.microsoft.com/office/powerpoint/2010/main" val="1483967923"/>
+        <p14:creationId xmlns:p14="http://schemas.microsoft.com/office/powerpoint/2010/main" val="279758923"/>
       </p:ext>
     </p:extLst>
   </p:cSld>
@@ -2161,13 +1901,7 @@
       </p:grpSpPr>
       <p:sp>
         <p:nvSpPr>
-          <p:cNvPr id="2" name="Título 1">
-            <a:extLst>
-              <a:ext uri="{FF2B5EF4-FFF2-40B4-BE49-F238E27FC236}">
-                <a16:creationId xmlns:a16="http://schemas.microsoft.com/office/drawing/2014/main" id="{7A802456-42E1-49BF-89CD-795AD8E08B84}"/>
-              </a:ext>
-            </a:extLst>
-          </p:cNvPr>
+          <p:cNvPr id="2" name="Title 1"/>
           <p:cNvSpPr>
             <a:spLocks noGrp="1"/>
           </p:cNvSpPr>
@@ -2177,34 +1911,29 @@
         </p:nvSpPr>
         <p:spPr>
           <a:xfrm>
-            <a:off x="839788" y="457200"/>
-            <a:ext cx="3932237" cy="1600200"/>
+            <a:off x="1636604" y="960014"/>
+            <a:ext cx="7663254" cy="3360050"/>
           </a:xfrm>
         </p:spPr>
         <p:txBody>
           <a:bodyPr anchor="b"/>
           <a:lstStyle>
             <a:lvl1pPr>
-              <a:defRPr sz="3200"/>
+              <a:defRPr sz="6236"/>
             </a:lvl1pPr>
           </a:lstStyle>
           <a:p>
             <a:r>
-              <a:rPr lang="pt-BR"/>
-              <a:t>Clique para editar o título Mestre</a:t>
-            </a:r>
-          </a:p>
-        </p:txBody>
-      </p:sp>
-      <p:sp>
-        <p:nvSpPr>
-          <p:cNvPr id="3" name="Espaço Reservado para Conteúdo 2">
-            <a:extLst>
-              <a:ext uri="{FF2B5EF4-FFF2-40B4-BE49-F238E27FC236}">
-                <a16:creationId xmlns:a16="http://schemas.microsoft.com/office/drawing/2014/main" id="{F85ACDD1-E20F-4101-9B79-9BABBFC74E65}"/>
-              </a:ext>
-            </a:extLst>
-          </p:cNvPr>
+              <a:rPr lang="pt-BR" smtClean="0"/>
+              <a:t>Clique para editar o título mestre</a:t>
+            </a:r>
+            <a:endParaRPr lang="en-US" dirty="0"/>
+          </a:p>
+        </p:txBody>
+      </p:sp>
+      <p:sp>
+        <p:nvSpPr>
+          <p:cNvPr id="3" name="Content Placeholder 2"/>
           <p:cNvSpPr>
             <a:spLocks noGrp="1"/>
           </p:cNvSpPr>
@@ -2214,87 +1943,82 @@
         </p:nvSpPr>
         <p:spPr>
           <a:xfrm>
-            <a:off x="5183188" y="987425"/>
-            <a:ext cx="6172200" cy="4873625"/>
+            <a:off x="10101143" y="2073365"/>
+            <a:ext cx="12028557" cy="10233485"/>
           </a:xfrm>
         </p:spPr>
         <p:txBody>
           <a:bodyPr/>
           <a:lstStyle>
             <a:lvl1pPr>
-              <a:defRPr sz="3200"/>
+              <a:defRPr sz="6236"/>
             </a:lvl1pPr>
             <a:lvl2pPr>
-              <a:defRPr sz="2800"/>
+              <a:defRPr sz="5457"/>
             </a:lvl2pPr>
             <a:lvl3pPr>
-              <a:defRPr sz="2400"/>
+              <a:defRPr sz="4677"/>
             </a:lvl3pPr>
             <a:lvl4pPr>
-              <a:defRPr sz="2000"/>
+              <a:defRPr sz="3898"/>
             </a:lvl4pPr>
             <a:lvl5pPr>
-              <a:defRPr sz="2000"/>
+              <a:defRPr sz="3898"/>
             </a:lvl5pPr>
             <a:lvl6pPr>
-              <a:defRPr sz="2000"/>
+              <a:defRPr sz="3898"/>
             </a:lvl6pPr>
             <a:lvl7pPr>
-              <a:defRPr sz="2000"/>
+              <a:defRPr sz="3898"/>
             </a:lvl7pPr>
             <a:lvl8pPr>
-              <a:defRPr sz="2000"/>
+              <a:defRPr sz="3898"/>
             </a:lvl8pPr>
             <a:lvl9pPr>
-              <a:defRPr sz="2000"/>
+              <a:defRPr sz="3898"/>
             </a:lvl9pPr>
           </a:lstStyle>
           <a:p>
             <a:pPr lvl="0"/>
             <a:r>
-              <a:rPr lang="pt-BR"/>
-              <a:t>Clique para editar os estilos de texto Mestres</a:t>
+              <a:rPr lang="pt-BR" smtClean="0"/>
+              <a:t>Editar estilos de texto Mestre</a:t>
             </a:r>
           </a:p>
           <a:p>
             <a:pPr lvl="1"/>
             <a:r>
-              <a:rPr lang="pt-BR"/>
+              <a:rPr lang="pt-BR" smtClean="0"/>
               <a:t>Segundo nível</a:t>
             </a:r>
           </a:p>
           <a:p>
             <a:pPr lvl="2"/>
             <a:r>
-              <a:rPr lang="pt-BR"/>
+              <a:rPr lang="pt-BR" smtClean="0"/>
               <a:t>Terceiro nível</a:t>
             </a:r>
           </a:p>
           <a:p>
             <a:pPr lvl="3"/>
             <a:r>
-              <a:rPr lang="pt-BR"/>
+              <a:rPr lang="pt-BR" smtClean="0"/>
               <a:t>Quarto nível</a:t>
             </a:r>
           </a:p>
           <a:p>
             <a:pPr lvl="4"/>
             <a:r>
-              <a:rPr lang="pt-BR"/>
+              <a:rPr lang="pt-BR" smtClean="0"/>
               <a:t>Quinto nível</a:t>
             </a:r>
-          </a:p>
-        </p:txBody>
-      </p:sp>
-      <p:sp>
-        <p:nvSpPr>
-          <p:cNvPr id="4" name="Espaço Reservado para Texto 3">
-            <a:extLst>
-              <a:ext uri="{FF2B5EF4-FFF2-40B4-BE49-F238E27FC236}">
-                <a16:creationId xmlns:a16="http://schemas.microsoft.com/office/drawing/2014/main" id="{9D8C0453-8638-4C00-8293-E456E85204AD}"/>
-              </a:ext>
-            </a:extLst>
-          </p:cNvPr>
+            <a:endParaRPr lang="en-US" dirty="0"/>
+          </a:p>
+        </p:txBody>
+      </p:sp>
+      <p:sp>
+        <p:nvSpPr>
+          <p:cNvPr id="4" name="Text Placeholder 3"/>
           <p:cNvSpPr>
             <a:spLocks noGrp="1"/>
           </p:cNvSpPr>
@@ -2304,8 +2028,8 @@
         </p:nvSpPr>
         <p:spPr>
           <a:xfrm>
-            <a:off x="839788" y="2057400"/>
-            <a:ext cx="3932237" cy="3811588"/>
+            <a:off x="1636604" y="4320064"/>
+            <a:ext cx="7663254" cy="8003453"/>
           </a:xfrm>
         </p:spPr>
         <p:txBody>
@@ -2313,59 +2037,53 @@
           <a:lstStyle>
             <a:lvl1pPr marL="0" indent="0">
               <a:buNone/>
-              <a:defRPr sz="1600"/>
+              <a:defRPr sz="3118"/>
             </a:lvl1pPr>
-            <a:lvl2pPr marL="457200" indent="0">
-              <a:buNone/>
-              <a:defRPr sz="1400"/>
+            <a:lvl2pPr marL="890991" indent="0">
+              <a:buNone/>
+              <a:defRPr sz="2728"/>
             </a:lvl2pPr>
-            <a:lvl3pPr marL="914400" indent="0">
-              <a:buNone/>
-              <a:defRPr sz="1200"/>
+            <a:lvl3pPr marL="1781983" indent="0">
+              <a:buNone/>
+              <a:defRPr sz="2339"/>
             </a:lvl3pPr>
-            <a:lvl4pPr marL="1371600" indent="0">
-              <a:buNone/>
-              <a:defRPr sz="1000"/>
+            <a:lvl4pPr marL="2672974" indent="0">
+              <a:buNone/>
+              <a:defRPr sz="1949"/>
             </a:lvl4pPr>
-            <a:lvl5pPr marL="1828800" indent="0">
-              <a:buNone/>
-              <a:defRPr sz="1000"/>
+            <a:lvl5pPr marL="3563965" indent="0">
+              <a:buNone/>
+              <a:defRPr sz="1949"/>
             </a:lvl5pPr>
-            <a:lvl6pPr marL="2286000" indent="0">
-              <a:buNone/>
-              <a:defRPr sz="1000"/>
+            <a:lvl6pPr marL="4454957" indent="0">
+              <a:buNone/>
+              <a:defRPr sz="1949"/>
             </a:lvl6pPr>
-            <a:lvl7pPr marL="2743200" indent="0">
-              <a:buNone/>
-              <a:defRPr sz="1000"/>
+            <a:lvl7pPr marL="5345948" indent="0">
+              <a:buNone/>
+              <a:defRPr sz="1949"/>
             </a:lvl7pPr>
-            <a:lvl8pPr marL="3200400" indent="0">
-              <a:buNone/>
-              <a:defRPr sz="1000"/>
+            <a:lvl8pPr marL="6236940" indent="0">
+              <a:buNone/>
+              <a:defRPr sz="1949"/>
             </a:lvl8pPr>
-            <a:lvl9pPr marL="3657600" indent="0">
-              <a:buNone/>
-              <a:defRPr sz="1000"/>
+            <a:lvl9pPr marL="7127931" indent="0">
+              <a:buNone/>
+              <a:defRPr sz="1949"/>
             </a:lvl9pPr>
           </a:lstStyle>
           <a:p>
             <a:pPr lvl="0"/>
             <a:r>
-              <a:rPr lang="pt-BR"/>
-              <a:t>Clique para editar os estilos de texto Mestres</a:t>
-            </a:r>
-          </a:p>
-        </p:txBody>
-      </p:sp>
-      <p:sp>
-        <p:nvSpPr>
-          <p:cNvPr id="5" name="Espaço Reservado para Data 4">
-            <a:extLst>
-              <a:ext uri="{FF2B5EF4-FFF2-40B4-BE49-F238E27FC236}">
-                <a16:creationId xmlns:a16="http://schemas.microsoft.com/office/drawing/2014/main" id="{B96FEA16-C188-4FFA-A243-F22185B5C731}"/>
-              </a:ext>
-            </a:extLst>
-          </p:cNvPr>
+              <a:rPr lang="pt-BR" smtClean="0"/>
+              <a:t>Editar estilos de texto Mestre</a:t>
+            </a:r>
+          </a:p>
+        </p:txBody>
+      </p:sp>
+      <p:sp>
+        <p:nvSpPr>
+          <p:cNvPr id="5" name="Date Placeholder 4"/>
           <p:cNvSpPr>
             <a:spLocks noGrp="1"/>
           </p:cNvSpPr>
@@ -2388,13 +2106,7 @@
       </p:sp>
       <p:sp>
         <p:nvSpPr>
-          <p:cNvPr id="6" name="Espaço Reservado para Rodapé 5">
-            <a:extLst>
-              <a:ext uri="{FF2B5EF4-FFF2-40B4-BE49-F238E27FC236}">
-                <a16:creationId xmlns:a16="http://schemas.microsoft.com/office/drawing/2014/main" id="{BF26BAFF-73F0-46AB-BDCC-7F213AD00325}"/>
-              </a:ext>
-            </a:extLst>
-          </p:cNvPr>
+          <p:cNvPr id="6" name="Footer Placeholder 5"/>
           <p:cNvSpPr>
             <a:spLocks noGrp="1"/>
           </p:cNvSpPr>
@@ -2413,13 +2125,7 @@
       </p:sp>
       <p:sp>
         <p:nvSpPr>
-          <p:cNvPr id="7" name="Espaço Reservado para Número de Slide 6">
-            <a:extLst>
-              <a:ext uri="{FF2B5EF4-FFF2-40B4-BE49-F238E27FC236}">
-                <a16:creationId xmlns:a16="http://schemas.microsoft.com/office/drawing/2014/main" id="{5093738B-75CE-4B18-9717-D31DFCAAA356}"/>
-              </a:ext>
-            </a:extLst>
-          </p:cNvPr>
+          <p:cNvPr id="7" name="Slide Number Placeholder 6"/>
           <p:cNvSpPr>
             <a:spLocks noGrp="1"/>
           </p:cNvSpPr>
@@ -2443,7 +2149,7 @@
     </p:spTree>
     <p:extLst>
       <p:ext uri="{BB962C8B-B14F-4D97-AF65-F5344CB8AC3E}">
-        <p14:creationId xmlns:p14="http://schemas.microsoft.com/office/powerpoint/2010/main" val="2574119945"/>
+        <p14:creationId xmlns:p14="http://schemas.microsoft.com/office/powerpoint/2010/main" val="1275596780"/>
       </p:ext>
     </p:extLst>
   </p:cSld>
@@ -2472,13 +2178,7 @@
       </p:grpSpPr>
       <p:sp>
         <p:nvSpPr>
-          <p:cNvPr id="2" name="Título 1">
-            <a:extLst>
-              <a:ext uri="{FF2B5EF4-FFF2-40B4-BE49-F238E27FC236}">
-                <a16:creationId xmlns:a16="http://schemas.microsoft.com/office/drawing/2014/main" id="{433F2A44-D221-494F-8789-6CD72A2F812E}"/>
-              </a:ext>
-            </a:extLst>
-          </p:cNvPr>
+          <p:cNvPr id="2" name="Title 1"/>
           <p:cNvSpPr>
             <a:spLocks noGrp="1"/>
           </p:cNvSpPr>
@@ -2488,36 +2188,31 @@
         </p:nvSpPr>
         <p:spPr>
           <a:xfrm>
-            <a:off x="839788" y="457200"/>
-            <a:ext cx="3932237" cy="1600200"/>
+            <a:off x="1636604" y="960014"/>
+            <a:ext cx="7663254" cy="3360050"/>
           </a:xfrm>
         </p:spPr>
         <p:txBody>
           <a:bodyPr anchor="b"/>
           <a:lstStyle>
             <a:lvl1pPr>
-              <a:defRPr sz="3200"/>
+              <a:defRPr sz="6236"/>
             </a:lvl1pPr>
           </a:lstStyle>
           <a:p>
             <a:r>
-              <a:rPr lang="pt-BR"/>
-              <a:t>Clique para editar o título Mestre</a:t>
-            </a:r>
-          </a:p>
-        </p:txBody>
-      </p:sp>
-      <p:sp>
-        <p:nvSpPr>
-          <p:cNvPr id="3" name="Espaço Reservado para Imagem 2">
-            <a:extLst>
-              <a:ext uri="{FF2B5EF4-FFF2-40B4-BE49-F238E27FC236}">
-                <a16:creationId xmlns:a16="http://schemas.microsoft.com/office/drawing/2014/main" id="{6893A5B0-66B1-4643-A41C-1DCD5751F9DD}"/>
-              </a:ext>
-            </a:extLst>
-          </p:cNvPr>
-          <p:cNvSpPr>
-            <a:spLocks noGrp="1"/>
+              <a:rPr lang="pt-BR" smtClean="0"/>
+              <a:t>Clique para editar o título mestre</a:t>
+            </a:r>
+            <a:endParaRPr lang="en-US" dirty="0"/>
+          </a:p>
+        </p:txBody>
+      </p:sp>
+      <p:sp>
+        <p:nvSpPr>
+          <p:cNvPr id="3" name="Picture Placeholder 2"/>
+          <p:cNvSpPr>
+            <a:spLocks noGrp="1" noChangeAspect="1"/>
           </p:cNvSpPr>
           <p:nvPr>
             <p:ph type="pic" idx="1"/>
@@ -2525,8 +2220,73 @@
         </p:nvSpPr>
         <p:spPr>
           <a:xfrm>
-            <a:off x="5183188" y="987425"/>
-            <a:ext cx="6172200" cy="4873625"/>
+            <a:off x="10101143" y="2073365"/>
+            <a:ext cx="12028557" cy="10233485"/>
+          </a:xfrm>
+        </p:spPr>
+        <p:txBody>
+          <a:bodyPr anchor="t"/>
+          <a:lstStyle>
+            <a:lvl1pPr marL="0" indent="0">
+              <a:buNone/>
+              <a:defRPr sz="6236"/>
+            </a:lvl1pPr>
+            <a:lvl2pPr marL="890991" indent="0">
+              <a:buNone/>
+              <a:defRPr sz="5457"/>
+            </a:lvl2pPr>
+            <a:lvl3pPr marL="1781983" indent="0">
+              <a:buNone/>
+              <a:defRPr sz="4677"/>
+            </a:lvl3pPr>
+            <a:lvl4pPr marL="2672974" indent="0">
+              <a:buNone/>
+              <a:defRPr sz="3898"/>
+            </a:lvl4pPr>
+            <a:lvl5pPr marL="3563965" indent="0">
+              <a:buNone/>
+              <a:defRPr sz="3898"/>
+            </a:lvl5pPr>
+            <a:lvl6pPr marL="4454957" indent="0">
+              <a:buNone/>
+              <a:defRPr sz="3898"/>
+            </a:lvl6pPr>
+            <a:lvl7pPr marL="5345948" indent="0">
+              <a:buNone/>
+              <a:defRPr sz="3898"/>
+            </a:lvl7pPr>
+            <a:lvl8pPr marL="6236940" indent="0">
+              <a:buNone/>
+              <a:defRPr sz="3898"/>
+            </a:lvl8pPr>
+            <a:lvl9pPr marL="7127931" indent="0">
+              <a:buNone/>
+              <a:defRPr sz="3898"/>
+            </a:lvl9pPr>
+          </a:lstStyle>
+          <a:p>
+            <a:r>
+              <a:rPr lang="pt-BR" smtClean="0"/>
+              <a:t>Clique no ícone para adicionar uma imagem</a:t>
+            </a:r>
+            <a:endParaRPr lang="en-US" dirty="0"/>
+          </a:p>
+        </p:txBody>
+      </p:sp>
+      <p:sp>
+        <p:nvSpPr>
+          <p:cNvPr id="4" name="Text Placeholder 3"/>
+          <p:cNvSpPr>
+            <a:spLocks noGrp="1"/>
+          </p:cNvSpPr>
+          <p:nvPr>
+            <p:ph type="body" sz="half" idx="2"/>
+          </p:nvPr>
+        </p:nvSpPr>
+        <p:spPr>
+          <a:xfrm>
+            <a:off x="1636604" y="4320064"/>
+            <a:ext cx="7663254" cy="8003453"/>
           </a:xfrm>
         </p:spPr>
         <p:txBody>
@@ -2534,126 +2294,53 @@
           <a:lstStyle>
             <a:lvl1pPr marL="0" indent="0">
               <a:buNone/>
-              <a:defRPr sz="3200"/>
+              <a:defRPr sz="3118"/>
             </a:lvl1pPr>
-            <a:lvl2pPr marL="457200" indent="0">
-              <a:buNone/>
-              <a:defRPr sz="2800"/>
+            <a:lvl2pPr marL="890991" indent="0">
+              <a:buNone/>
+              <a:defRPr sz="2728"/>
             </a:lvl2pPr>
-            <a:lvl3pPr marL="914400" indent="0">
-              <a:buNone/>
-              <a:defRPr sz="2400"/>
+            <a:lvl3pPr marL="1781983" indent="0">
+              <a:buNone/>
+              <a:defRPr sz="2339"/>
             </a:lvl3pPr>
-            <a:lvl4pPr marL="1371600" indent="0">
-              <a:buNone/>
-              <a:defRPr sz="2000"/>
+            <a:lvl4pPr marL="2672974" indent="0">
+              <a:buNone/>
+              <a:defRPr sz="1949"/>
             </a:lvl4pPr>
-            <a:lvl5pPr marL="1828800" indent="0">
-              <a:buNone/>
-              <a:defRPr sz="2000"/>
+            <a:lvl5pPr marL="3563965" indent="0">
+              <a:buNone/>
+              <a:defRPr sz="1949"/>
             </a:lvl5pPr>
-            <a:lvl6pPr marL="2286000" indent="0">
-              <a:buNone/>
-              <a:defRPr sz="2000"/>
+            <a:lvl6pPr marL="4454957" indent="0">
+              <a:buNone/>
+              <a:defRPr sz="1949"/>
             </a:lvl6pPr>
-            <a:lvl7pPr marL="2743200" indent="0">
-              <a:buNone/>
-              <a:defRPr sz="2000"/>
+            <a:lvl7pPr marL="5345948" indent="0">
+              <a:buNone/>
+              <a:defRPr sz="1949"/>
             </a:lvl7pPr>
-            <a:lvl8pPr marL="3200400" indent="0">
-              <a:buNone/>
-              <a:defRPr sz="2000"/>
+            <a:lvl8pPr marL="6236940" indent="0">
+              <a:buNone/>
+              <a:defRPr sz="1949"/>
             </a:lvl8pPr>
-            <a:lvl9pPr marL="3657600" indent="0">
-              <a:buNone/>
-              <a:defRPr sz="2000"/>
+            <a:lvl9pPr marL="7127931" indent="0">
+              <a:buNone/>
+              <a:defRPr sz="1949"/>
             </a:lvl9pPr>
           </a:lstStyle>
           <a:p>
-            <a:endParaRPr lang="pt-BR"/>
-          </a:p>
-        </p:txBody>
-      </p:sp>
-      <p:sp>
-        <p:nvSpPr>
-          <p:cNvPr id="4" name="Espaço Reservado para Texto 3">
-            <a:extLst>
-              <a:ext uri="{FF2B5EF4-FFF2-40B4-BE49-F238E27FC236}">
-                <a16:creationId xmlns:a16="http://schemas.microsoft.com/office/drawing/2014/main" id="{54A86362-06CE-4B2A-96C3-E94E1DA8A4F1}"/>
-              </a:ext>
-            </a:extLst>
-          </p:cNvPr>
-          <p:cNvSpPr>
-            <a:spLocks noGrp="1"/>
-          </p:cNvSpPr>
-          <p:nvPr>
-            <p:ph type="body" sz="half" idx="2"/>
-          </p:nvPr>
-        </p:nvSpPr>
-        <p:spPr>
-          <a:xfrm>
-            <a:off x="839788" y="2057400"/>
-            <a:ext cx="3932237" cy="3811588"/>
-          </a:xfrm>
-        </p:spPr>
-        <p:txBody>
-          <a:bodyPr/>
-          <a:lstStyle>
-            <a:lvl1pPr marL="0" indent="0">
-              <a:buNone/>
-              <a:defRPr sz="1600"/>
-            </a:lvl1pPr>
-            <a:lvl2pPr marL="457200" indent="0">
-              <a:buNone/>
-              <a:defRPr sz="1400"/>
-            </a:lvl2pPr>
-            <a:lvl3pPr marL="914400" indent="0">
-              <a:buNone/>
-              <a:defRPr sz="1200"/>
-            </a:lvl3pPr>
-            <a:lvl4pPr marL="1371600" indent="0">
-              <a:buNone/>
-              <a:defRPr sz="1000"/>
-            </a:lvl4pPr>
-            <a:lvl5pPr marL="1828800" indent="0">
-              <a:buNone/>
-              <a:defRPr sz="1000"/>
-            </a:lvl5pPr>
-            <a:lvl6pPr marL="2286000" indent="0">
-              <a:buNone/>
-              <a:defRPr sz="1000"/>
-            </a:lvl6pPr>
-            <a:lvl7pPr marL="2743200" indent="0">
-              <a:buNone/>
-              <a:defRPr sz="1000"/>
-            </a:lvl7pPr>
-            <a:lvl8pPr marL="3200400" indent="0">
-              <a:buNone/>
-              <a:defRPr sz="1000"/>
-            </a:lvl8pPr>
-            <a:lvl9pPr marL="3657600" indent="0">
-              <a:buNone/>
-              <a:defRPr sz="1000"/>
-            </a:lvl9pPr>
-          </a:lstStyle>
-          <a:p>
             <a:pPr lvl="0"/>
             <a:r>
-              <a:rPr lang="pt-BR"/>
-              <a:t>Clique para editar os estilos de texto Mestres</a:t>
-            </a:r>
-          </a:p>
-        </p:txBody>
-      </p:sp>
-      <p:sp>
-        <p:nvSpPr>
-          <p:cNvPr id="5" name="Espaço Reservado para Data 4">
-            <a:extLst>
-              <a:ext uri="{FF2B5EF4-FFF2-40B4-BE49-F238E27FC236}">
-                <a16:creationId xmlns:a16="http://schemas.microsoft.com/office/drawing/2014/main" id="{B2EBCB29-DC91-4082-8919-0E0376CAEE60}"/>
-              </a:ext>
-            </a:extLst>
-          </p:cNvPr>
+              <a:rPr lang="pt-BR" smtClean="0"/>
+              <a:t>Editar estilos de texto Mestre</a:t>
+            </a:r>
+          </a:p>
+        </p:txBody>
+      </p:sp>
+      <p:sp>
+        <p:nvSpPr>
+          <p:cNvPr id="5" name="Date Placeholder 4"/>
           <p:cNvSpPr>
             <a:spLocks noGrp="1"/>
           </p:cNvSpPr>
@@ -2676,13 +2363,7 @@
       </p:sp>
       <p:sp>
         <p:nvSpPr>
-          <p:cNvPr id="6" name="Espaço Reservado para Rodapé 5">
-            <a:extLst>
-              <a:ext uri="{FF2B5EF4-FFF2-40B4-BE49-F238E27FC236}">
-                <a16:creationId xmlns:a16="http://schemas.microsoft.com/office/drawing/2014/main" id="{1A24EF06-5A72-4823-B56E-6ED5A820451B}"/>
-              </a:ext>
-            </a:extLst>
-          </p:cNvPr>
+          <p:cNvPr id="6" name="Footer Placeholder 5"/>
           <p:cNvSpPr>
             <a:spLocks noGrp="1"/>
           </p:cNvSpPr>
@@ -2701,13 +2382,7 @@
       </p:sp>
       <p:sp>
         <p:nvSpPr>
-          <p:cNvPr id="7" name="Espaço Reservado para Número de Slide 6">
-            <a:extLst>
-              <a:ext uri="{FF2B5EF4-FFF2-40B4-BE49-F238E27FC236}">
-                <a16:creationId xmlns:a16="http://schemas.microsoft.com/office/drawing/2014/main" id="{36A2790B-406D-4069-9ACB-2E5142DB96D1}"/>
-              </a:ext>
-            </a:extLst>
-          </p:cNvPr>
+          <p:cNvPr id="7" name="Slide Number Placeholder 6"/>
           <p:cNvSpPr>
             <a:spLocks noGrp="1"/>
           </p:cNvSpPr>
@@ -2731,7 +2406,7 @@
     </p:spTree>
     <p:extLst>
       <p:ext uri="{BB962C8B-B14F-4D97-AF65-F5344CB8AC3E}">
-        <p14:creationId xmlns:p14="http://schemas.microsoft.com/office/powerpoint/2010/main" val="2273145289"/>
+        <p14:creationId xmlns:p14="http://schemas.microsoft.com/office/powerpoint/2010/main" val="845195762"/>
       </p:ext>
     </p:extLst>
   </p:cSld>
@@ -2765,13 +2440,7 @@
       </p:grpSpPr>
       <p:sp>
         <p:nvSpPr>
-          <p:cNvPr id="2" name="Espaço Reservado para Título 1">
-            <a:extLst>
-              <a:ext uri="{FF2B5EF4-FFF2-40B4-BE49-F238E27FC236}">
-                <a16:creationId xmlns:a16="http://schemas.microsoft.com/office/drawing/2014/main" id="{7AA2AB12-9945-4D34-8DBE-B9F40C63E12F}"/>
-              </a:ext>
-            </a:extLst>
-          </p:cNvPr>
+          <p:cNvPr id="2" name="Title Placeholder 1"/>
           <p:cNvSpPr>
             <a:spLocks noGrp="1"/>
           </p:cNvSpPr>
@@ -2781,8 +2450,8 @@
         </p:nvSpPr>
         <p:spPr>
           <a:xfrm>
-            <a:off x="838200" y="365125"/>
-            <a:ext cx="10515600" cy="1325563"/>
+            <a:off x="1633508" y="766679"/>
+            <a:ext cx="20493097" cy="2783376"/>
           </a:xfrm>
           <a:prstGeom prst="rect">
             <a:avLst/>
@@ -2795,21 +2464,16 @@
           <a:lstStyle/>
           <a:p>
             <a:r>
-              <a:rPr lang="pt-BR"/>
-              <a:t>Clique para editar o título Mestre</a:t>
-            </a:r>
-          </a:p>
-        </p:txBody>
-      </p:sp>
-      <p:sp>
-        <p:nvSpPr>
-          <p:cNvPr id="3" name="Espaço Reservado para Texto 2">
-            <a:extLst>
-              <a:ext uri="{FF2B5EF4-FFF2-40B4-BE49-F238E27FC236}">
-                <a16:creationId xmlns:a16="http://schemas.microsoft.com/office/drawing/2014/main" id="{F4ABB438-7A71-4EDD-BFE1-5ECD3990B534}"/>
-              </a:ext>
-            </a:extLst>
-          </p:cNvPr>
+              <a:rPr lang="pt-BR" smtClean="0"/>
+              <a:t>Clique para editar o título mestre</a:t>
+            </a:r>
+            <a:endParaRPr lang="en-US" dirty="0"/>
+          </a:p>
+        </p:txBody>
+      </p:sp>
+      <p:sp>
+        <p:nvSpPr>
+          <p:cNvPr id="3" name="Text Placeholder 2"/>
           <p:cNvSpPr>
             <a:spLocks noGrp="1"/>
           </p:cNvSpPr>
@@ -2819,8 +2483,8 @@
         </p:nvSpPr>
         <p:spPr>
           <a:xfrm>
-            <a:off x="838200" y="1825625"/>
-            <a:ext cx="10515600" cy="4351338"/>
+            <a:off x="1633508" y="3833390"/>
+            <a:ext cx="20493097" cy="9136803"/>
           </a:xfrm>
           <a:prstGeom prst="rect">
             <a:avLst/>
@@ -2834,49 +2498,44 @@
           <a:p>
             <a:pPr lvl="0"/>
             <a:r>
-              <a:rPr lang="pt-BR"/>
-              <a:t>Clique para editar os estilos de texto Mestres</a:t>
+              <a:rPr lang="pt-BR" smtClean="0"/>
+              <a:t>Editar estilos de texto Mestre</a:t>
             </a:r>
           </a:p>
           <a:p>
             <a:pPr lvl="1"/>
             <a:r>
-              <a:rPr lang="pt-BR"/>
+              <a:rPr lang="pt-BR" smtClean="0"/>
               <a:t>Segundo nível</a:t>
             </a:r>
           </a:p>
           <a:p>
             <a:pPr lvl="2"/>
             <a:r>
-              <a:rPr lang="pt-BR"/>
+              <a:rPr lang="pt-BR" smtClean="0"/>
               <a:t>Terceiro nível</a:t>
             </a:r>
           </a:p>
           <a:p>
             <a:pPr lvl="3"/>
             <a:r>
-              <a:rPr lang="pt-BR"/>
+              <a:rPr lang="pt-BR" smtClean="0"/>
               <a:t>Quarto nível</a:t>
             </a:r>
           </a:p>
           <a:p>
             <a:pPr lvl="4"/>
             <a:r>
-              <a:rPr lang="pt-BR"/>
+              <a:rPr lang="pt-BR" smtClean="0"/>
               <a:t>Quinto nível</a:t>
             </a:r>
-          </a:p>
-        </p:txBody>
-      </p:sp>
-      <p:sp>
-        <p:nvSpPr>
-          <p:cNvPr id="4" name="Espaço Reservado para Data 3">
-            <a:extLst>
-              <a:ext uri="{FF2B5EF4-FFF2-40B4-BE49-F238E27FC236}">
-                <a16:creationId xmlns:a16="http://schemas.microsoft.com/office/drawing/2014/main" id="{856B2736-5A4A-43E1-8EFF-F19D45EDC0D2}"/>
-              </a:ext>
-            </a:extLst>
-          </p:cNvPr>
+            <a:endParaRPr lang="en-US" dirty="0"/>
+          </a:p>
+        </p:txBody>
+      </p:sp>
+      <p:sp>
+        <p:nvSpPr>
+          <p:cNvPr id="4" name="Date Placeholder 3"/>
           <p:cNvSpPr>
             <a:spLocks noGrp="1"/>
           </p:cNvSpPr>
@@ -2886,8 +2545,8 @@
         </p:nvSpPr>
         <p:spPr>
           <a:xfrm>
-            <a:off x="838200" y="6356350"/>
-            <a:ext cx="2743200" cy="365125"/>
+            <a:off x="1633508" y="13346865"/>
+            <a:ext cx="5346025" cy="766678"/>
           </a:xfrm>
           <a:prstGeom prst="rect">
             <a:avLst/>
@@ -2897,7 +2556,7 @@
           <a:bodyPr vert="horz" lIns="91440" tIns="45720" rIns="91440" bIns="45720" rtlCol="0" anchor="ctr"/>
           <a:lstStyle>
             <a:lvl1pPr algn="l">
-              <a:defRPr sz="1200">
+              <a:defRPr sz="2339">
                 <a:solidFill>
                   <a:schemeClr val="tx1">
                     <a:tint val="75000"/>
@@ -2917,13 +2576,7 @@
       </p:sp>
       <p:sp>
         <p:nvSpPr>
-          <p:cNvPr id="5" name="Espaço Reservado para Rodapé 4">
-            <a:extLst>
-              <a:ext uri="{FF2B5EF4-FFF2-40B4-BE49-F238E27FC236}">
-                <a16:creationId xmlns:a16="http://schemas.microsoft.com/office/drawing/2014/main" id="{5B44C184-E657-4772-A307-ACB21E968EB6}"/>
-              </a:ext>
-            </a:extLst>
-          </p:cNvPr>
+          <p:cNvPr id="5" name="Footer Placeholder 4"/>
           <p:cNvSpPr>
             <a:spLocks noGrp="1"/>
           </p:cNvSpPr>
@@ -2933,8 +2586,8 @@
         </p:nvSpPr>
         <p:spPr>
           <a:xfrm>
-            <a:off x="4038600" y="6356350"/>
-            <a:ext cx="4114800" cy="365125"/>
+            <a:off x="7870538" y="13346865"/>
+            <a:ext cx="8019038" cy="766678"/>
           </a:xfrm>
           <a:prstGeom prst="rect">
             <a:avLst/>
@@ -2944,7 +2597,7 @@
           <a:bodyPr vert="horz" lIns="91440" tIns="45720" rIns="91440" bIns="45720" rtlCol="0" anchor="ctr"/>
           <a:lstStyle>
             <a:lvl1pPr algn="ctr">
-              <a:defRPr sz="1200">
+              <a:defRPr sz="2339">
                 <a:solidFill>
                   <a:schemeClr val="tx1">
                     <a:tint val="75000"/>
@@ -2960,13 +2613,7 @@
       </p:sp>
       <p:sp>
         <p:nvSpPr>
-          <p:cNvPr id="6" name="Espaço Reservado para Número de Slide 5">
-            <a:extLst>
-              <a:ext uri="{FF2B5EF4-FFF2-40B4-BE49-F238E27FC236}">
-                <a16:creationId xmlns:a16="http://schemas.microsoft.com/office/drawing/2014/main" id="{FCB72495-8D71-4FDF-BB10-B45A6600607C}"/>
-              </a:ext>
-            </a:extLst>
-          </p:cNvPr>
+          <p:cNvPr id="6" name="Slide Number Placeholder 5"/>
           <p:cNvSpPr>
             <a:spLocks noGrp="1"/>
           </p:cNvSpPr>
@@ -2976,8 +2623,8 @@
         </p:nvSpPr>
         <p:spPr>
           <a:xfrm>
-            <a:off x="8610600" y="6356350"/>
-            <a:ext cx="2743200" cy="365125"/>
+            <a:off x="16780580" y="13346865"/>
+            <a:ext cx="5346025" cy="766678"/>
           </a:xfrm>
           <a:prstGeom prst="rect">
             <a:avLst/>
@@ -2987,7 +2634,7 @@
           <a:bodyPr vert="horz" lIns="91440" tIns="45720" rIns="91440" bIns="45720" rtlCol="0" anchor="ctr"/>
           <a:lstStyle>
             <a:lvl1pPr algn="r">
-              <a:defRPr sz="1200">
+              <a:defRPr sz="2339">
                 <a:solidFill>
                   <a:schemeClr val="tx1">
                     <a:tint val="75000"/>
@@ -3008,27 +2655,27 @@
     </p:spTree>
     <p:extLst>
       <p:ext uri="{BB962C8B-B14F-4D97-AF65-F5344CB8AC3E}">
-        <p14:creationId xmlns:p14="http://schemas.microsoft.com/office/powerpoint/2010/main" val="3226989773"/>
+        <p14:creationId xmlns:p14="http://schemas.microsoft.com/office/powerpoint/2010/main" val="4139112023"/>
       </p:ext>
     </p:extLst>
   </p:cSld>
   <p:clrMap bg1="lt1" tx1="dk1" bg2="lt2" tx2="dk2" accent1="accent1" accent2="accent2" accent3="accent3" accent4="accent4" accent5="accent5" accent6="accent6" hlink="hlink" folHlink="folHlink"/>
   <p:sldLayoutIdLst>
-    <p:sldLayoutId id="2147483649" r:id="rId1"/>
-    <p:sldLayoutId id="2147483650" r:id="rId2"/>
-    <p:sldLayoutId id="2147483651" r:id="rId3"/>
-    <p:sldLayoutId id="2147483652" r:id="rId4"/>
-    <p:sldLayoutId id="2147483653" r:id="rId5"/>
-    <p:sldLayoutId id="2147483654" r:id="rId6"/>
-    <p:sldLayoutId id="2147483655" r:id="rId7"/>
-    <p:sldLayoutId id="2147483656" r:id="rId8"/>
-    <p:sldLayoutId id="2147483657" r:id="rId9"/>
-    <p:sldLayoutId id="2147483658" r:id="rId10"/>
-    <p:sldLayoutId id="2147483659" r:id="rId11"/>
+    <p:sldLayoutId id="2147483661" r:id="rId1"/>
+    <p:sldLayoutId id="2147483662" r:id="rId2"/>
+    <p:sldLayoutId id="2147483663" r:id="rId3"/>
+    <p:sldLayoutId id="2147483664" r:id="rId4"/>
+    <p:sldLayoutId id="2147483665" r:id="rId5"/>
+    <p:sldLayoutId id="2147483666" r:id="rId6"/>
+    <p:sldLayoutId id="2147483667" r:id="rId7"/>
+    <p:sldLayoutId id="2147483668" r:id="rId8"/>
+    <p:sldLayoutId id="2147483669" r:id="rId9"/>
+    <p:sldLayoutId id="2147483670" r:id="rId10"/>
+    <p:sldLayoutId id="2147483671" r:id="rId11"/>
   </p:sldLayoutIdLst>
   <p:txStyles>
     <p:titleStyle>
-      <a:lvl1pPr algn="l" defTabSz="914400" rtl="0" eaLnBrk="1" latinLnBrk="0" hangingPunct="1">
+      <a:lvl1pPr algn="l" defTabSz="1781983" rtl="0" eaLnBrk="1" latinLnBrk="0" hangingPunct="1">
         <a:lnSpc>
           <a:spcPct val="90000"/>
         </a:lnSpc>
@@ -3036,7 +2683,7 @@
           <a:spcPct val="0"/>
         </a:spcBef>
         <a:buNone/>
-        <a:defRPr sz="4400" kern="1200">
+        <a:defRPr sz="8575" kern="1200">
           <a:solidFill>
             <a:schemeClr val="tx1"/>
           </a:solidFill>
@@ -3047,16 +2694,16 @@
       </a:lvl1pPr>
     </p:titleStyle>
     <p:bodyStyle>
-      <a:lvl1pPr marL="228600" indent="-228600" algn="l" defTabSz="914400" rtl="0" eaLnBrk="1" latinLnBrk="0" hangingPunct="1">
+      <a:lvl1pPr marL="445496" indent="-445496" algn="l" defTabSz="1781983" rtl="0" eaLnBrk="1" latinLnBrk="0" hangingPunct="1">
         <a:lnSpc>
           <a:spcPct val="90000"/>
         </a:lnSpc>
         <a:spcBef>
-          <a:spcPts val="1000"/>
+          <a:spcPts val="1949"/>
         </a:spcBef>
         <a:buFont typeface="Arial" panose="020B0604020202020204" pitchFamily="34" charset="0"/>
         <a:buChar char="•"/>
-        <a:defRPr sz="2800" kern="1200">
+        <a:defRPr sz="5457" kern="1200">
           <a:solidFill>
             <a:schemeClr val="tx1"/>
           </a:solidFill>
@@ -3065,16 +2712,16 @@
           <a:cs typeface="+mn-cs"/>
         </a:defRPr>
       </a:lvl1pPr>
-      <a:lvl2pPr marL="685800" indent="-228600" algn="l" defTabSz="914400" rtl="0" eaLnBrk="1" latinLnBrk="0" hangingPunct="1">
+      <a:lvl2pPr marL="1336487" indent="-445496" algn="l" defTabSz="1781983" rtl="0" eaLnBrk="1" latinLnBrk="0" hangingPunct="1">
         <a:lnSpc>
           <a:spcPct val="90000"/>
         </a:lnSpc>
         <a:spcBef>
-          <a:spcPts val="500"/>
+          <a:spcPts val="974"/>
         </a:spcBef>
         <a:buFont typeface="Arial" panose="020B0604020202020204" pitchFamily="34" charset="0"/>
         <a:buChar char="•"/>
-        <a:defRPr sz="2400" kern="1200">
+        <a:defRPr sz="4677" kern="1200">
           <a:solidFill>
             <a:schemeClr val="tx1"/>
           </a:solidFill>
@@ -3083,16 +2730,16 @@
           <a:cs typeface="+mn-cs"/>
         </a:defRPr>
       </a:lvl2pPr>
-      <a:lvl3pPr marL="1143000" indent="-228600" algn="l" defTabSz="914400" rtl="0" eaLnBrk="1" latinLnBrk="0" hangingPunct="1">
+      <a:lvl3pPr marL="2227478" indent="-445496" algn="l" defTabSz="1781983" rtl="0" eaLnBrk="1" latinLnBrk="0" hangingPunct="1">
         <a:lnSpc>
           <a:spcPct val="90000"/>
         </a:lnSpc>
         <a:spcBef>
-          <a:spcPts val="500"/>
+          <a:spcPts val="974"/>
         </a:spcBef>
         <a:buFont typeface="Arial" panose="020B0604020202020204" pitchFamily="34" charset="0"/>
         <a:buChar char="•"/>
-        <a:defRPr sz="2000" kern="1200">
+        <a:defRPr sz="3898" kern="1200">
           <a:solidFill>
             <a:schemeClr val="tx1"/>
           </a:solidFill>
@@ -3101,16 +2748,16 @@
           <a:cs typeface="+mn-cs"/>
         </a:defRPr>
       </a:lvl3pPr>
-      <a:lvl4pPr marL="1600200" indent="-228600" algn="l" defTabSz="914400" rtl="0" eaLnBrk="1" latinLnBrk="0" hangingPunct="1">
+      <a:lvl4pPr marL="3118470" indent="-445496" algn="l" defTabSz="1781983" rtl="0" eaLnBrk="1" latinLnBrk="0" hangingPunct="1">
         <a:lnSpc>
           <a:spcPct val="90000"/>
         </a:lnSpc>
         <a:spcBef>
-          <a:spcPts val="500"/>
+          <a:spcPts val="974"/>
         </a:spcBef>
         <a:buFont typeface="Arial" panose="020B0604020202020204" pitchFamily="34" charset="0"/>
         <a:buChar char="•"/>
-        <a:defRPr sz="1800" kern="1200">
+        <a:defRPr sz="3508" kern="1200">
           <a:solidFill>
             <a:schemeClr val="tx1"/>
           </a:solidFill>
@@ -3119,16 +2766,16 @@
           <a:cs typeface="+mn-cs"/>
         </a:defRPr>
       </a:lvl4pPr>
-      <a:lvl5pPr marL="2057400" indent="-228600" algn="l" defTabSz="914400" rtl="0" eaLnBrk="1" latinLnBrk="0" hangingPunct="1">
+      <a:lvl5pPr marL="4009461" indent="-445496" algn="l" defTabSz="1781983" rtl="0" eaLnBrk="1" latinLnBrk="0" hangingPunct="1">
         <a:lnSpc>
           <a:spcPct val="90000"/>
         </a:lnSpc>
         <a:spcBef>
-          <a:spcPts val="500"/>
+          <a:spcPts val="974"/>
         </a:spcBef>
         <a:buFont typeface="Arial" panose="020B0604020202020204" pitchFamily="34" charset="0"/>
         <a:buChar char="•"/>
-        <a:defRPr sz="1800" kern="1200">
+        <a:defRPr sz="3508" kern="1200">
           <a:solidFill>
             <a:schemeClr val="tx1"/>
           </a:solidFill>
@@ -3137,16 +2784,16 @@
           <a:cs typeface="+mn-cs"/>
         </a:defRPr>
       </a:lvl5pPr>
-      <a:lvl6pPr marL="2514600" indent="-228600" algn="l" defTabSz="914400" rtl="0" eaLnBrk="1" latinLnBrk="0" hangingPunct="1">
+      <a:lvl6pPr marL="4900452" indent="-445496" algn="l" defTabSz="1781983" rtl="0" eaLnBrk="1" latinLnBrk="0" hangingPunct="1">
         <a:lnSpc>
           <a:spcPct val="90000"/>
         </a:lnSpc>
         <a:spcBef>
-          <a:spcPts val="500"/>
+          <a:spcPts val="974"/>
         </a:spcBef>
         <a:buFont typeface="Arial" panose="020B0604020202020204" pitchFamily="34" charset="0"/>
         <a:buChar char="•"/>
-        <a:defRPr sz="1800" kern="1200">
+        <a:defRPr sz="3508" kern="1200">
           <a:solidFill>
             <a:schemeClr val="tx1"/>
           </a:solidFill>
@@ -3155,16 +2802,16 @@
           <a:cs typeface="+mn-cs"/>
         </a:defRPr>
       </a:lvl6pPr>
-      <a:lvl7pPr marL="2971800" indent="-228600" algn="l" defTabSz="914400" rtl="0" eaLnBrk="1" latinLnBrk="0" hangingPunct="1">
+      <a:lvl7pPr marL="5791444" indent="-445496" algn="l" defTabSz="1781983" rtl="0" eaLnBrk="1" latinLnBrk="0" hangingPunct="1">
         <a:lnSpc>
           <a:spcPct val="90000"/>
         </a:lnSpc>
         <a:spcBef>
-          <a:spcPts val="500"/>
+          <a:spcPts val="974"/>
         </a:spcBef>
         <a:buFont typeface="Arial" panose="020B0604020202020204" pitchFamily="34" charset="0"/>
         <a:buChar char="•"/>
-        <a:defRPr sz="1800" kern="1200">
+        <a:defRPr sz="3508" kern="1200">
           <a:solidFill>
             <a:schemeClr val="tx1"/>
           </a:solidFill>
@@ -3173,16 +2820,16 @@
           <a:cs typeface="+mn-cs"/>
         </a:defRPr>
       </a:lvl7pPr>
-      <a:lvl8pPr marL="3429000" indent="-228600" algn="l" defTabSz="914400" rtl="0" eaLnBrk="1" latinLnBrk="0" hangingPunct="1">
+      <a:lvl8pPr marL="6682435" indent="-445496" algn="l" defTabSz="1781983" rtl="0" eaLnBrk="1" latinLnBrk="0" hangingPunct="1">
         <a:lnSpc>
           <a:spcPct val="90000"/>
         </a:lnSpc>
         <a:spcBef>
-          <a:spcPts val="500"/>
+          <a:spcPts val="974"/>
         </a:spcBef>
         <a:buFont typeface="Arial" panose="020B0604020202020204" pitchFamily="34" charset="0"/>
         <a:buChar char="•"/>
-        <a:defRPr sz="1800" kern="1200">
+        <a:defRPr sz="3508" kern="1200">
           <a:solidFill>
             <a:schemeClr val="tx1"/>
           </a:solidFill>
@@ -3191,16 +2838,16 @@
           <a:cs typeface="+mn-cs"/>
         </a:defRPr>
       </a:lvl8pPr>
-      <a:lvl9pPr marL="3886200" indent="-228600" algn="l" defTabSz="914400" rtl="0" eaLnBrk="1" latinLnBrk="0" hangingPunct="1">
+      <a:lvl9pPr marL="7573427" indent="-445496" algn="l" defTabSz="1781983" rtl="0" eaLnBrk="1" latinLnBrk="0" hangingPunct="1">
         <a:lnSpc>
           <a:spcPct val="90000"/>
         </a:lnSpc>
         <a:spcBef>
-          <a:spcPts val="500"/>
+          <a:spcPts val="974"/>
         </a:spcBef>
         <a:buFont typeface="Arial" panose="020B0604020202020204" pitchFamily="34" charset="0"/>
         <a:buChar char="•"/>
-        <a:defRPr sz="1800" kern="1200">
+        <a:defRPr sz="3508" kern="1200">
           <a:solidFill>
             <a:schemeClr val="tx1"/>
           </a:solidFill>
@@ -3212,10 +2859,10 @@
     </p:bodyStyle>
     <p:otherStyle>
       <a:defPPr>
-        <a:defRPr lang="pt-BR"/>
+        <a:defRPr lang="en-US"/>
       </a:defPPr>
-      <a:lvl1pPr marL="0" algn="l" defTabSz="914400" rtl="0" eaLnBrk="1" latinLnBrk="0" hangingPunct="1">
-        <a:defRPr sz="1800" kern="1200">
+      <a:lvl1pPr marL="0" algn="l" defTabSz="1781983" rtl="0" eaLnBrk="1" latinLnBrk="0" hangingPunct="1">
+        <a:defRPr sz="3508" kern="1200">
           <a:solidFill>
             <a:schemeClr val="tx1"/>
           </a:solidFill>
@@ -3224,8 +2871,8 @@
           <a:cs typeface="+mn-cs"/>
         </a:defRPr>
       </a:lvl1pPr>
-      <a:lvl2pPr marL="457200" algn="l" defTabSz="914400" rtl="0" eaLnBrk="1" latinLnBrk="0" hangingPunct="1">
-        <a:defRPr sz="1800" kern="1200">
+      <a:lvl2pPr marL="890991" algn="l" defTabSz="1781983" rtl="0" eaLnBrk="1" latinLnBrk="0" hangingPunct="1">
+        <a:defRPr sz="3508" kern="1200">
           <a:solidFill>
             <a:schemeClr val="tx1"/>
           </a:solidFill>
@@ -3234,8 +2881,8 @@
           <a:cs typeface="+mn-cs"/>
         </a:defRPr>
       </a:lvl2pPr>
-      <a:lvl3pPr marL="914400" algn="l" defTabSz="914400" rtl="0" eaLnBrk="1" latinLnBrk="0" hangingPunct="1">
-        <a:defRPr sz="1800" kern="1200">
+      <a:lvl3pPr marL="1781983" algn="l" defTabSz="1781983" rtl="0" eaLnBrk="1" latinLnBrk="0" hangingPunct="1">
+        <a:defRPr sz="3508" kern="1200">
           <a:solidFill>
             <a:schemeClr val="tx1"/>
           </a:solidFill>
@@ -3244,8 +2891,8 @@
           <a:cs typeface="+mn-cs"/>
         </a:defRPr>
       </a:lvl3pPr>
-      <a:lvl4pPr marL="1371600" algn="l" defTabSz="914400" rtl="0" eaLnBrk="1" latinLnBrk="0" hangingPunct="1">
-        <a:defRPr sz="1800" kern="1200">
+      <a:lvl4pPr marL="2672974" algn="l" defTabSz="1781983" rtl="0" eaLnBrk="1" latinLnBrk="0" hangingPunct="1">
+        <a:defRPr sz="3508" kern="1200">
           <a:solidFill>
             <a:schemeClr val="tx1"/>
           </a:solidFill>
@@ -3254,8 +2901,8 @@
           <a:cs typeface="+mn-cs"/>
         </a:defRPr>
       </a:lvl4pPr>
-      <a:lvl5pPr marL="1828800" algn="l" defTabSz="914400" rtl="0" eaLnBrk="1" latinLnBrk="0" hangingPunct="1">
-        <a:defRPr sz="1800" kern="1200">
+      <a:lvl5pPr marL="3563965" algn="l" defTabSz="1781983" rtl="0" eaLnBrk="1" latinLnBrk="0" hangingPunct="1">
+        <a:defRPr sz="3508" kern="1200">
           <a:solidFill>
             <a:schemeClr val="tx1"/>
           </a:solidFill>
@@ -3264,8 +2911,8 @@
           <a:cs typeface="+mn-cs"/>
         </a:defRPr>
       </a:lvl5pPr>
-      <a:lvl6pPr marL="2286000" algn="l" defTabSz="914400" rtl="0" eaLnBrk="1" latinLnBrk="0" hangingPunct="1">
-        <a:defRPr sz="1800" kern="1200">
+      <a:lvl6pPr marL="4454957" algn="l" defTabSz="1781983" rtl="0" eaLnBrk="1" latinLnBrk="0" hangingPunct="1">
+        <a:defRPr sz="3508" kern="1200">
           <a:solidFill>
             <a:schemeClr val="tx1"/>
           </a:solidFill>
@@ -3274,8 +2921,8 @@
           <a:cs typeface="+mn-cs"/>
         </a:defRPr>
       </a:lvl6pPr>
-      <a:lvl7pPr marL="2743200" algn="l" defTabSz="914400" rtl="0" eaLnBrk="1" latinLnBrk="0" hangingPunct="1">
-        <a:defRPr sz="1800" kern="1200">
+      <a:lvl7pPr marL="5345948" algn="l" defTabSz="1781983" rtl="0" eaLnBrk="1" latinLnBrk="0" hangingPunct="1">
+        <a:defRPr sz="3508" kern="1200">
           <a:solidFill>
             <a:schemeClr val="tx1"/>
           </a:solidFill>
@@ -3284,8 +2931,8 @@
           <a:cs typeface="+mn-cs"/>
         </a:defRPr>
       </a:lvl7pPr>
-      <a:lvl8pPr marL="3200400" algn="l" defTabSz="914400" rtl="0" eaLnBrk="1" latinLnBrk="0" hangingPunct="1">
-        <a:defRPr sz="1800" kern="1200">
+      <a:lvl8pPr marL="6236940" algn="l" defTabSz="1781983" rtl="0" eaLnBrk="1" latinLnBrk="0" hangingPunct="1">
+        <a:defRPr sz="3508" kern="1200">
           <a:solidFill>
             <a:schemeClr val="tx1"/>
           </a:solidFill>
@@ -3294,8 +2941,8 @@
           <a:cs typeface="+mn-cs"/>
         </a:defRPr>
       </a:lvl8pPr>
-      <a:lvl9pPr marL="3657600" algn="l" defTabSz="914400" rtl="0" eaLnBrk="1" latinLnBrk="0" hangingPunct="1">
-        <a:defRPr sz="1800" kern="1200">
+      <a:lvl9pPr marL="7127931" algn="l" defTabSz="1781983" rtl="0" eaLnBrk="1" latinLnBrk="0" hangingPunct="1">
+        <a:defRPr sz="3508" kern="1200">
           <a:solidFill>
             <a:schemeClr val="tx1"/>
           </a:solidFill>
@@ -3312,6 +2959,14 @@
 <file path=ppt/slides/slide1.xml><?xml version="1.0" encoding="utf-8"?>
 <p:sld xmlns:a="http://schemas.openxmlformats.org/drawingml/2006/main" xmlns:r="http://schemas.openxmlformats.org/officeDocument/2006/relationships" xmlns:p="http://schemas.openxmlformats.org/presentationml/2006/main">
   <p:cSld>
+    <p:bg>
+      <p:bgPr>
+        <a:solidFill>
+          <a:schemeClr val="bg1"/>
+        </a:solidFill>
+        <a:effectLst/>
+      </p:bgPr>
+    </p:bg>
     <p:spTree>
       <p:nvGrpSpPr>
         <p:cNvPr id="1" name=""/>
@@ -3328,6 +2983,96 @@
       </p:grpSpPr>
       <p:pic>
         <p:nvPicPr>
+          <p:cNvPr id="11" name="Imagem 10">
+            <a:extLst>
+              <a:ext uri="{FF2B5EF4-FFF2-40B4-BE49-F238E27FC236}">
+                <a16:creationId xmlns:a16="http://schemas.microsoft.com/office/drawing/2014/main" id="{6D2A3A96-BA9C-46FD-BBF5-54C8CD9E5887}"/>
+              </a:ext>
+            </a:extLst>
+          </p:cNvPr>
+          <p:cNvPicPr>
+            <a:picLocks noChangeAspect="1"/>
+          </p:cNvPicPr>
+          <p:nvPr/>
+        </p:nvPicPr>
+        <p:blipFill rotWithShape="1">
+          <a:blip r:embed="rId2">
+            <a:extLst>
+              <a:ext uri="{BEBA8EAE-BF5A-486C-A8C5-ECC9F3942E4B}">
+                <a14:imgProps xmlns:a14="http://schemas.microsoft.com/office/drawing/2010/main">
+                  <a14:imgLayer r:embed="rId3">
+                    <a14:imgEffect>
+                      <a14:backgroundRemoval t="10000" b="90000" l="6875" r="90000"/>
+                    </a14:imgEffect>
+                  </a14:imgLayer>
+                </a14:imgProps>
+              </a:ext>
+            </a:extLst>
+          </a:blip>
+          <a:srcRect l="7454" t="20869" r="8825" b="21276"/>
+          <a:stretch/>
+        </p:blipFill>
+        <p:spPr>
+          <a:xfrm>
+            <a:off x="440266" y="4775199"/>
+            <a:ext cx="6214533" cy="3911601"/>
+          </a:xfrm>
+          <a:prstGeom prst="rect">
+            <a:avLst/>
+          </a:prstGeom>
+        </p:spPr>
+      </p:pic>
+      <p:pic>
+        <p:nvPicPr>
+          <p:cNvPr id="109" name="Imagem 108"/>
+          <p:cNvPicPr>
+            <a:picLocks noChangeAspect="1"/>
+          </p:cNvPicPr>
+          <p:nvPr/>
+        </p:nvPicPr>
+        <p:blipFill>
+          <a:blip r:embed="rId4">
+            <a:extLst>
+              <a:ext uri="{BEBA8EAE-BF5A-486C-A8C5-ECC9F3942E4B}">
+                <a14:imgProps xmlns:a14="http://schemas.microsoft.com/office/drawing/2010/main">
+                  <a14:imgLayer r:embed="rId5">
+                    <a14:imgEffect>
+                      <a14:backgroundRemoval t="536" b="100000" l="0" r="99667">
+                        <a14:foregroundMark x1="7667" y1="11429" x2="8778" y2="25000"/>
+                        <a14:foregroundMark x1="10000" y1="2143" x2="89000" y2="1607"/>
+                        <a14:foregroundMark x1="89889" y1="2143" x2="89000" y2="14107"/>
+                        <a14:foregroundMark x1="50333" y1="76607" x2="49556" y2="78036"/>
+                        <a14:foregroundMark x1="3667" y1="93393" x2="18889" y2="95893"/>
+                        <a14:foregroundMark x1="18111" y1="95536" x2="96667" y2="96429"/>
+                        <a14:foregroundMark x1="49889" y1="91964" x2="54333" y2="71607"/>
+                        <a14:foregroundMark x1="20222" y1="93571" x2="95333" y2="92857"/>
+                        <a14:foregroundMark x1="10000" y1="97321" x2="3222" y2="96607"/>
+                        <a14:foregroundMark x1="60556" y1="77679" x2="89889" y2="73393"/>
+                        <a14:foregroundMark x1="89889" y1="73571" x2="89889" y2="73571"/>
+                        <a14:foregroundMark x1="35333" y1="79286" x2="8667" y2="55536"/>
+                      </a14:backgroundRemoval>
+                    </a14:imgEffect>
+                  </a14:imgLayer>
+                </a14:imgProps>
+              </a:ext>
+            </a:extLst>
+          </a:blip>
+          <a:stretch>
+            <a:fillRect/>
+          </a:stretch>
+        </p:blipFill>
+        <p:spPr>
+          <a:xfrm>
+            <a:off x="2546634" y="5620823"/>
+            <a:ext cx="1672818" cy="1040864"/>
+          </a:xfrm>
+          <a:prstGeom prst="rect">
+            <a:avLst/>
+          </a:prstGeom>
+        </p:spPr>
+      </p:pic>
+      <p:pic>
+        <p:nvPicPr>
           <p:cNvPr id="5" name="Picture 2" descr="Resultado de imagem para arduino uno com DHT11">
             <a:extLst>
               <a:ext uri="{FF2B5EF4-FFF2-40B4-BE49-F238E27FC236}">
@@ -3341,7 +3086,7 @@
           <p:nvPr/>
         </p:nvPicPr>
         <p:blipFill>
-          <a:blip r:embed="rId2">
+          <a:blip r:embed="rId6">
             <a:extLst>
               <a:ext uri="{28A0092B-C50C-407E-A947-70E740481C1C}">
                 <a14:useLocalDpi xmlns:a14="http://schemas.microsoft.com/office/drawing/2010/main" val="0"/>
@@ -3355,7 +3100,7 @@
         </p:blipFill>
         <p:spPr bwMode="auto">
           <a:xfrm>
-            <a:off x="5393669" y="4752188"/>
+            <a:off x="7349861" y="10753593"/>
             <a:ext cx="2405384" cy="1239981"/>
           </a:xfrm>
           <a:prstGeom prst="rect">
@@ -3388,7 +3133,7 @@
         </p:nvCxnSpPr>
         <p:spPr>
           <a:xfrm>
-            <a:off x="7971365" y="5605137"/>
+            <a:off x="9835482" y="11291452"/>
             <a:ext cx="1765167" cy="0"/>
           </a:xfrm>
           <a:prstGeom prst="straightConnector1">
@@ -3416,48 +3161,6 @@
       </p:cxnSp>
       <p:pic>
         <p:nvPicPr>
-          <p:cNvPr id="11" name="Imagem 10">
-            <a:extLst>
-              <a:ext uri="{FF2B5EF4-FFF2-40B4-BE49-F238E27FC236}">
-                <a16:creationId xmlns:a16="http://schemas.microsoft.com/office/drawing/2014/main" id="{6D2A3A96-BA9C-46FD-BBF5-54C8CD9E5887}"/>
-              </a:ext>
-            </a:extLst>
-          </p:cNvPr>
-          <p:cNvPicPr>
-            <a:picLocks noChangeAspect="1"/>
-          </p:cNvPicPr>
-          <p:nvPr/>
-        </p:nvPicPr>
-        <p:blipFill>
-          <a:blip r:embed="rId3">
-            <a:extLst>
-              <a:ext uri="{BEBA8EAE-BF5A-486C-A8C5-ECC9F3942E4B}">
-                <a14:imgProps xmlns:a14="http://schemas.microsoft.com/office/drawing/2010/main">
-                  <a14:imgLayer r:embed="rId4">
-                    <a14:imgEffect>
-                      <a14:backgroundRemoval t="10000" b="90000" l="6875" r="90000"/>
-                    </a14:imgEffect>
-                  </a14:imgLayer>
-                </a14:imgProps>
-              </a:ext>
-            </a:extLst>
-          </a:blip>
-          <a:stretch>
-            <a:fillRect/>
-          </a:stretch>
-        </p:blipFill>
-        <p:spPr>
-          <a:xfrm>
-            <a:off x="5859328" y="-777357"/>
-            <a:ext cx="5234609" cy="4767857"/>
-          </a:xfrm>
-          <a:prstGeom prst="rect">
-            <a:avLst/>
-          </a:prstGeom>
-        </p:spPr>
-      </p:pic>
-      <p:pic>
-        <p:nvPicPr>
           <p:cNvPr id="3084" name="Picture 12" descr="Resultado de imagem para logotipo de css">
             <a:extLst>
               <a:ext uri="{FF2B5EF4-FFF2-40B4-BE49-F238E27FC236}">
@@ -3471,7 +3174,7 @@
           <p:nvPr/>
         </p:nvPicPr>
         <p:blipFill>
-          <a:blip r:embed="rId5" cstate="hqprint">
+          <a:blip r:embed="rId7" cstate="hqprint">
             <a:extLst>
               <a:ext uri="{28A0092B-C50C-407E-A947-70E740481C1C}">
                 <a14:useLocalDpi xmlns:a14="http://schemas.microsoft.com/office/drawing/2010/main" val="0"/>
@@ -3485,7 +3188,7 @@
         </p:blipFill>
         <p:spPr bwMode="auto">
           <a:xfrm>
-            <a:off x="7608411" y="872268"/>
+            <a:off x="2695404" y="5667700"/>
             <a:ext cx="1311056" cy="766844"/>
           </a:xfrm>
           <a:prstGeom prst="rect">
@@ -3518,11 +3221,11 @@
           <p:nvPr/>
         </p:nvPicPr>
         <p:blipFill>
-          <a:blip r:embed="rId6">
+          <a:blip r:embed="rId8">
             <a:extLst>
               <a:ext uri="{BEBA8EAE-BF5A-486C-A8C5-ECC9F3942E4B}">
                 <a14:imgProps xmlns:a14="http://schemas.microsoft.com/office/drawing/2010/main">
-                  <a14:imgLayer r:embed="rId7">
+                  <a14:imgLayer r:embed="rId9">
                     <a14:imgEffect>
                       <a14:backgroundRemoval t="10000" b="90000" l="10000" r="90000">
                         <a14:foregroundMark x1="41196" y1="53293" x2="41196" y2="53293"/>
@@ -3543,7 +3246,7 @@
         </p:blipFill>
         <p:spPr bwMode="auto">
           <a:xfrm>
-            <a:off x="7854004" y="1420693"/>
+            <a:off x="3540053" y="6839378"/>
             <a:ext cx="999944" cy="554786"/>
           </a:xfrm>
           <a:prstGeom prst="rect">
@@ -3575,7 +3278,7 @@
         </p:nvSpPr>
         <p:spPr>
           <a:xfrm>
-            <a:off x="681405" y="4179229"/>
+            <a:off x="2095173" y="11937978"/>
             <a:ext cx="1999395" cy="461665"/>
           </a:xfrm>
           <a:prstGeom prst="rect">
@@ -3591,7 +3294,7 @@
           <a:p>
             <a:pPr algn="ctr"/>
             <a:r>
-              <a:rPr lang="pt-BR" sz="2400" b="0" cap="none" spc="0" dirty="0" err="1">
+              <a:rPr lang="pt-BR" sz="2400" dirty="0" err="1">
                 <a:ln w="0"/>
                 <a:solidFill>
                   <a:schemeClr val="accent1"/>
@@ -3607,7 +3310,7 @@
               <a:t>Wifi</a:t>
             </a:r>
             <a:r>
-              <a:rPr lang="pt-BR" sz="2400" b="0" cap="none" spc="0" dirty="0">
+              <a:rPr lang="pt-BR" sz="2400" dirty="0">
                 <a:ln w="0"/>
                 <a:solidFill>
                   <a:schemeClr val="accent1"/>
@@ -3640,9 +3343,9 @@
           <p:nvPr/>
         </p:nvCxnSpPr>
         <p:spPr>
-          <a:xfrm flipH="1">
-            <a:off x="3230722" y="1926388"/>
-            <a:ext cx="2865278" cy="0"/>
+          <a:xfrm>
+            <a:off x="6824621" y="7186573"/>
+            <a:ext cx="4570591" cy="29378"/>
           </a:xfrm>
           <a:prstGeom prst="straightConnector1">
             <a:avLst/>
@@ -3681,7 +3384,7 @@
           <p:nvPr/>
         </p:nvPicPr>
         <p:blipFill>
-          <a:blip r:embed="rId8">
+          <a:blip r:embed="rId10">
             <a:extLst>
               <a:ext uri="{28A0092B-C50C-407E-A947-70E740481C1C}">
                 <a14:useLocalDpi xmlns:a14="http://schemas.microsoft.com/office/drawing/2010/main" val="0"/>
@@ -3695,8 +3398,8 @@
         </p:blipFill>
         <p:spPr bwMode="auto">
           <a:xfrm>
-            <a:off x="225672" y="483482"/>
-            <a:ext cx="2865278" cy="2311260"/>
+            <a:off x="11309554" y="5532562"/>
+            <a:ext cx="3259973" cy="2629638"/>
           </a:xfrm>
           <a:prstGeom prst="rect">
             <a:avLst/>
@@ -3726,7 +3429,7 @@
         </p:nvCxnSpPr>
         <p:spPr>
           <a:xfrm flipH="1">
-            <a:off x="4189915" y="5426023"/>
+            <a:off x="6146108" y="11427427"/>
             <a:ext cx="1106085" cy="5818"/>
           </a:xfrm>
           <a:prstGeom prst="straightConnector1">
@@ -3768,8 +3471,8 @@
         </p:nvCxnSpPr>
         <p:spPr>
           <a:xfrm flipV="1">
-            <a:off x="2378778" y="2354986"/>
-            <a:ext cx="3728179" cy="1514787"/>
+            <a:off x="2481990" y="8735119"/>
+            <a:ext cx="14194" cy="1066514"/>
           </a:xfrm>
           <a:prstGeom prst="straightConnector1">
             <a:avLst/>
@@ -3808,7 +3511,7 @@
         </p:nvSpPr>
         <p:spPr>
           <a:xfrm>
-            <a:off x="9508253" y="4950350"/>
+            <a:off x="11395212" y="11016661"/>
             <a:ext cx="2683747" cy="1384995"/>
           </a:xfrm>
           <a:prstGeom prst="rect">
@@ -3877,19 +3580,6 @@
               </a:rPr>
               <a:t> Ar Condicionado</a:t>
             </a:r>
-            <a:endParaRPr lang="pt-BR" sz="2800" b="0" cap="none" spc="0" dirty="0">
-              <a:ln w="0"/>
-              <a:solidFill>
-                <a:schemeClr val="accent1"/>
-              </a:solidFill>
-              <a:effectLst>
-                <a:outerShdw blurRad="38100" dist="25400" dir="5400000" algn="ctr" rotWithShape="0">
-                  <a:srgbClr val="6E747A">
-                    <a:alpha val="43000"/>
-                  </a:srgbClr>
-                </a:outerShdw>
-              </a:effectLst>
-            </a:endParaRPr>
           </a:p>
         </p:txBody>
       </p:sp>
@@ -3907,7 +3597,7 @@
         </p:nvSpPr>
         <p:spPr>
           <a:xfrm>
-            <a:off x="5029784" y="5985732"/>
+            <a:off x="6981248" y="11966577"/>
             <a:ext cx="3234155" cy="461665"/>
           </a:xfrm>
           <a:prstGeom prst="rect">
@@ -3923,7 +3613,7 @@
           <a:p>
             <a:pPr algn="ctr"/>
             <a:r>
-              <a:rPr lang="pt-BR" sz="2400" b="0" cap="none" spc="0" dirty="0">
+              <a:rPr lang="pt-BR" sz="2400" dirty="0">
                 <a:ln w="0"/>
                 <a:solidFill>
                   <a:schemeClr val="accent1"/>
@@ -3955,8 +3645,8 @@
         </p:nvSpPr>
         <p:spPr>
           <a:xfrm>
-            <a:off x="1001721" y="2414295"/>
-            <a:ext cx="1313180" cy="523220"/>
+            <a:off x="11991725" y="7789421"/>
+            <a:ext cx="1494072" cy="523220"/>
           </a:xfrm>
           <a:prstGeom prst="rect">
             <a:avLst/>
@@ -3964,14 +3654,14 @@
           <a:noFill/>
         </p:spPr>
         <p:txBody>
-          <a:bodyPr wrap="none" lIns="91440" tIns="45720" rIns="91440" bIns="45720">
+          <a:bodyPr wrap="square" lIns="91440" tIns="45720" rIns="91440" bIns="45720">
             <a:spAutoFit/>
           </a:bodyPr>
           <a:lstStyle/>
           <a:p>
             <a:pPr algn="ctr"/>
             <a:r>
-              <a:rPr lang="pt-BR" sz="2800" b="0" cap="none" spc="0" dirty="0">
+              <a:rPr lang="pt-BR" sz="2800" dirty="0">
                 <a:ln w="0"/>
                 <a:solidFill>
                   <a:schemeClr val="accent1"/>
@@ -3986,7 +3676,7 @@
               </a:rPr>
               <a:t>Usuário</a:t>
             </a:r>
-            <a:endParaRPr lang="pt-BR" sz="4000" b="0" cap="none" spc="0" dirty="0">
+            <a:endParaRPr lang="pt-BR" sz="4000" dirty="0">
               <a:ln w="0"/>
               <a:solidFill>
                 <a:schemeClr val="accent1"/>
@@ -4017,11 +3707,11 @@
           <p:nvPr/>
         </p:nvPicPr>
         <p:blipFill>
-          <a:blip r:embed="rId9" cstate="hqprint">
+          <a:blip r:embed="rId11" cstate="hqprint">
             <a:extLst>
               <a:ext uri="{BEBA8EAE-BF5A-486C-A8C5-ECC9F3942E4B}">
                 <a14:imgProps xmlns:a14="http://schemas.microsoft.com/office/drawing/2010/main">
-                  <a14:imgLayer r:embed="rId10">
+                  <a14:imgLayer r:embed="rId12">
                     <a14:imgEffect>
                       <a14:backgroundRemoval t="10000" b="90000" l="400" r="100000">
                         <a14:foregroundMark x1="13000" y1="55000" x2="12200" y2="64800"/>
@@ -4043,7 +3733,7 @@
         </p:blipFill>
         <p:spPr bwMode="auto">
           <a:xfrm>
-            <a:off x="1118673" y="3209478"/>
+            <a:off x="2546634" y="10632870"/>
             <a:ext cx="1124861" cy="1124861"/>
           </a:xfrm>
           <a:prstGeom prst="rect">
@@ -4076,11 +3766,11 @@
           <p:nvPr/>
         </p:nvPicPr>
         <p:blipFill>
-          <a:blip r:embed="rId11">
+          <a:blip r:embed="rId13">
             <a:extLst>
               <a:ext uri="{BEBA8EAE-BF5A-486C-A8C5-ECC9F3942E4B}">
                 <a14:imgProps xmlns:a14="http://schemas.microsoft.com/office/drawing/2010/main">
-                  <a14:imgLayer r:embed="rId12">
+                  <a14:imgLayer r:embed="rId14">
                     <a14:imgEffect>
                       <a14:backgroundRemoval t="0" b="100000" l="0" r="100000">
                         <a14:foregroundMark x1="43000" y1="21645" x2="84000" y2="39394"/>
@@ -4097,7 +3787,7 @@
         </p:blipFill>
         <p:spPr>
           <a:xfrm>
-            <a:off x="8870688" y="1729318"/>
+            <a:off x="3249612" y="7484287"/>
             <a:ext cx="528371" cy="610268"/>
           </a:xfrm>
           <a:prstGeom prst="rect">
@@ -4120,11 +3810,11 @@
           <p:nvPr/>
         </p:nvPicPr>
         <p:blipFill>
-          <a:blip r:embed="rId13">
+          <a:blip r:embed="rId15">
             <a:extLst>
               <a:ext uri="{BEBA8EAE-BF5A-486C-A8C5-ECC9F3942E4B}">
                 <a14:imgProps xmlns:a14="http://schemas.microsoft.com/office/drawing/2010/main">
-                  <a14:imgLayer r:embed="rId14">
+                  <a14:imgLayer r:embed="rId16">
                     <a14:imgEffect>
                       <a14:backgroundRemoval t="0" b="96933" l="0" r="100000">
                         <a14:foregroundMark x1="5025" y1="86503" x2="91960" y2="90798"/>
@@ -4143,7 +3833,7 @@
         </p:blipFill>
         <p:spPr>
           <a:xfrm>
-            <a:off x="7491146" y="1826558"/>
+            <a:off x="2496184" y="6774823"/>
             <a:ext cx="670625" cy="549306"/>
           </a:xfrm>
           <a:prstGeom prst="rect">
@@ -4165,7 +3855,7 @@
         </p:nvSpPr>
         <p:spPr>
           <a:xfrm>
-            <a:off x="8297310" y="5343527"/>
+            <a:off x="10253502" y="11344931"/>
             <a:ext cx="1244314" cy="261610"/>
           </a:xfrm>
           <a:prstGeom prst="rect">
@@ -4199,9 +3889,9 @@
           <p:nvPr/>
         </p:nvSpPr>
         <p:spPr>
-          <a:xfrm rot="20286667">
-            <a:off x="3013104" y="2532930"/>
-            <a:ext cx="2254495" cy="430887"/>
+          <a:xfrm>
+            <a:off x="3082467" y="9172305"/>
+            <a:ext cx="3218630" cy="584775"/>
           </a:xfrm>
           <a:prstGeom prst="rect">
             <a:avLst/>
@@ -4215,7 +3905,7 @@
           <a:lstStyle/>
           <a:p>
             <a:r>
-              <a:rPr lang="pt-BR" sz="1100" dirty="0"/>
+              <a:rPr lang="pt-BR" sz="1600" dirty="0"/>
               <a:t>Os dados coletados são enviado para a nuvem e suas ferramentas</a:t>
             </a:r>
           </a:p>
@@ -4235,14 +3925,27 @@
         </p:nvSpPr>
         <p:spPr>
           <a:xfrm>
-            <a:off x="3445168" y="1011585"/>
-            <a:ext cx="2678377" cy="938719"/>
+            <a:off x="7557908" y="6529893"/>
+            <a:ext cx="3154624" cy="584775"/>
           </a:xfrm>
           <a:prstGeom prst="rect">
             <a:avLst/>
           </a:prstGeom>
-          <a:noFill/>
-        </p:spPr>
+        </p:spPr>
+        <p:style>
+          <a:lnRef idx="2">
+            <a:schemeClr val="dk1"/>
+          </a:lnRef>
+          <a:fillRef idx="1">
+            <a:schemeClr val="lt1"/>
+          </a:fillRef>
+          <a:effectRef idx="0">
+            <a:schemeClr val="dk1"/>
+          </a:effectRef>
+          <a:fontRef idx="minor">
+            <a:schemeClr val="dk1"/>
+          </a:fontRef>
+        </p:style>
         <p:txBody>
           <a:bodyPr wrap="square" rtlCol="0">
             <a:spAutoFit/>
@@ -4250,17 +3953,10 @@
           <a:lstStyle/>
           <a:p>
             <a:r>
-              <a:rPr lang="pt-BR" sz="1100" dirty="0"/>
-              <a:t>Através das linguagens de programação, criamos as aplicações web e </a:t>
-            </a:r>
-            <a:r>
-              <a:rPr lang="pt-BR" sz="1100" dirty="0" smtClean="0"/>
-              <a:t>mobile que serão acessadas através da internet, </a:t>
-            </a:r>
-            <a:r>
-              <a:rPr lang="pt-BR" sz="1100" dirty="0"/>
-              <a:t>onde o cliente poderá ter acesso as suas informações, dados recolhidos e gráficos.</a:t>
-            </a:r>
+              <a:rPr lang="pt-BR" sz="1600" dirty="0"/>
+              <a:t>Linguagens usadas para criação da aplicação Web responsiva</a:t>
+            </a:r>
+            <a:endParaRPr lang="pt-BR" sz="1600" dirty="0"/>
           </a:p>
         </p:txBody>
       </p:sp>
@@ -4273,11 +3969,11 @@
           <p:nvPr/>
         </p:nvPicPr>
         <p:blipFill>
-          <a:blip r:embed="rId15">
+          <a:blip r:embed="rId4">
             <a:extLst>
               <a:ext uri="{BEBA8EAE-BF5A-486C-A8C5-ECC9F3942E4B}">
                 <a14:imgProps xmlns:a14="http://schemas.microsoft.com/office/drawing/2010/main">
-                  <a14:imgLayer r:embed="rId16">
+                  <a14:imgLayer r:embed="rId5">
                     <a14:imgEffect>
                       <a14:backgroundRemoval t="536" b="100000" l="0" r="99667">
                         <a14:foregroundMark x1="7667" y1="11429" x2="8778" y2="25000"/>
@@ -4305,7 +4001,7 @@
         </p:blipFill>
         <p:spPr>
           <a:xfrm>
-            <a:off x="3090950" y="5126917"/>
+            <a:off x="5047491" y="11099588"/>
             <a:ext cx="1057730" cy="658143"/>
           </a:xfrm>
           <a:prstGeom prst="rect">
@@ -4327,8 +4023,8 @@
         </p:nvSpPr>
         <p:spPr>
           <a:xfrm>
-            <a:off x="3472712" y="5725311"/>
-            <a:ext cx="423514" cy="461665"/>
+            <a:off x="4774717" y="11940794"/>
+            <a:ext cx="1526380" cy="461665"/>
           </a:xfrm>
           <a:prstGeom prst="rect">
             <a:avLst/>
@@ -4343,7 +4039,7 @@
           <a:p>
             <a:pPr algn="ctr"/>
             <a:r>
-              <a:rPr lang="pt-BR" sz="2400" b="0" cap="none" spc="0" dirty="0" smtClean="0">
+              <a:rPr lang="pt-BR" sz="2400" dirty="0">
                 <a:ln w="0"/>
                 <a:solidFill>
                   <a:schemeClr val="accent1"/>
@@ -4356,9 +4052,9 @@
                   </a:outerShdw>
                 </a:effectLst>
               </a:rPr>
-              <a:t>JS</a:t>
-            </a:r>
-            <a:endParaRPr lang="pt-BR" sz="2400" b="0" cap="none" spc="0" dirty="0">
+              <a:t>JS/Node JS</a:t>
+            </a:r>
+            <a:endParaRPr lang="pt-BR" sz="2400" dirty="0">
               <a:ln w="0"/>
               <a:solidFill>
                 <a:schemeClr val="accent1"/>
@@ -4390,8 +4086,8 @@
         </p:nvCxnSpPr>
         <p:spPr>
           <a:xfrm flipH="1" flipV="1">
-            <a:off x="2098125" y="4666246"/>
-            <a:ext cx="897246" cy="705934"/>
+            <a:off x="3880964" y="11373582"/>
+            <a:ext cx="1070600" cy="2"/>
           </a:xfrm>
           <a:prstGeom prst="straightConnector1">
             <a:avLst/>
@@ -4430,7 +4126,7 @@
         </p:nvSpPr>
         <p:spPr>
           <a:xfrm>
-            <a:off x="3047902" y="4573299"/>
+            <a:off x="5004095" y="10574704"/>
             <a:ext cx="1126683" cy="584775"/>
           </a:xfrm>
           <a:prstGeom prst="rect">
@@ -4446,7 +4142,7 @@
           <a:p>
             <a:pPr algn="ctr"/>
             <a:r>
-              <a:rPr lang="pt-BR" sz="1600" dirty="0" smtClean="0">
+              <a:rPr lang="pt-BR" sz="1600" dirty="0">
                 <a:ln w="0"/>
                 <a:solidFill>
                   <a:schemeClr val="accent1"/>
@@ -4461,7 +4157,7 @@
               </a:rPr>
               <a:t>Servidor Local</a:t>
             </a:r>
-            <a:endParaRPr lang="pt-BR" sz="1600" b="0" cap="none" spc="0" dirty="0">
+            <a:endParaRPr lang="pt-BR" sz="1600" dirty="0">
               <a:ln w="0"/>
               <a:solidFill>
                 <a:schemeClr val="accent1"/>
@@ -4474,6 +4170,1376 @@
                 </a:outerShdw>
               </a:effectLst>
             </a:endParaRPr>
+          </a:p>
+        </p:txBody>
+      </p:sp>
+      <p:sp>
+        <p:nvSpPr>
+          <p:cNvPr id="3" name="Retângulo 2"/>
+          <p:cNvSpPr/>
+          <p:nvPr/>
+        </p:nvSpPr>
+        <p:spPr>
+          <a:xfrm>
+            <a:off x="2136710" y="10052008"/>
+            <a:ext cx="11918704" cy="2276717"/>
+          </a:xfrm>
+          <a:prstGeom prst="rect">
+            <a:avLst/>
+          </a:prstGeom>
+          <a:noFill/>
+          <a:ln w="9525" cap="flat" cmpd="sng" algn="ctr">
+            <a:solidFill>
+              <a:schemeClr val="dk1"/>
+            </a:solidFill>
+            <a:prstDash val="solid"/>
+            <a:round/>
+            <a:headEnd type="none" w="med" len="med"/>
+            <a:tailEnd type="none" w="med" len="med"/>
+          </a:ln>
+        </p:spPr>
+        <p:style>
+          <a:lnRef idx="0">
+            <a:scrgbClr r="0" g="0" b="0"/>
+          </a:lnRef>
+          <a:fillRef idx="0">
+            <a:scrgbClr r="0" g="0" b="0"/>
+          </a:fillRef>
+          <a:effectRef idx="0">
+            <a:scrgbClr r="0" g="0" b="0"/>
+          </a:effectRef>
+          <a:fontRef idx="minor">
+            <a:schemeClr val="dk1"/>
+          </a:fontRef>
+        </p:style>
+        <p:txBody>
+          <a:bodyPr rot="0" spcFirstLastPara="0" vertOverflow="overflow" horzOverflow="overflow" vert="horz" wrap="square" lIns="91440" tIns="45720" rIns="91440" bIns="45720" numCol="1" spcCol="0" rtlCol="0" fromWordArt="0" anchor="ctr" anchorCtr="0" forceAA="0" compatLnSpc="1">
+            <a:prstTxWarp prst="textNoShape">
+              <a:avLst/>
+            </a:prstTxWarp>
+            <a:noAutofit/>
+          </a:bodyPr>
+          <a:lstStyle/>
+          <a:p>
+            <a:pPr algn="ctr"/>
+            <a:endParaRPr lang="pt-BR"/>
+          </a:p>
+        </p:txBody>
+      </p:sp>
+      <p:sp>
+        <p:nvSpPr>
+          <p:cNvPr id="19" name="Retângulo 18"/>
+          <p:cNvSpPr/>
+          <p:nvPr/>
+        </p:nvSpPr>
+        <p:spPr>
+          <a:xfrm>
+            <a:off x="6981248" y="9568550"/>
+            <a:ext cx="2374015" cy="440472"/>
+          </a:xfrm>
+          <a:prstGeom prst="rect">
+            <a:avLst/>
+          </a:prstGeom>
+          <a:noFill/>
+          <a:ln>
+            <a:noFill/>
+          </a:ln>
+        </p:spPr>
+        <p:style>
+          <a:lnRef idx="0">
+            <a:scrgbClr r="0" g="0" b="0"/>
+          </a:lnRef>
+          <a:fillRef idx="0">
+            <a:scrgbClr r="0" g="0" b="0"/>
+          </a:fillRef>
+          <a:effectRef idx="0">
+            <a:scrgbClr r="0" g="0" b="0"/>
+          </a:effectRef>
+          <a:fontRef idx="minor">
+            <a:schemeClr val="dk1"/>
+          </a:fontRef>
+        </p:style>
+        <p:txBody>
+          <a:bodyPr rot="0" spcFirstLastPara="0" vertOverflow="overflow" horzOverflow="overflow" vert="horz" wrap="square" lIns="91440" tIns="45720" rIns="91440" bIns="45720" numCol="1" spcCol="0" rtlCol="0" fromWordArt="0" anchor="ctr" anchorCtr="0" forceAA="0" compatLnSpc="1">
+            <a:prstTxWarp prst="textNoShape">
+              <a:avLst/>
+            </a:prstTxWarp>
+            <a:noAutofit/>
+          </a:bodyPr>
+          <a:lstStyle/>
+          <a:p>
+            <a:pPr algn="ctr"/>
+            <a:endParaRPr lang="pt-BR"/>
+          </a:p>
+        </p:txBody>
+      </p:sp>
+      <p:sp>
+        <p:nvSpPr>
+          <p:cNvPr id="20" name="Retângulo 19"/>
+          <p:cNvSpPr/>
+          <p:nvPr/>
+        </p:nvSpPr>
+        <p:spPr>
+          <a:xfrm>
+            <a:off x="6301097" y="9479589"/>
+            <a:ext cx="2362200" cy="1027307"/>
+          </a:xfrm>
+          <a:prstGeom prst="rect">
+            <a:avLst/>
+          </a:prstGeom>
+        </p:spPr>
+        <p:style>
+          <a:lnRef idx="2">
+            <a:schemeClr val="dk1"/>
+          </a:lnRef>
+          <a:fillRef idx="1">
+            <a:schemeClr val="lt1"/>
+          </a:fillRef>
+          <a:effectRef idx="0">
+            <a:schemeClr val="dk1"/>
+          </a:effectRef>
+          <a:fontRef idx="minor">
+            <a:schemeClr val="dk1"/>
+          </a:fontRef>
+        </p:style>
+        <p:txBody>
+          <a:bodyPr rot="0" spcFirstLastPara="0" vertOverflow="overflow" horzOverflow="overflow" vert="horz" wrap="square" lIns="91440" tIns="45720" rIns="91440" bIns="45720" numCol="1" spcCol="0" rtlCol="0" fromWordArt="0" anchor="ctr" anchorCtr="0" forceAA="0" compatLnSpc="1">
+            <a:prstTxWarp prst="textNoShape">
+              <a:avLst/>
+            </a:prstTxWarp>
+            <a:noAutofit/>
+          </a:bodyPr>
+          <a:lstStyle/>
+          <a:p>
+            <a:pPr algn="ctr"/>
+            <a:r>
+              <a:rPr lang="pt-BR" dirty="0"/>
+              <a:t>Rede local</a:t>
+            </a:r>
+          </a:p>
+        </p:txBody>
+      </p:sp>
+      <p:sp>
+        <p:nvSpPr>
+          <p:cNvPr id="53" name="Retângulo 52"/>
+          <p:cNvSpPr/>
+          <p:nvPr/>
+        </p:nvSpPr>
+        <p:spPr>
+          <a:xfrm>
+            <a:off x="3001738" y="9046404"/>
+            <a:ext cx="2959284" cy="772781"/>
+          </a:xfrm>
+          <a:prstGeom prst="rect">
+            <a:avLst/>
+          </a:prstGeom>
+          <a:noFill/>
+          <a:ln w="9525" cap="flat" cmpd="sng" algn="ctr">
+            <a:solidFill>
+              <a:schemeClr val="dk1"/>
+            </a:solidFill>
+            <a:prstDash val="solid"/>
+            <a:round/>
+            <a:headEnd type="none" w="med" len="med"/>
+            <a:tailEnd type="none" w="med" len="med"/>
+          </a:ln>
+        </p:spPr>
+        <p:style>
+          <a:lnRef idx="0">
+            <a:scrgbClr r="0" g="0" b="0"/>
+          </a:lnRef>
+          <a:fillRef idx="0">
+            <a:scrgbClr r="0" g="0" b="0"/>
+          </a:fillRef>
+          <a:effectRef idx="0">
+            <a:scrgbClr r="0" g="0" b="0"/>
+          </a:effectRef>
+          <a:fontRef idx="minor">
+            <a:schemeClr val="dk1"/>
+          </a:fontRef>
+        </p:style>
+        <p:txBody>
+          <a:bodyPr rot="0" spcFirstLastPara="0" vertOverflow="overflow" horzOverflow="overflow" vert="horz" wrap="square" lIns="91440" tIns="45720" rIns="91440" bIns="45720" numCol="1" spcCol="0" rtlCol="0" fromWordArt="0" anchor="ctr" anchorCtr="0" forceAA="0" compatLnSpc="1">
+            <a:prstTxWarp prst="textNoShape">
+              <a:avLst/>
+            </a:prstTxWarp>
+            <a:noAutofit/>
+          </a:bodyPr>
+          <a:lstStyle/>
+          <a:p>
+            <a:pPr algn="ctr"/>
+            <a:endParaRPr lang="pt-BR"/>
+          </a:p>
+        </p:txBody>
+      </p:sp>
+      <p:pic>
+        <p:nvPicPr>
+          <p:cNvPr id="57" name="Imagem 56"/>
+          <p:cNvPicPr>
+            <a:picLocks noChangeAspect="1"/>
+          </p:cNvPicPr>
+          <p:nvPr/>
+        </p:nvPicPr>
+        <p:blipFill>
+          <a:blip r:embed="rId17" cstate="hqprint">
+            <a:extLst>
+              <a:ext uri="{28A0092B-C50C-407E-A947-70E740481C1C}">
+                <a14:useLocalDpi xmlns:a14="http://schemas.microsoft.com/office/drawing/2010/main" val="0"/>
+              </a:ext>
+            </a:extLst>
+          </a:blip>
+          <a:stretch>
+            <a:fillRect/>
+          </a:stretch>
+        </p:blipFill>
+        <p:spPr>
+          <a:xfrm>
+            <a:off x="12546148" y="6461422"/>
+            <a:ext cx="960336" cy="200265"/>
+          </a:xfrm>
+          <a:prstGeom prst="rect">
+            <a:avLst/>
+          </a:prstGeom>
+        </p:spPr>
+      </p:pic>
+      <p:pic>
+        <p:nvPicPr>
+          <p:cNvPr id="62" name="Imagem 61"/>
+          <p:cNvPicPr>
+            <a:picLocks noChangeAspect="1"/>
+          </p:cNvPicPr>
+          <p:nvPr/>
+        </p:nvPicPr>
+        <p:blipFill>
+          <a:blip r:embed="rId17" cstate="hqprint">
+            <a:extLst>
+              <a:ext uri="{28A0092B-C50C-407E-A947-70E740481C1C}">
+                <a14:useLocalDpi xmlns:a14="http://schemas.microsoft.com/office/drawing/2010/main" val="0"/>
+              </a:ext>
+            </a:extLst>
+          </a:blip>
+          <a:stretch>
+            <a:fillRect/>
+          </a:stretch>
+        </p:blipFill>
+        <p:spPr>
+          <a:xfrm>
+            <a:off x="11653761" y="7005115"/>
+            <a:ext cx="840762" cy="175329"/>
+          </a:xfrm>
+          <a:prstGeom prst="rect">
+            <a:avLst/>
+          </a:prstGeom>
+        </p:spPr>
+      </p:pic>
+      <p:pic>
+        <p:nvPicPr>
+          <p:cNvPr id="63" name="Imagem 62"/>
+          <p:cNvPicPr>
+            <a:picLocks noChangeAspect="1"/>
+          </p:cNvPicPr>
+          <p:nvPr/>
+        </p:nvPicPr>
+        <p:blipFill>
+          <a:blip r:embed="rId17" cstate="hqprint">
+            <a:extLst>
+              <a:ext uri="{28A0092B-C50C-407E-A947-70E740481C1C}">
+                <a14:useLocalDpi xmlns:a14="http://schemas.microsoft.com/office/drawing/2010/main" val="0"/>
+              </a:ext>
+            </a:extLst>
+          </a:blip>
+          <a:stretch>
+            <a:fillRect/>
+          </a:stretch>
+        </p:blipFill>
+        <p:spPr>
+          <a:xfrm>
+            <a:off x="13683034" y="7180444"/>
+            <a:ext cx="576784" cy="120280"/>
+          </a:xfrm>
+          <a:prstGeom prst="rect">
+            <a:avLst/>
+          </a:prstGeom>
+        </p:spPr>
+      </p:pic>
+      <p:pic>
+        <p:nvPicPr>
+          <p:cNvPr id="58" name="Imagem 57"/>
+          <p:cNvPicPr>
+            <a:picLocks noChangeAspect="1"/>
+          </p:cNvPicPr>
+          <p:nvPr/>
+        </p:nvPicPr>
+        <p:blipFill>
+          <a:blip r:embed="rId18">
+            <a:extLst>
+              <a:ext uri="{28A0092B-C50C-407E-A947-70E740481C1C}">
+                <a14:useLocalDpi xmlns:a14="http://schemas.microsoft.com/office/drawing/2010/main" val="0"/>
+              </a:ext>
+            </a:extLst>
+          </a:blip>
+          <a:stretch>
+            <a:fillRect/>
+          </a:stretch>
+        </p:blipFill>
+        <p:spPr>
+          <a:xfrm>
+            <a:off x="12709537" y="7248980"/>
+            <a:ext cx="150298" cy="150298"/>
+          </a:xfrm>
+          <a:prstGeom prst="rect">
+            <a:avLst/>
+          </a:prstGeom>
+        </p:spPr>
+      </p:pic>
+      <p:pic>
+        <p:nvPicPr>
+          <p:cNvPr id="65" name="Imagem 64"/>
+          <p:cNvPicPr>
+            <a:picLocks noChangeAspect="1"/>
+          </p:cNvPicPr>
+          <p:nvPr/>
+        </p:nvPicPr>
+        <p:blipFill>
+          <a:blip r:embed="rId18">
+            <a:extLst>
+              <a:ext uri="{28A0092B-C50C-407E-A947-70E740481C1C}">
+                <a14:useLocalDpi xmlns:a14="http://schemas.microsoft.com/office/drawing/2010/main" val="0"/>
+              </a:ext>
+            </a:extLst>
+          </a:blip>
+          <a:stretch>
+            <a:fillRect/>
+          </a:stretch>
+        </p:blipFill>
+        <p:spPr>
+          <a:xfrm>
+            <a:off x="13372444" y="7047128"/>
+            <a:ext cx="226706" cy="226706"/>
+          </a:xfrm>
+          <a:prstGeom prst="rect">
+            <a:avLst/>
+          </a:prstGeom>
+        </p:spPr>
+      </p:pic>
+      <p:pic>
+        <p:nvPicPr>
+          <p:cNvPr id="71" name="Picture 2" descr="Resultado de imagem para arduino uno com DHT11">
+            <a:extLst>
+              <a:ext uri="{FF2B5EF4-FFF2-40B4-BE49-F238E27FC236}">
+                <a16:creationId xmlns:a16="http://schemas.microsoft.com/office/drawing/2014/main" id="{D812938F-9E87-4536-81A3-11929954AE4C}"/>
+              </a:ext>
+            </a:extLst>
+          </p:cNvPr>
+          <p:cNvPicPr>
+            <a:picLocks noChangeAspect="1" noChangeArrowheads="1"/>
+          </p:cNvPicPr>
+          <p:nvPr/>
+        </p:nvPicPr>
+        <p:blipFill>
+          <a:blip r:embed="rId6">
+            <a:extLst>
+              <a:ext uri="{28A0092B-C50C-407E-A947-70E740481C1C}">
+                <a14:useLocalDpi xmlns:a14="http://schemas.microsoft.com/office/drawing/2010/main" val="0"/>
+              </a:ext>
+            </a:extLst>
+          </a:blip>
+          <a:srcRect/>
+          <a:stretch>
+            <a:fillRect/>
+          </a:stretch>
+        </p:blipFill>
+        <p:spPr bwMode="auto">
+          <a:xfrm>
+            <a:off x="12807205" y="2307515"/>
+            <a:ext cx="2405384" cy="1239981"/>
+          </a:xfrm>
+          <a:prstGeom prst="rect">
+            <a:avLst/>
+          </a:prstGeom>
+          <a:ln>
+            <a:noFill/>
+          </a:ln>
+          <a:effectLst>
+            <a:outerShdw blurRad="292100" dist="139700" dir="2700000" algn="tl" rotWithShape="0">
+              <a:srgbClr val="333333">
+                <a:alpha val="65000"/>
+              </a:srgbClr>
+            </a:outerShdw>
+          </a:effectLst>
+          <a:extLst/>
+        </p:spPr>
+      </p:pic>
+      <p:cxnSp>
+        <p:nvCxnSpPr>
+          <p:cNvPr id="72" name="Conector de Seta Reta 71">
+            <a:extLst>
+              <a:ext uri="{FF2B5EF4-FFF2-40B4-BE49-F238E27FC236}">
+                <a16:creationId xmlns:a16="http://schemas.microsoft.com/office/drawing/2014/main" id="{026327FF-F533-4EE7-A29C-8AAE39A505EA}"/>
+              </a:ext>
+            </a:extLst>
+          </p:cNvPr>
+          <p:cNvCxnSpPr/>
+          <p:nvPr/>
+        </p:nvCxnSpPr>
+        <p:spPr>
+          <a:xfrm>
+            <a:off x="15292826" y="2845374"/>
+            <a:ext cx="1765167" cy="0"/>
+          </a:xfrm>
+          <a:prstGeom prst="straightConnector1">
+            <a:avLst/>
+          </a:prstGeom>
+          <a:ln>
+            <a:headEnd type="triangle"/>
+            <a:tailEnd type="triangle"/>
+          </a:ln>
+        </p:spPr>
+        <p:style>
+          <a:lnRef idx="3">
+            <a:schemeClr val="dk1"/>
+          </a:lnRef>
+          <a:fillRef idx="0">
+            <a:schemeClr val="dk1"/>
+          </a:fillRef>
+          <a:effectRef idx="2">
+            <a:schemeClr val="dk1"/>
+          </a:effectRef>
+          <a:fontRef idx="minor">
+            <a:schemeClr val="tx1"/>
+          </a:fontRef>
+        </p:style>
+      </p:cxnSp>
+      <p:sp>
+        <p:nvSpPr>
+          <p:cNvPr id="73" name="Retângulo 72">
+            <a:extLst>
+              <a:ext uri="{FF2B5EF4-FFF2-40B4-BE49-F238E27FC236}">
+                <a16:creationId xmlns:a16="http://schemas.microsoft.com/office/drawing/2014/main" id="{8015C4A5-A75D-4892-B1AE-ED515FF5CD8C}"/>
+              </a:ext>
+            </a:extLst>
+          </p:cNvPr>
+          <p:cNvSpPr/>
+          <p:nvPr/>
+        </p:nvSpPr>
+        <p:spPr>
+          <a:xfrm>
+            <a:off x="7552517" y="3491900"/>
+            <a:ext cx="1999395" cy="461665"/>
+          </a:xfrm>
+          <a:prstGeom prst="rect">
+            <a:avLst/>
+          </a:prstGeom>
+          <a:noFill/>
+        </p:spPr>
+        <p:txBody>
+          <a:bodyPr wrap="none" lIns="91440" tIns="45720" rIns="91440" bIns="45720">
+            <a:spAutoFit/>
+          </a:bodyPr>
+          <a:lstStyle/>
+          <a:p>
+            <a:pPr algn="ctr"/>
+            <a:r>
+              <a:rPr lang="pt-BR" sz="2400" dirty="0" err="1">
+                <a:ln w="0"/>
+                <a:solidFill>
+                  <a:schemeClr val="accent1"/>
+                </a:solidFill>
+                <a:effectLst>
+                  <a:outerShdw blurRad="38100" dist="25400" dir="5400000" algn="ctr" rotWithShape="0">
+                    <a:srgbClr val="6E747A">
+                      <a:alpha val="43000"/>
+                    </a:srgbClr>
+                  </a:outerShdw>
+                </a:effectLst>
+              </a:rPr>
+              <a:t>Wifi</a:t>
+            </a:r>
+            <a:r>
+              <a:rPr lang="pt-BR" sz="2400" dirty="0">
+                <a:ln w="0"/>
+                <a:solidFill>
+                  <a:schemeClr val="accent1"/>
+                </a:solidFill>
+                <a:effectLst>
+                  <a:outerShdw blurRad="38100" dist="25400" dir="5400000" algn="ctr" rotWithShape="0">
+                    <a:srgbClr val="6E747A">
+                      <a:alpha val="43000"/>
+                    </a:srgbClr>
+                  </a:outerShdw>
+                </a:effectLst>
+              </a:rPr>
+              <a:t> + Internet</a:t>
+            </a:r>
+          </a:p>
+        </p:txBody>
+      </p:sp>
+      <p:cxnSp>
+        <p:nvCxnSpPr>
+          <p:cNvPr id="74" name="Conector de Seta Reta 73">
+            <a:extLst>
+              <a:ext uri="{FF2B5EF4-FFF2-40B4-BE49-F238E27FC236}">
+                <a16:creationId xmlns:a16="http://schemas.microsoft.com/office/drawing/2014/main" id="{F9311CF2-1330-48A9-9EB1-D1672C80B244}"/>
+              </a:ext>
+            </a:extLst>
+          </p:cNvPr>
+          <p:cNvCxnSpPr>
+            <a:cxnSpLocks/>
+          </p:cNvCxnSpPr>
+          <p:nvPr/>
+        </p:nvCxnSpPr>
+        <p:spPr>
+          <a:xfrm flipH="1">
+            <a:off x="11603452" y="2981349"/>
+            <a:ext cx="1106085" cy="5818"/>
+          </a:xfrm>
+          <a:prstGeom prst="straightConnector1">
+            <a:avLst/>
+          </a:prstGeom>
+          <a:ln>
+            <a:headEnd type="triangle"/>
+            <a:tailEnd type="triangle"/>
+          </a:ln>
+        </p:spPr>
+        <p:style>
+          <a:lnRef idx="3">
+            <a:schemeClr val="dk1"/>
+          </a:lnRef>
+          <a:fillRef idx="0">
+            <a:schemeClr val="dk1"/>
+          </a:fillRef>
+          <a:effectRef idx="2">
+            <a:schemeClr val="dk1"/>
+          </a:effectRef>
+          <a:fontRef idx="minor">
+            <a:schemeClr val="tx1"/>
+          </a:fontRef>
+        </p:style>
+      </p:cxnSp>
+      <p:sp>
+        <p:nvSpPr>
+          <p:cNvPr id="75" name="Retângulo 74">
+            <a:extLst>
+              <a:ext uri="{FF2B5EF4-FFF2-40B4-BE49-F238E27FC236}">
+                <a16:creationId xmlns:a16="http://schemas.microsoft.com/office/drawing/2014/main" id="{743871E3-138B-4807-A8B6-2963B367FEB4}"/>
+              </a:ext>
+            </a:extLst>
+          </p:cNvPr>
+          <p:cNvSpPr/>
+          <p:nvPr/>
+        </p:nvSpPr>
+        <p:spPr>
+          <a:xfrm>
+            <a:off x="16852556" y="2570583"/>
+            <a:ext cx="2683747" cy="1384995"/>
+          </a:xfrm>
+          <a:prstGeom prst="rect">
+            <a:avLst/>
+          </a:prstGeom>
+          <a:noFill/>
+        </p:spPr>
+        <p:txBody>
+          <a:bodyPr wrap="none" lIns="91440" tIns="45720" rIns="91440" bIns="45720">
+            <a:spAutoFit/>
+          </a:bodyPr>
+          <a:lstStyle/>
+          <a:p>
+            <a:pPr algn="ctr"/>
+            <a:r>
+              <a:rPr lang="pt-BR" sz="2800" dirty="0">
+                <a:ln w="0"/>
+                <a:solidFill>
+                  <a:schemeClr val="accent1"/>
+                </a:solidFill>
+                <a:effectLst>
+                  <a:outerShdw blurRad="38100" dist="25400" dir="5400000" algn="ctr" rotWithShape="0">
+                    <a:srgbClr val="6E747A">
+                      <a:alpha val="43000"/>
+                    </a:srgbClr>
+                  </a:outerShdw>
+                </a:effectLst>
+              </a:rPr>
+              <a:t>Umidificador </a:t>
+            </a:r>
+          </a:p>
+          <a:p>
+            <a:pPr algn="ctr"/>
+            <a:r>
+              <a:rPr lang="pt-BR" sz="2800" dirty="0">
+                <a:ln w="0"/>
+                <a:solidFill>
+                  <a:schemeClr val="accent1"/>
+                </a:solidFill>
+                <a:effectLst>
+                  <a:outerShdw blurRad="38100" dist="25400" dir="5400000" algn="ctr" rotWithShape="0">
+                    <a:srgbClr val="6E747A">
+                      <a:alpha val="43000"/>
+                    </a:srgbClr>
+                  </a:outerShdw>
+                </a:effectLst>
+              </a:rPr>
+              <a:t>+</a:t>
+            </a:r>
+          </a:p>
+          <a:p>
+            <a:pPr algn="ctr"/>
+            <a:r>
+              <a:rPr lang="pt-BR" sz="2800" dirty="0">
+                <a:ln w="0"/>
+                <a:solidFill>
+                  <a:schemeClr val="accent1"/>
+                </a:solidFill>
+                <a:effectLst>
+                  <a:outerShdw blurRad="38100" dist="25400" dir="5400000" algn="ctr" rotWithShape="0">
+                    <a:srgbClr val="6E747A">
+                      <a:alpha val="43000"/>
+                    </a:srgbClr>
+                  </a:outerShdw>
+                </a:effectLst>
+              </a:rPr>
+              <a:t> Ar Condicionado</a:t>
+            </a:r>
+          </a:p>
+        </p:txBody>
+      </p:sp>
+      <p:sp>
+        <p:nvSpPr>
+          <p:cNvPr id="76" name="Retângulo 75">
+            <a:extLst>
+              <a:ext uri="{FF2B5EF4-FFF2-40B4-BE49-F238E27FC236}">
+                <a16:creationId xmlns:a16="http://schemas.microsoft.com/office/drawing/2014/main" id="{F7B5A5FA-7683-40EE-BFF0-4530A2BC8586}"/>
+              </a:ext>
+            </a:extLst>
+          </p:cNvPr>
+          <p:cNvSpPr/>
+          <p:nvPr/>
+        </p:nvSpPr>
+        <p:spPr>
+          <a:xfrm>
+            <a:off x="12438592" y="3520499"/>
+            <a:ext cx="3234155" cy="461665"/>
+          </a:xfrm>
+          <a:prstGeom prst="rect">
+            <a:avLst/>
+          </a:prstGeom>
+          <a:noFill/>
+        </p:spPr>
+        <p:txBody>
+          <a:bodyPr wrap="none" lIns="91440" tIns="45720" rIns="91440" bIns="45720">
+            <a:spAutoFit/>
+          </a:bodyPr>
+          <a:lstStyle/>
+          <a:p>
+            <a:pPr algn="ctr"/>
+            <a:r>
+              <a:rPr lang="pt-BR" sz="2400" dirty="0">
+                <a:ln w="0"/>
+                <a:solidFill>
+                  <a:schemeClr val="accent1"/>
+                </a:solidFill>
+                <a:effectLst>
+                  <a:outerShdw blurRad="38100" dist="25400" dir="5400000" algn="ctr" rotWithShape="0">
+                    <a:srgbClr val="6E747A">
+                      <a:alpha val="43000"/>
+                    </a:srgbClr>
+                  </a:outerShdw>
+                </a:effectLst>
+              </a:rPr>
+              <a:t>Arduino + Sensor DHT11</a:t>
+            </a:r>
+          </a:p>
+        </p:txBody>
+      </p:sp>
+      <p:pic>
+        <p:nvPicPr>
+          <p:cNvPr id="77" name="Picture 2" descr="Resultado de imagem para modem de internet">
+            <a:extLst>
+              <a:ext uri="{FF2B5EF4-FFF2-40B4-BE49-F238E27FC236}">
+                <a16:creationId xmlns:a16="http://schemas.microsoft.com/office/drawing/2014/main" id="{82623677-CCEB-47C6-8FBB-045CD7C110BE}"/>
+              </a:ext>
+            </a:extLst>
+          </p:cNvPr>
+          <p:cNvPicPr>
+            <a:picLocks noChangeAspect="1" noChangeArrowheads="1"/>
+          </p:cNvPicPr>
+          <p:nvPr/>
+        </p:nvPicPr>
+        <p:blipFill>
+          <a:blip r:embed="rId11" cstate="hqprint">
+            <a:extLst>
+              <a:ext uri="{BEBA8EAE-BF5A-486C-A8C5-ECC9F3942E4B}">
+                <a14:imgProps xmlns:a14="http://schemas.microsoft.com/office/drawing/2010/main">
+                  <a14:imgLayer r:embed="rId12">
+                    <a14:imgEffect>
+                      <a14:backgroundRemoval t="10000" b="90000" l="400" r="100000">
+                        <a14:foregroundMark x1="13000" y1="55000" x2="12200" y2="64800"/>
+                        <a14:foregroundMark x1="87600" y1="53200" x2="93600" y2="70200"/>
+                      </a14:backgroundRemoval>
+                    </a14:imgEffect>
+                  </a14:imgLayer>
+                </a14:imgProps>
+              </a:ext>
+              <a:ext uri="{28A0092B-C50C-407E-A947-70E740481C1C}">
+                <a14:useLocalDpi xmlns:a14="http://schemas.microsoft.com/office/drawing/2010/main" val="0"/>
+              </a:ext>
+            </a:extLst>
+          </a:blip>
+          <a:srcRect/>
+          <a:stretch>
+            <a:fillRect/>
+          </a:stretch>
+        </p:blipFill>
+        <p:spPr bwMode="auto">
+          <a:xfrm>
+            <a:off x="8003978" y="2186792"/>
+            <a:ext cx="1124861" cy="1124861"/>
+          </a:xfrm>
+          <a:prstGeom prst="rect">
+            <a:avLst/>
+          </a:prstGeom>
+          <a:noFill/>
+          <a:extLst>
+            <a:ext uri="{909E8E84-426E-40DD-AFC4-6F175D3DCCD1}">
+              <a14:hiddenFill xmlns:a14="http://schemas.microsoft.com/office/drawing/2010/main">
+                <a:solidFill>
+                  <a:srgbClr val="FFFFFF"/>
+                </a:solidFill>
+              </a14:hiddenFill>
+            </a:ext>
+          </a:extLst>
+        </p:spPr>
+      </p:pic>
+      <p:sp>
+        <p:nvSpPr>
+          <p:cNvPr id="78" name="CaixaDeTexto 77">
+            <a:extLst>
+              <a:ext uri="{FF2B5EF4-FFF2-40B4-BE49-F238E27FC236}">
+                <a16:creationId xmlns:a16="http://schemas.microsoft.com/office/drawing/2014/main" id="{34EE0974-53E6-4AED-897C-A38F7FD33207}"/>
+              </a:ext>
+            </a:extLst>
+          </p:cNvPr>
+          <p:cNvSpPr txBox="1"/>
+          <p:nvPr/>
+        </p:nvSpPr>
+        <p:spPr>
+          <a:xfrm>
+            <a:off x="15710846" y="2898853"/>
+            <a:ext cx="1244314" cy="261610"/>
+          </a:xfrm>
+          <a:prstGeom prst="rect">
+            <a:avLst/>
+          </a:prstGeom>
+          <a:noFill/>
+        </p:spPr>
+        <p:txBody>
+          <a:bodyPr wrap="square" rtlCol="0">
+            <a:spAutoFit/>
+          </a:bodyPr>
+          <a:lstStyle/>
+          <a:p>
+            <a:r>
+              <a:rPr lang="pt-BR" sz="1100" dirty="0"/>
+              <a:t>Troca de Dados</a:t>
+            </a:r>
+          </a:p>
+        </p:txBody>
+      </p:sp>
+      <p:pic>
+        <p:nvPicPr>
+          <p:cNvPr id="80" name="Imagem 79"/>
+          <p:cNvPicPr>
+            <a:picLocks noChangeAspect="1"/>
+          </p:cNvPicPr>
+          <p:nvPr/>
+        </p:nvPicPr>
+        <p:blipFill>
+          <a:blip r:embed="rId4">
+            <a:extLst>
+              <a:ext uri="{BEBA8EAE-BF5A-486C-A8C5-ECC9F3942E4B}">
+                <a14:imgProps xmlns:a14="http://schemas.microsoft.com/office/drawing/2010/main">
+                  <a14:imgLayer r:embed="rId5">
+                    <a14:imgEffect>
+                      <a14:backgroundRemoval t="536" b="100000" l="0" r="99667">
+                        <a14:foregroundMark x1="7667" y1="11429" x2="8778" y2="25000"/>
+                        <a14:foregroundMark x1="10000" y1="2143" x2="89000" y2="1607"/>
+                        <a14:foregroundMark x1="89889" y1="2143" x2="89000" y2="14107"/>
+                        <a14:foregroundMark x1="50333" y1="76607" x2="49556" y2="78036"/>
+                        <a14:foregroundMark x1="3667" y1="93393" x2="18889" y2="95893"/>
+                        <a14:foregroundMark x1="18111" y1="95536" x2="96667" y2="96429"/>
+                        <a14:foregroundMark x1="49889" y1="91964" x2="54333" y2="71607"/>
+                        <a14:foregroundMark x1="20222" y1="93571" x2="95333" y2="92857"/>
+                        <a14:foregroundMark x1="10000" y1="97321" x2="3222" y2="96607"/>
+                        <a14:foregroundMark x1="60556" y1="77679" x2="89889" y2="73393"/>
+                        <a14:foregroundMark x1="89889" y1="73571" x2="89889" y2="73571"/>
+                        <a14:foregroundMark x1="35333" y1="79286" x2="8667" y2="55536"/>
+                      </a14:backgroundRemoval>
+                    </a14:imgEffect>
+                  </a14:imgLayer>
+                </a14:imgProps>
+              </a:ext>
+            </a:extLst>
+          </a:blip>
+          <a:stretch>
+            <a:fillRect/>
+          </a:stretch>
+        </p:blipFill>
+        <p:spPr>
+          <a:xfrm>
+            <a:off x="10504486" y="2682244"/>
+            <a:ext cx="1057730" cy="658143"/>
+          </a:xfrm>
+          <a:prstGeom prst="rect">
+            <a:avLst/>
+          </a:prstGeom>
+        </p:spPr>
+      </p:pic>
+      <p:sp>
+        <p:nvSpPr>
+          <p:cNvPr id="81" name="Retângulo 80">
+            <a:extLst>
+              <a:ext uri="{FF2B5EF4-FFF2-40B4-BE49-F238E27FC236}">
+                <a16:creationId xmlns:a16="http://schemas.microsoft.com/office/drawing/2014/main" id="{8015C4A5-A75D-4892-B1AE-ED515FF5CD8C}"/>
+              </a:ext>
+            </a:extLst>
+          </p:cNvPr>
+          <p:cNvSpPr/>
+          <p:nvPr/>
+        </p:nvSpPr>
+        <p:spPr>
+          <a:xfrm>
+            <a:off x="10232061" y="3494716"/>
+            <a:ext cx="1526380" cy="461665"/>
+          </a:xfrm>
+          <a:prstGeom prst="rect">
+            <a:avLst/>
+          </a:prstGeom>
+          <a:noFill/>
+        </p:spPr>
+        <p:txBody>
+          <a:bodyPr wrap="none" lIns="91440" tIns="45720" rIns="91440" bIns="45720">
+            <a:spAutoFit/>
+          </a:bodyPr>
+          <a:lstStyle/>
+          <a:p>
+            <a:pPr algn="ctr"/>
+            <a:r>
+              <a:rPr lang="pt-BR" sz="2400" dirty="0">
+                <a:ln w="0"/>
+                <a:solidFill>
+                  <a:schemeClr val="accent1"/>
+                </a:solidFill>
+                <a:effectLst>
+                  <a:outerShdw blurRad="38100" dist="25400" dir="5400000" algn="ctr" rotWithShape="0">
+                    <a:srgbClr val="6E747A">
+                      <a:alpha val="43000"/>
+                    </a:srgbClr>
+                  </a:outerShdw>
+                </a:effectLst>
+              </a:rPr>
+              <a:t>JS/Node JS</a:t>
+            </a:r>
+            <a:endParaRPr lang="pt-BR" sz="2400" dirty="0">
+              <a:ln w="0"/>
+              <a:solidFill>
+                <a:schemeClr val="accent1"/>
+              </a:solidFill>
+              <a:effectLst>
+                <a:outerShdw blurRad="38100" dist="25400" dir="5400000" algn="ctr" rotWithShape="0">
+                  <a:srgbClr val="6E747A">
+                    <a:alpha val="43000"/>
+                  </a:srgbClr>
+                </a:outerShdw>
+              </a:effectLst>
+            </a:endParaRPr>
+          </a:p>
+        </p:txBody>
+      </p:sp>
+      <p:cxnSp>
+        <p:nvCxnSpPr>
+          <p:cNvPr id="82" name="Conector de Seta Reta 81">
+            <a:extLst>
+              <a:ext uri="{FF2B5EF4-FFF2-40B4-BE49-F238E27FC236}">
+                <a16:creationId xmlns:a16="http://schemas.microsoft.com/office/drawing/2014/main" id="{F9311CF2-1330-48A9-9EB1-D1672C80B244}"/>
+              </a:ext>
+            </a:extLst>
+          </p:cNvPr>
+          <p:cNvCxnSpPr>
+            <a:cxnSpLocks/>
+          </p:cNvCxnSpPr>
+          <p:nvPr/>
+        </p:nvCxnSpPr>
+        <p:spPr>
+          <a:xfrm flipH="1" flipV="1">
+            <a:off x="9338308" y="2927504"/>
+            <a:ext cx="1070600" cy="2"/>
+          </a:xfrm>
+          <a:prstGeom prst="straightConnector1">
+            <a:avLst/>
+          </a:prstGeom>
+          <a:ln>
+            <a:headEnd type="triangle"/>
+            <a:tailEnd type="triangle"/>
+          </a:ln>
+        </p:spPr>
+        <p:style>
+          <a:lnRef idx="3">
+            <a:schemeClr val="dk1"/>
+          </a:lnRef>
+          <a:fillRef idx="0">
+            <a:schemeClr val="dk1"/>
+          </a:fillRef>
+          <a:effectRef idx="2">
+            <a:schemeClr val="dk1"/>
+          </a:effectRef>
+          <a:fontRef idx="minor">
+            <a:schemeClr val="tx1"/>
+          </a:fontRef>
+        </p:style>
+      </p:cxnSp>
+      <p:sp>
+        <p:nvSpPr>
+          <p:cNvPr id="83" name="Retângulo 82">
+            <a:extLst>
+              <a:ext uri="{FF2B5EF4-FFF2-40B4-BE49-F238E27FC236}">
+                <a16:creationId xmlns:a16="http://schemas.microsoft.com/office/drawing/2014/main" id="{8015C4A5-A75D-4892-B1AE-ED515FF5CD8C}"/>
+              </a:ext>
+            </a:extLst>
+          </p:cNvPr>
+          <p:cNvSpPr/>
+          <p:nvPr/>
+        </p:nvSpPr>
+        <p:spPr>
+          <a:xfrm>
+            <a:off x="10461439" y="2128626"/>
+            <a:ext cx="1126683" cy="584775"/>
+          </a:xfrm>
+          <a:prstGeom prst="rect">
+            <a:avLst/>
+          </a:prstGeom>
+          <a:noFill/>
+        </p:spPr>
+        <p:txBody>
+          <a:bodyPr wrap="square" lIns="91440" tIns="45720" rIns="91440" bIns="45720">
+            <a:spAutoFit/>
+          </a:bodyPr>
+          <a:lstStyle/>
+          <a:p>
+            <a:pPr algn="ctr"/>
+            <a:r>
+              <a:rPr lang="pt-BR" sz="1600" dirty="0">
+                <a:ln w="0"/>
+                <a:solidFill>
+                  <a:schemeClr val="accent1"/>
+                </a:solidFill>
+                <a:effectLst>
+                  <a:outerShdw blurRad="38100" dist="25400" dir="5400000" algn="ctr" rotWithShape="0">
+                    <a:srgbClr val="6E747A">
+                      <a:alpha val="43000"/>
+                    </a:srgbClr>
+                  </a:outerShdw>
+                </a:effectLst>
+              </a:rPr>
+              <a:t>Servidor Local</a:t>
+            </a:r>
+            <a:endParaRPr lang="pt-BR" sz="1600" dirty="0">
+              <a:ln w="0"/>
+              <a:solidFill>
+                <a:schemeClr val="accent1"/>
+              </a:solidFill>
+              <a:effectLst>
+                <a:outerShdw blurRad="38100" dist="25400" dir="5400000" algn="ctr" rotWithShape="0">
+                  <a:srgbClr val="6E747A">
+                    <a:alpha val="43000"/>
+                  </a:srgbClr>
+                </a:outerShdw>
+              </a:effectLst>
+            </a:endParaRPr>
+          </a:p>
+        </p:txBody>
+      </p:sp>
+      <p:sp>
+        <p:nvSpPr>
+          <p:cNvPr id="84" name="Retângulo 83"/>
+          <p:cNvSpPr/>
+          <p:nvPr/>
+        </p:nvSpPr>
+        <p:spPr>
+          <a:xfrm>
+            <a:off x="7547132" y="1586860"/>
+            <a:ext cx="11918704" cy="2276717"/>
+          </a:xfrm>
+          <a:prstGeom prst="rect">
+            <a:avLst/>
+          </a:prstGeom>
+          <a:noFill/>
+          <a:ln w="9525" cap="flat" cmpd="sng" algn="ctr">
+            <a:solidFill>
+              <a:schemeClr val="dk1"/>
+            </a:solidFill>
+            <a:prstDash val="solid"/>
+            <a:round/>
+            <a:headEnd type="none" w="med" len="med"/>
+            <a:tailEnd type="none" w="med" len="med"/>
+          </a:ln>
+        </p:spPr>
+        <p:style>
+          <a:lnRef idx="0">
+            <a:scrgbClr r="0" g="0" b="0"/>
+          </a:lnRef>
+          <a:fillRef idx="0">
+            <a:scrgbClr r="0" g="0" b="0"/>
+          </a:fillRef>
+          <a:effectRef idx="0">
+            <a:scrgbClr r="0" g="0" b="0"/>
+          </a:effectRef>
+          <a:fontRef idx="minor">
+            <a:schemeClr val="dk1"/>
+          </a:fontRef>
+        </p:style>
+        <p:txBody>
+          <a:bodyPr rot="0" spcFirstLastPara="0" vertOverflow="overflow" horzOverflow="overflow" vert="horz" wrap="square" lIns="91440" tIns="45720" rIns="91440" bIns="45720" numCol="1" spcCol="0" rtlCol="0" fromWordArt="0" anchor="ctr" anchorCtr="0" forceAA="0" compatLnSpc="1">
+            <a:prstTxWarp prst="textNoShape">
+              <a:avLst/>
+            </a:prstTxWarp>
+            <a:noAutofit/>
+          </a:bodyPr>
+          <a:lstStyle/>
+          <a:p>
+            <a:pPr algn="ctr"/>
+            <a:endParaRPr lang="pt-BR"/>
+          </a:p>
+        </p:txBody>
+      </p:sp>
+      <p:sp>
+        <p:nvSpPr>
+          <p:cNvPr id="85" name="Retângulo 84"/>
+          <p:cNvSpPr/>
+          <p:nvPr/>
+        </p:nvSpPr>
+        <p:spPr>
+          <a:xfrm>
+            <a:off x="12438592" y="1122472"/>
+            <a:ext cx="2374015" cy="440472"/>
+          </a:xfrm>
+          <a:prstGeom prst="rect">
+            <a:avLst/>
+          </a:prstGeom>
+          <a:noFill/>
+          <a:ln>
+            <a:noFill/>
+          </a:ln>
+        </p:spPr>
+        <p:style>
+          <a:lnRef idx="0">
+            <a:scrgbClr r="0" g="0" b="0"/>
+          </a:lnRef>
+          <a:fillRef idx="0">
+            <a:scrgbClr r="0" g="0" b="0"/>
+          </a:fillRef>
+          <a:effectRef idx="0">
+            <a:scrgbClr r="0" g="0" b="0"/>
+          </a:effectRef>
+          <a:fontRef idx="minor">
+            <a:schemeClr val="dk1"/>
+          </a:fontRef>
+        </p:style>
+        <p:txBody>
+          <a:bodyPr rot="0" spcFirstLastPara="0" vertOverflow="overflow" horzOverflow="overflow" vert="horz" wrap="square" lIns="91440" tIns="45720" rIns="91440" bIns="45720" numCol="1" spcCol="0" rtlCol="0" fromWordArt="0" anchor="ctr" anchorCtr="0" forceAA="0" compatLnSpc="1">
+            <a:prstTxWarp prst="textNoShape">
+              <a:avLst/>
+            </a:prstTxWarp>
+            <a:noAutofit/>
+          </a:bodyPr>
+          <a:lstStyle/>
+          <a:p>
+            <a:pPr algn="ctr"/>
+            <a:endParaRPr lang="pt-BR"/>
+          </a:p>
+        </p:txBody>
+      </p:sp>
+      <p:sp>
+        <p:nvSpPr>
+          <p:cNvPr id="86" name="Retângulo 85"/>
+          <p:cNvSpPr/>
+          <p:nvPr/>
+        </p:nvSpPr>
+        <p:spPr>
+          <a:xfrm>
+            <a:off x="11758441" y="1033511"/>
+            <a:ext cx="2362200" cy="1027307"/>
+          </a:xfrm>
+          <a:prstGeom prst="rect">
+            <a:avLst/>
+          </a:prstGeom>
+        </p:spPr>
+        <p:style>
+          <a:lnRef idx="2">
+            <a:schemeClr val="dk1"/>
+          </a:lnRef>
+          <a:fillRef idx="1">
+            <a:schemeClr val="lt1"/>
+          </a:fillRef>
+          <a:effectRef idx="0">
+            <a:schemeClr val="dk1"/>
+          </a:effectRef>
+          <a:fontRef idx="minor">
+            <a:schemeClr val="dk1"/>
+          </a:fontRef>
+        </p:style>
+        <p:txBody>
+          <a:bodyPr rot="0" spcFirstLastPara="0" vertOverflow="overflow" horzOverflow="overflow" vert="horz" wrap="square" lIns="91440" tIns="45720" rIns="91440" bIns="45720" numCol="1" spcCol="0" rtlCol="0" fromWordArt="0" anchor="ctr" anchorCtr="0" forceAA="0" compatLnSpc="1">
+            <a:prstTxWarp prst="textNoShape">
+              <a:avLst/>
+            </a:prstTxWarp>
+            <a:noAutofit/>
+          </a:bodyPr>
+          <a:lstStyle/>
+          <a:p>
+            <a:pPr algn="ctr"/>
+            <a:r>
+              <a:rPr lang="pt-BR" dirty="0"/>
+              <a:t>Rede local</a:t>
+            </a:r>
+          </a:p>
+        </p:txBody>
+      </p:sp>
+      <p:cxnSp>
+        <p:nvCxnSpPr>
+          <p:cNvPr id="61" name="Conector de Seta Reta 60"/>
+          <p:cNvCxnSpPr/>
+          <p:nvPr/>
+        </p:nvCxnSpPr>
+        <p:spPr>
+          <a:xfrm flipV="1">
+            <a:off x="5004095" y="3953565"/>
+            <a:ext cx="2248098" cy="1380957"/>
+          </a:xfrm>
+          <a:prstGeom prst="straightConnector1">
+            <a:avLst/>
+          </a:prstGeom>
+          <a:ln>
+            <a:tailEnd type="triangle"/>
+          </a:ln>
+        </p:spPr>
+        <p:style>
+          <a:lnRef idx="1">
+            <a:schemeClr val="dk1"/>
+          </a:lnRef>
+          <a:fillRef idx="0">
+            <a:schemeClr val="dk1"/>
+          </a:fillRef>
+          <a:effectRef idx="0">
+            <a:schemeClr val="dk1"/>
+          </a:effectRef>
+          <a:fontRef idx="minor">
+            <a:schemeClr val="tx1"/>
+          </a:fontRef>
+        </p:style>
+      </p:cxnSp>
+      <p:cxnSp>
+        <p:nvCxnSpPr>
+          <p:cNvPr id="97" name="Conector de Seta Reta 96"/>
+          <p:cNvCxnSpPr/>
+          <p:nvPr/>
+        </p:nvCxnSpPr>
+        <p:spPr>
+          <a:xfrm flipH="1" flipV="1">
+            <a:off x="3062860" y="7358993"/>
+            <a:ext cx="188395" cy="197163"/>
+          </a:xfrm>
+          <a:prstGeom prst="straightConnector1">
+            <a:avLst/>
+          </a:prstGeom>
+          <a:ln>
+            <a:tailEnd type="triangle"/>
+          </a:ln>
+        </p:spPr>
+        <p:style>
+          <a:lnRef idx="1">
+            <a:schemeClr val="dk1"/>
+          </a:lnRef>
+          <a:fillRef idx="0">
+            <a:schemeClr val="dk1"/>
+          </a:fillRef>
+          <a:effectRef idx="0">
+            <a:schemeClr val="dk1"/>
+          </a:effectRef>
+          <a:fontRef idx="minor">
+            <a:schemeClr val="tx1"/>
+          </a:fontRef>
+        </p:style>
+      </p:cxnSp>
+      <p:cxnSp>
+        <p:nvCxnSpPr>
+          <p:cNvPr id="102" name="Conector de Seta Reta 101"/>
+          <p:cNvCxnSpPr/>
+          <p:nvPr/>
+        </p:nvCxnSpPr>
+        <p:spPr>
+          <a:xfrm flipV="1">
+            <a:off x="3267659" y="7137320"/>
+            <a:ext cx="403836" cy="1"/>
+          </a:xfrm>
+          <a:prstGeom prst="straightConnector1">
+            <a:avLst/>
+          </a:prstGeom>
+          <a:ln>
+            <a:tailEnd type="triangle"/>
+          </a:ln>
+        </p:spPr>
+        <p:style>
+          <a:lnRef idx="1">
+            <a:schemeClr val="dk1"/>
+          </a:lnRef>
+          <a:fillRef idx="0">
+            <a:schemeClr val="dk1"/>
+          </a:fillRef>
+          <a:effectRef idx="0">
+            <a:schemeClr val="dk1"/>
+          </a:effectRef>
+          <a:fontRef idx="minor">
+            <a:schemeClr val="tx1"/>
+          </a:fontRef>
+        </p:style>
+      </p:cxnSp>
+      <p:cxnSp>
+        <p:nvCxnSpPr>
+          <p:cNvPr id="107" name="Conector de Seta Reta 106"/>
+          <p:cNvCxnSpPr/>
+          <p:nvPr/>
+        </p:nvCxnSpPr>
+        <p:spPr>
+          <a:xfrm flipH="1" flipV="1">
+            <a:off x="3683785" y="6711504"/>
+            <a:ext cx="188395" cy="197163"/>
+          </a:xfrm>
+          <a:prstGeom prst="straightConnector1">
+            <a:avLst/>
+          </a:prstGeom>
+          <a:ln>
+            <a:tailEnd type="triangle"/>
+          </a:ln>
+        </p:spPr>
+        <p:style>
+          <a:lnRef idx="1">
+            <a:schemeClr val="dk1"/>
+          </a:lnRef>
+          <a:fillRef idx="0">
+            <a:schemeClr val="dk1"/>
+          </a:fillRef>
+          <a:effectRef idx="0">
+            <a:schemeClr val="dk1"/>
+          </a:effectRef>
+          <a:fontRef idx="minor">
+            <a:schemeClr val="tx1"/>
+          </a:fontRef>
+        </p:style>
+      </p:cxnSp>
+      <p:pic>
+        <p:nvPicPr>
+          <p:cNvPr id="108" name="Imagem 107">
+            <a:extLst>
+              <a:ext uri="{FF2B5EF4-FFF2-40B4-BE49-F238E27FC236}">
+                <a16:creationId xmlns:a16="http://schemas.microsoft.com/office/drawing/2014/main" id="{4F96A891-CCDB-448D-80B6-3C43883E7FF2}"/>
+              </a:ext>
+            </a:extLst>
+          </p:cNvPr>
+          <p:cNvPicPr>
+            <a:picLocks noChangeAspect="1"/>
+          </p:cNvPicPr>
+          <p:nvPr/>
+        </p:nvPicPr>
+        <p:blipFill>
+          <a:blip r:embed="rId13">
+            <a:extLst>
+              <a:ext uri="{BEBA8EAE-BF5A-486C-A8C5-ECC9F3942E4B}">
+                <a14:imgProps xmlns:a14="http://schemas.microsoft.com/office/drawing/2010/main">
+                  <a14:imgLayer r:embed="rId14">
+                    <a14:imgEffect>
+                      <a14:backgroundRemoval t="0" b="100000" l="0" r="100000">
+                        <a14:foregroundMark x1="43000" y1="21645" x2="84000" y2="39394"/>
+                      </a14:backgroundRemoval>
+                    </a14:imgEffect>
+                  </a14:imgLayer>
+                </a14:imgProps>
+              </a:ext>
+            </a:extLst>
+          </a:blip>
+          <a:stretch>
+            <a:fillRect/>
+          </a:stretch>
+        </p:blipFill>
+        <p:spPr>
+          <a:xfrm>
+            <a:off x="5403459" y="11159479"/>
+            <a:ext cx="345794" cy="399391"/>
+          </a:xfrm>
+          <a:prstGeom prst="rect">
+            <a:avLst/>
+          </a:prstGeom>
+        </p:spPr>
+      </p:pic>
+      <p:sp>
+        <p:nvSpPr>
+          <p:cNvPr id="113" name="Retângulo 112"/>
+          <p:cNvSpPr/>
+          <p:nvPr/>
+        </p:nvSpPr>
+        <p:spPr>
+          <a:xfrm>
+            <a:off x="3623081" y="3633515"/>
+            <a:ext cx="2621093" cy="843002"/>
+          </a:xfrm>
+          <a:prstGeom prst="rect">
+            <a:avLst/>
+          </a:prstGeom>
+          <a:noFill/>
+          <a:ln w="9525" cap="flat" cmpd="sng" algn="ctr">
+            <a:solidFill>
+              <a:schemeClr val="dk1"/>
+            </a:solidFill>
+            <a:prstDash val="solid"/>
+            <a:round/>
+            <a:headEnd type="none" w="med" len="med"/>
+            <a:tailEnd type="none" w="med" len="med"/>
+          </a:ln>
+        </p:spPr>
+        <p:style>
+          <a:lnRef idx="0">
+            <a:scrgbClr r="0" g="0" b="0"/>
+          </a:lnRef>
+          <a:fillRef idx="0">
+            <a:scrgbClr r="0" g="0" b="0"/>
+          </a:fillRef>
+          <a:effectRef idx="0">
+            <a:scrgbClr r="0" g="0" b="0"/>
+          </a:effectRef>
+          <a:fontRef idx="minor">
+            <a:schemeClr val="dk1"/>
+          </a:fontRef>
+        </p:style>
+        <p:txBody>
+          <a:bodyPr rtlCol="0" anchor="ctr"/>
+          <a:lstStyle/>
+          <a:p>
+            <a:pPr algn="ctr"/>
+            <a:r>
+              <a:rPr lang="pt-BR" sz="1600" dirty="0" smtClean="0"/>
+              <a:t>Comunicação inversa Node </a:t>
+            </a:r>
+            <a:r>
+              <a:rPr lang="pt-BR" sz="1600" dirty="0" err="1"/>
+              <a:t>J</a:t>
+            </a:r>
+            <a:r>
+              <a:rPr lang="pt-BR" sz="1600" dirty="0" err="1" smtClean="0"/>
+              <a:t>s</a:t>
+            </a:r>
+            <a:r>
+              <a:rPr lang="pt-BR" sz="1600" dirty="0" smtClean="0"/>
+              <a:t>/Rede Local</a:t>
+            </a:r>
+            <a:endParaRPr lang="pt-BR" sz="1600" dirty="0"/>
           </a:p>
         </p:txBody>
       </p:sp>
@@ -4493,7 +5559,7 @@
 <file path=ppt/theme/theme1.xml><?xml version="1.0" encoding="utf-8"?>
 <a:theme xmlns:a="http://schemas.openxmlformats.org/drawingml/2006/main" name="Tema do Office">
   <a:themeElements>
-    <a:clrScheme name="Office">
+    <a:clrScheme name="Tema do Office">
       <a:dk1>
         <a:sysClr val="windowText" lastClr="000000"/>
       </a:dk1>
@@ -4507,7 +5573,7 @@
         <a:srgbClr val="E7E6E6"/>
       </a:lt2>
       <a:accent1>
-        <a:srgbClr val="4472C4"/>
+        <a:srgbClr val="5B9BD5"/>
       </a:accent1>
       <a:accent2>
         <a:srgbClr val="ED7D31"/>
@@ -4519,7 +5585,7 @@
         <a:srgbClr val="FFC000"/>
       </a:accent4>
       <a:accent5>
-        <a:srgbClr val="5B9BD5"/>
+        <a:srgbClr val="4472C4"/>
       </a:accent5>
       <a:accent6>
         <a:srgbClr val="70AD47"/>
@@ -4531,7 +5597,7 @@
         <a:srgbClr val="954F72"/>
       </a:folHlink>
     </a:clrScheme>
-    <a:fontScheme name="Office">
+    <a:fontScheme name="Tema do Office">
       <a:majorFont>
         <a:latin typeface="Calibri Light" panose="020F0302020204030204"/>
         <a:ea typeface=""/>
@@ -4566,23 +5632,6 @@
         <a:font script="Viet" typeface="Times New Roman"/>
         <a:font script="Uigh" typeface="Microsoft Uighur"/>
         <a:font script="Geor" typeface="Sylfaen"/>
-        <a:font script="Armn" typeface="Arial"/>
-        <a:font script="Bugi" typeface="Leelawadee UI"/>
-        <a:font script="Bopo" typeface="Microsoft JhengHei"/>
-        <a:font script="Java" typeface="Javanese Text"/>
-        <a:font script="Lisu" typeface="Segoe UI"/>
-        <a:font script="Mymr" typeface="Myanmar Text"/>
-        <a:font script="Nkoo" typeface="Ebrima"/>
-        <a:font script="Olck" typeface="Nirmala UI"/>
-        <a:font script="Osma" typeface="Ebrima"/>
-        <a:font script="Phag" typeface="Phagspa"/>
-        <a:font script="Syrn" typeface="Estrangelo Edessa"/>
-        <a:font script="Syrj" typeface="Estrangelo Edessa"/>
-        <a:font script="Syre" typeface="Estrangelo Edessa"/>
-        <a:font script="Sora" typeface="Nirmala UI"/>
-        <a:font script="Tale" typeface="Microsoft Tai Le"/>
-        <a:font script="Talu" typeface="Microsoft New Tai Lue"/>
-        <a:font script="Tfng" typeface="Ebrima"/>
       </a:majorFont>
       <a:minorFont>
         <a:latin typeface="Calibri" panose="020F0502020204030204"/>
@@ -4618,26 +5667,9 @@
         <a:font script="Viet" typeface="Arial"/>
         <a:font script="Uigh" typeface="Microsoft Uighur"/>
         <a:font script="Geor" typeface="Sylfaen"/>
-        <a:font script="Armn" typeface="Arial"/>
-        <a:font script="Bugi" typeface="Leelawadee UI"/>
-        <a:font script="Bopo" typeface="Microsoft JhengHei"/>
-        <a:font script="Java" typeface="Javanese Text"/>
-        <a:font script="Lisu" typeface="Segoe UI"/>
-        <a:font script="Mymr" typeface="Myanmar Text"/>
-        <a:font script="Nkoo" typeface="Ebrima"/>
-        <a:font script="Olck" typeface="Nirmala UI"/>
-        <a:font script="Osma" typeface="Ebrima"/>
-        <a:font script="Phag" typeface="Phagspa"/>
-        <a:font script="Syrn" typeface="Estrangelo Edessa"/>
-        <a:font script="Syrj" typeface="Estrangelo Edessa"/>
-        <a:font script="Syre" typeface="Estrangelo Edessa"/>
-        <a:font script="Sora" typeface="Nirmala UI"/>
-        <a:font script="Tale" typeface="Microsoft Tai Le"/>
-        <a:font script="Talu" typeface="Microsoft New Tai Lue"/>
-        <a:font script="Tfng" typeface="Ebrima"/>
       </a:minorFont>
     </a:fontScheme>
-    <a:fmtScheme name="Office">
+    <a:fmtScheme name="Tema do Office">
       <a:fillStyleLst>
         <a:solidFill>
           <a:schemeClr val="phClr"/>

--- a/documentacao/arquitetura_LLD.pptx
+++ b/documentacao/arquitetura_LLD.pptx
@@ -243,7 +243,7 @@
           <a:p>
             <a:fld id="{DED8EB3A-AD80-4F0D-A0AC-02D3D51D9AC5}" type="datetimeFigureOut">
               <a:rPr lang="pt-BR" smtClean="0"/>
-              <a:t>22/04/2019</a:t>
+              <a:t>06/05/2019</a:t>
             </a:fld>
             <a:endParaRPr lang="pt-BR"/>
           </a:p>
@@ -413,7 +413,7 @@
           <a:p>
             <a:fld id="{DED8EB3A-AD80-4F0D-A0AC-02D3D51D9AC5}" type="datetimeFigureOut">
               <a:rPr lang="pt-BR" smtClean="0"/>
-              <a:t>22/04/2019</a:t>
+              <a:t>06/05/2019</a:t>
             </a:fld>
             <a:endParaRPr lang="pt-BR"/>
           </a:p>
@@ -593,7 +593,7 @@
           <a:p>
             <a:fld id="{DED8EB3A-AD80-4F0D-A0AC-02D3D51D9AC5}" type="datetimeFigureOut">
               <a:rPr lang="pt-BR" smtClean="0"/>
-              <a:t>22/04/2019</a:t>
+              <a:t>06/05/2019</a:t>
             </a:fld>
             <a:endParaRPr lang="pt-BR"/>
           </a:p>
@@ -763,7 +763,7 @@
           <a:p>
             <a:fld id="{DED8EB3A-AD80-4F0D-A0AC-02D3D51D9AC5}" type="datetimeFigureOut">
               <a:rPr lang="pt-BR" smtClean="0"/>
-              <a:t>22/04/2019</a:t>
+              <a:t>06/05/2019</a:t>
             </a:fld>
             <a:endParaRPr lang="pt-BR"/>
           </a:p>
@@ -1009,7 +1009,7 @@
           <a:p>
             <a:fld id="{DED8EB3A-AD80-4F0D-A0AC-02D3D51D9AC5}" type="datetimeFigureOut">
               <a:rPr lang="pt-BR" smtClean="0"/>
-              <a:t>22/04/2019</a:t>
+              <a:t>06/05/2019</a:t>
             </a:fld>
             <a:endParaRPr lang="pt-BR"/>
           </a:p>
@@ -1241,7 +1241,7 @@
           <a:p>
             <a:fld id="{DED8EB3A-AD80-4F0D-A0AC-02D3D51D9AC5}" type="datetimeFigureOut">
               <a:rPr lang="pt-BR" smtClean="0"/>
-              <a:t>22/04/2019</a:t>
+              <a:t>06/05/2019</a:t>
             </a:fld>
             <a:endParaRPr lang="pt-BR"/>
           </a:p>
@@ -1608,7 +1608,7 @@
           <a:p>
             <a:fld id="{DED8EB3A-AD80-4F0D-A0AC-02D3D51D9AC5}" type="datetimeFigureOut">
               <a:rPr lang="pt-BR" smtClean="0"/>
-              <a:t>22/04/2019</a:t>
+              <a:t>06/05/2019</a:t>
             </a:fld>
             <a:endParaRPr lang="pt-BR"/>
           </a:p>
@@ -1726,7 +1726,7 @@
           <a:p>
             <a:fld id="{DED8EB3A-AD80-4F0D-A0AC-02D3D51D9AC5}" type="datetimeFigureOut">
               <a:rPr lang="pt-BR" smtClean="0"/>
-              <a:t>22/04/2019</a:t>
+              <a:t>06/05/2019</a:t>
             </a:fld>
             <a:endParaRPr lang="pt-BR"/>
           </a:p>
@@ -1821,7 +1821,7 @@
           <a:p>
             <a:fld id="{DED8EB3A-AD80-4F0D-A0AC-02D3D51D9AC5}" type="datetimeFigureOut">
               <a:rPr lang="pt-BR" smtClean="0"/>
-              <a:t>22/04/2019</a:t>
+              <a:t>06/05/2019</a:t>
             </a:fld>
             <a:endParaRPr lang="pt-BR"/>
           </a:p>
@@ -2098,7 +2098,7 @@
           <a:p>
             <a:fld id="{DED8EB3A-AD80-4F0D-A0AC-02D3D51D9AC5}" type="datetimeFigureOut">
               <a:rPr lang="pt-BR" smtClean="0"/>
-              <a:t>22/04/2019</a:t>
+              <a:t>06/05/2019</a:t>
             </a:fld>
             <a:endParaRPr lang="pt-BR"/>
           </a:p>
@@ -2355,7 +2355,7 @@
           <a:p>
             <a:fld id="{DED8EB3A-AD80-4F0D-A0AC-02D3D51D9AC5}" type="datetimeFigureOut">
               <a:rPr lang="pt-BR" smtClean="0"/>
-              <a:t>22/04/2019</a:t>
+              <a:t>06/05/2019</a:t>
             </a:fld>
             <a:endParaRPr lang="pt-BR"/>
           </a:p>
@@ -2568,7 +2568,7 @@
           <a:p>
             <a:fld id="{DED8EB3A-AD80-4F0D-A0AC-02D3D51D9AC5}" type="datetimeFigureOut">
               <a:rPr lang="pt-BR" smtClean="0"/>
-              <a:t>22/04/2019</a:t>
+              <a:t>06/05/2019</a:t>
             </a:fld>
             <a:endParaRPr lang="pt-BR"/>
           </a:p>
@@ -2983,47 +2983,6 @@
       </p:grpSpPr>
       <p:pic>
         <p:nvPicPr>
-          <p:cNvPr id="11" name="Imagem 10">
-            <a:extLst>
-              <a:ext uri="{FF2B5EF4-FFF2-40B4-BE49-F238E27FC236}">
-                <a16:creationId xmlns:a16="http://schemas.microsoft.com/office/drawing/2014/main" id="{6D2A3A96-BA9C-46FD-BBF5-54C8CD9E5887}"/>
-              </a:ext>
-            </a:extLst>
-          </p:cNvPr>
-          <p:cNvPicPr>
-            <a:picLocks noChangeAspect="1"/>
-          </p:cNvPicPr>
-          <p:nvPr/>
-        </p:nvPicPr>
-        <p:blipFill rotWithShape="1">
-          <a:blip r:embed="rId2">
-            <a:extLst>
-              <a:ext uri="{BEBA8EAE-BF5A-486C-A8C5-ECC9F3942E4B}">
-                <a14:imgProps xmlns:a14="http://schemas.microsoft.com/office/drawing/2010/main">
-                  <a14:imgLayer r:embed="rId3">
-                    <a14:imgEffect>
-                      <a14:backgroundRemoval t="10000" b="90000" l="6875" r="90000"/>
-                    </a14:imgEffect>
-                  </a14:imgLayer>
-                </a14:imgProps>
-              </a:ext>
-            </a:extLst>
-          </a:blip>
-          <a:srcRect l="7454" t="20869" r="8825" b="21276"/>
-          <a:stretch/>
-        </p:blipFill>
-        <p:spPr>
-          <a:xfrm>
-            <a:off x="440266" y="4775199"/>
-            <a:ext cx="6214533" cy="3911601"/>
-          </a:xfrm>
-          <a:prstGeom prst="rect">
-            <a:avLst/>
-          </a:prstGeom>
-        </p:spPr>
-      </p:pic>
-      <p:pic>
-        <p:nvPicPr>
           <p:cNvPr id="109" name="Imagem 108"/>
           <p:cNvPicPr>
             <a:picLocks noChangeAspect="1"/>
@@ -3031,11 +2990,11 @@
           <p:nvPr/>
         </p:nvPicPr>
         <p:blipFill>
-          <a:blip r:embed="rId4">
+          <a:blip r:embed="rId2">
             <a:extLst>
               <a:ext uri="{BEBA8EAE-BF5A-486C-A8C5-ECC9F3942E4B}">
                 <a14:imgProps xmlns:a14="http://schemas.microsoft.com/office/drawing/2010/main">
-                  <a14:imgLayer r:embed="rId5">
+                  <a14:imgLayer r:embed="rId3">
                     <a14:imgEffect>
                       <a14:backgroundRemoval t="536" b="100000" l="0" r="99667">
                         <a14:foregroundMark x1="7667" y1="11429" x2="8778" y2="25000"/>
@@ -3063,8 +3022,8 @@
         </p:blipFill>
         <p:spPr>
           <a:xfrm>
-            <a:off x="2546634" y="5620823"/>
-            <a:ext cx="1672818" cy="1040864"/>
+            <a:off x="9360820" y="231580"/>
+            <a:ext cx="4618644" cy="2873822"/>
           </a:xfrm>
           <a:prstGeom prst="rect">
             <a:avLst/>
@@ -3086,7 +3045,7 @@
           <p:nvPr/>
         </p:nvPicPr>
         <p:blipFill>
-          <a:blip r:embed="rId6">
+          <a:blip r:embed="rId4">
             <a:extLst>
               <a:ext uri="{28A0092B-C50C-407E-A947-70E740481C1C}">
                 <a14:useLocalDpi xmlns:a14="http://schemas.microsoft.com/office/drawing/2010/main" val="0"/>
@@ -3100,8 +3059,8 @@
         </p:blipFill>
         <p:spPr bwMode="auto">
           <a:xfrm>
-            <a:off x="7349861" y="10753593"/>
-            <a:ext cx="2405384" cy="1239981"/>
+            <a:off x="12018877" y="11706382"/>
+            <a:ext cx="2942617" cy="1516926"/>
           </a:xfrm>
           <a:prstGeom prst="rect">
             <a:avLst/>
@@ -3119,46 +3078,6 @@
           <a:extLst/>
         </p:spPr>
       </p:pic>
-      <p:cxnSp>
-        <p:nvCxnSpPr>
-          <p:cNvPr id="7" name="Conector de Seta Reta 6">
-            <a:extLst>
-              <a:ext uri="{FF2B5EF4-FFF2-40B4-BE49-F238E27FC236}">
-                <a16:creationId xmlns:a16="http://schemas.microsoft.com/office/drawing/2014/main" id="{026327FF-F533-4EE7-A29C-8AAE39A505EA}"/>
-              </a:ext>
-            </a:extLst>
-          </p:cNvPr>
-          <p:cNvCxnSpPr/>
-          <p:nvPr/>
-        </p:nvCxnSpPr>
-        <p:spPr>
-          <a:xfrm>
-            <a:off x="9835482" y="11291452"/>
-            <a:ext cx="1765167" cy="0"/>
-          </a:xfrm>
-          <a:prstGeom prst="straightConnector1">
-            <a:avLst/>
-          </a:prstGeom>
-          <a:ln>
-            <a:headEnd type="triangle"/>
-            <a:tailEnd type="triangle"/>
-          </a:ln>
-        </p:spPr>
-        <p:style>
-          <a:lnRef idx="3">
-            <a:schemeClr val="dk1"/>
-          </a:lnRef>
-          <a:fillRef idx="0">
-            <a:schemeClr val="dk1"/>
-          </a:fillRef>
-          <a:effectRef idx="2">
-            <a:schemeClr val="dk1"/>
-          </a:effectRef>
-          <a:fontRef idx="minor">
-            <a:schemeClr val="tx1"/>
-          </a:fontRef>
-        </p:style>
-      </p:cxnSp>
       <p:pic>
         <p:nvPicPr>
           <p:cNvPr id="3084" name="Picture 12" descr="Resultado de imagem para logotipo de css">
@@ -3174,7 +3093,7 @@
           <p:nvPr/>
         </p:nvPicPr>
         <p:blipFill>
-          <a:blip r:embed="rId7" cstate="hqprint">
+          <a:blip r:embed="rId5" cstate="hqprint">
             <a:extLst>
               <a:ext uri="{28A0092B-C50C-407E-A947-70E740481C1C}">
                 <a14:useLocalDpi xmlns:a14="http://schemas.microsoft.com/office/drawing/2010/main" val="0"/>
@@ -3188,8 +3107,8 @@
         </p:blipFill>
         <p:spPr bwMode="auto">
           <a:xfrm>
-            <a:off x="2695404" y="5667700"/>
-            <a:ext cx="1311056" cy="766844"/>
+            <a:off x="9942145" y="319240"/>
+            <a:ext cx="3455993" cy="2021430"/>
           </a:xfrm>
           <a:prstGeom prst="rect">
             <a:avLst/>
@@ -3221,11 +3140,11 @@
           <p:nvPr/>
         </p:nvPicPr>
         <p:blipFill>
-          <a:blip r:embed="rId8">
+          <a:blip r:embed="rId6">
             <a:extLst>
               <a:ext uri="{BEBA8EAE-BF5A-486C-A8C5-ECC9F3942E4B}">
                 <a14:imgProps xmlns:a14="http://schemas.microsoft.com/office/drawing/2010/main">
-                  <a14:imgLayer r:embed="rId9">
+                  <a14:imgLayer r:embed="rId7">
                     <a14:imgEffect>
                       <a14:backgroundRemoval t="10000" b="90000" l="10000" r="90000">
                         <a14:foregroundMark x1="41196" y1="53293" x2="41196" y2="53293"/>
@@ -3246,8 +3165,8 @@
         </p:blipFill>
         <p:spPr bwMode="auto">
           <a:xfrm>
-            <a:off x="3540053" y="6839378"/>
-            <a:ext cx="999944" cy="554786"/>
+            <a:off x="3433702" y="4228313"/>
+            <a:ext cx="3026416" cy="1679107"/>
           </a:xfrm>
           <a:prstGeom prst="rect">
             <a:avLst/>
@@ -3278,8 +3197,8 @@
         </p:nvSpPr>
         <p:spPr>
           <a:xfrm>
-            <a:off x="2095173" y="11937978"/>
-            <a:ext cx="1999395" cy="461665"/>
+            <a:off x="4357808" y="12840842"/>
+            <a:ext cx="2141408" cy="461665"/>
           </a:xfrm>
           <a:prstGeom prst="rect">
             <a:avLst/>
@@ -3287,12 +3206,12 @@
           <a:noFill/>
         </p:spPr>
         <p:txBody>
-          <a:bodyPr wrap="none" lIns="91440" tIns="45720" rIns="91440" bIns="45720">
+          <a:bodyPr wrap="square" lIns="91440" tIns="45720" rIns="91440" bIns="45720">
             <a:spAutoFit/>
           </a:bodyPr>
           <a:lstStyle/>
           <a:p>
-            <a:pPr algn="ctr"/>
+            <a:pPr algn="just"/>
             <a:r>
               <a:rPr lang="pt-BR" sz="2400" dirty="0" err="1">
                 <a:ln w="0"/>
@@ -3344,13 +3263,16 @@
         </p:nvCxnSpPr>
         <p:spPr>
           <a:xfrm>
-            <a:off x="6824621" y="7186573"/>
-            <a:ext cx="4570591" cy="29378"/>
+            <a:off x="14339438" y="3733793"/>
+            <a:ext cx="1597248" cy="1154728"/>
           </a:xfrm>
           <a:prstGeom prst="straightConnector1">
             <a:avLst/>
           </a:prstGeom>
-          <a:ln>
+          <a:ln w="76200">
+            <a:solidFill>
+              <a:schemeClr val="tx1"/>
+            </a:solidFill>
             <a:tailEnd type="triangle"/>
           </a:ln>
         </p:spPr>
@@ -3384,7 +3306,7 @@
           <p:nvPr/>
         </p:nvPicPr>
         <p:blipFill>
-          <a:blip r:embed="rId10">
+          <a:blip r:embed="rId8">
             <a:extLst>
               <a:ext uri="{28A0092B-C50C-407E-A947-70E740481C1C}">
                 <a14:useLocalDpi xmlns:a14="http://schemas.microsoft.com/office/drawing/2010/main" val="0"/>
@@ -3398,8 +3320,8 @@
         </p:blipFill>
         <p:spPr bwMode="auto">
           <a:xfrm>
-            <a:off x="11309554" y="5532562"/>
-            <a:ext cx="3259973" cy="2629638"/>
+            <a:off x="20132842" y="4869774"/>
+            <a:ext cx="3450392" cy="2783238"/>
           </a:xfrm>
           <a:prstGeom prst="rect">
             <a:avLst/>
@@ -3413,90 +3335,6 @@
           <a:extLst/>
         </p:spPr>
       </p:pic>
-      <p:cxnSp>
-        <p:nvCxnSpPr>
-          <p:cNvPr id="26" name="Conector de Seta Reta 25">
-            <a:extLst>
-              <a:ext uri="{FF2B5EF4-FFF2-40B4-BE49-F238E27FC236}">
-                <a16:creationId xmlns:a16="http://schemas.microsoft.com/office/drawing/2014/main" id="{F9311CF2-1330-48A9-9EB1-D1672C80B244}"/>
-              </a:ext>
-            </a:extLst>
-          </p:cNvPr>
-          <p:cNvCxnSpPr>
-            <a:cxnSpLocks/>
-          </p:cNvCxnSpPr>
-          <p:nvPr/>
-        </p:nvCxnSpPr>
-        <p:spPr>
-          <a:xfrm flipH="1">
-            <a:off x="6146108" y="11427427"/>
-            <a:ext cx="1106085" cy="5818"/>
-          </a:xfrm>
-          <a:prstGeom prst="straightConnector1">
-            <a:avLst/>
-          </a:prstGeom>
-          <a:ln>
-            <a:headEnd type="triangle"/>
-            <a:tailEnd type="triangle"/>
-          </a:ln>
-        </p:spPr>
-        <p:style>
-          <a:lnRef idx="3">
-            <a:schemeClr val="dk1"/>
-          </a:lnRef>
-          <a:fillRef idx="0">
-            <a:schemeClr val="dk1"/>
-          </a:fillRef>
-          <a:effectRef idx="2">
-            <a:schemeClr val="dk1"/>
-          </a:effectRef>
-          <a:fontRef idx="minor">
-            <a:schemeClr val="tx1"/>
-          </a:fontRef>
-        </p:style>
-      </p:cxnSp>
-      <p:cxnSp>
-        <p:nvCxnSpPr>
-          <p:cNvPr id="29" name="Conector de Seta Reta 28">
-            <a:extLst>
-              <a:ext uri="{FF2B5EF4-FFF2-40B4-BE49-F238E27FC236}">
-                <a16:creationId xmlns:a16="http://schemas.microsoft.com/office/drawing/2014/main" id="{F0F5B4BB-F2C5-41F2-90AF-92FF4CC71BA3}"/>
-              </a:ext>
-            </a:extLst>
-          </p:cNvPr>
-          <p:cNvCxnSpPr>
-            <a:cxnSpLocks/>
-          </p:cNvCxnSpPr>
-          <p:nvPr/>
-        </p:nvCxnSpPr>
-        <p:spPr>
-          <a:xfrm flipV="1">
-            <a:off x="2481990" y="8735119"/>
-            <a:ext cx="14194" cy="1066514"/>
-          </a:xfrm>
-          <a:prstGeom prst="straightConnector1">
-            <a:avLst/>
-          </a:prstGeom>
-          <a:ln>
-            <a:headEnd type="triangle"/>
-            <a:tailEnd type="triangle"/>
-          </a:ln>
-        </p:spPr>
-        <p:style>
-          <a:lnRef idx="3">
-            <a:schemeClr val="dk1"/>
-          </a:lnRef>
-          <a:fillRef idx="0">
-            <a:schemeClr val="dk1"/>
-          </a:fillRef>
-          <a:effectRef idx="2">
-            <a:schemeClr val="dk1"/>
-          </a:effectRef>
-          <a:fontRef idx="minor">
-            <a:schemeClr val="tx1"/>
-          </a:fontRef>
-        </p:style>
-      </p:cxnSp>
       <p:sp>
         <p:nvSpPr>
           <p:cNvPr id="6" name="Retângulo 5">
@@ -3511,8 +3349,8 @@
         </p:nvSpPr>
         <p:spPr>
           <a:xfrm>
-            <a:off x="11395212" y="11016661"/>
-            <a:ext cx="2683747" cy="1384995"/>
+            <a:off x="17679855" y="11514898"/>
+            <a:ext cx="2612935" cy="1815882"/>
           </a:xfrm>
           <a:prstGeom prst="rect">
             <a:avLst/>
@@ -3520,12 +3358,12 @@
           <a:noFill/>
         </p:spPr>
         <p:txBody>
-          <a:bodyPr wrap="none" lIns="91440" tIns="45720" rIns="91440" bIns="45720">
+          <a:bodyPr wrap="square" lIns="91440" tIns="45720" rIns="91440" bIns="45720">
             <a:spAutoFit/>
           </a:bodyPr>
           <a:lstStyle/>
           <a:p>
-            <a:pPr algn="ctr"/>
+            <a:pPr algn="just"/>
             <a:r>
               <a:rPr lang="pt-BR" sz="2800" dirty="0">
                 <a:ln w="0"/>
@@ -3544,7 +3382,7 @@
             </a:r>
           </a:p>
           <a:p>
-            <a:pPr algn="ctr"/>
+            <a:pPr algn="just"/>
             <a:r>
               <a:rPr lang="pt-BR" sz="2800" dirty="0">
                 <a:ln w="0"/>
@@ -3563,7 +3401,7 @@
             </a:r>
           </a:p>
           <a:p>
-            <a:pPr algn="ctr"/>
+            <a:pPr algn="just"/>
             <a:r>
               <a:rPr lang="pt-BR" sz="2800" dirty="0">
                 <a:ln w="0"/>
@@ -3597,8 +3435,8 @@
         </p:nvSpPr>
         <p:spPr>
           <a:xfrm>
-            <a:off x="6981248" y="11966577"/>
-            <a:ext cx="3234155" cy="461665"/>
+            <a:off x="11957249" y="13218800"/>
+            <a:ext cx="3463870" cy="461665"/>
           </a:xfrm>
           <a:prstGeom prst="rect">
             <a:avLst/>
@@ -3606,12 +3444,12 @@
           <a:noFill/>
         </p:spPr>
         <p:txBody>
-          <a:bodyPr wrap="none" lIns="91440" tIns="45720" rIns="91440" bIns="45720">
+          <a:bodyPr wrap="square" lIns="91440" tIns="45720" rIns="91440" bIns="45720">
             <a:spAutoFit/>
           </a:bodyPr>
           <a:lstStyle/>
           <a:p>
-            <a:pPr algn="ctr"/>
+            <a:pPr algn="just"/>
             <a:r>
               <a:rPr lang="pt-BR" sz="2400" dirty="0">
                 <a:ln w="0"/>
@@ -3645,8 +3483,8 @@
         </p:nvSpPr>
         <p:spPr>
           <a:xfrm>
-            <a:off x="11991725" y="7789421"/>
-            <a:ext cx="1494072" cy="523220"/>
+            <a:off x="21178266" y="7274781"/>
+            <a:ext cx="1547201" cy="530926"/>
           </a:xfrm>
           <a:prstGeom prst="rect">
             <a:avLst/>
@@ -3659,7 +3497,7 @@
           </a:bodyPr>
           <a:lstStyle/>
           <a:p>
-            <a:pPr algn="ctr"/>
+            <a:pPr algn="just"/>
             <a:r>
               <a:rPr lang="pt-BR" sz="2800" dirty="0">
                 <a:ln w="0"/>
@@ -3707,11 +3545,11 @@
           <p:nvPr/>
         </p:nvPicPr>
         <p:blipFill>
-          <a:blip r:embed="rId11" cstate="hqprint">
+          <a:blip r:embed="rId9" cstate="hqprint">
             <a:extLst>
               <a:ext uri="{BEBA8EAE-BF5A-486C-A8C5-ECC9F3942E4B}">
                 <a14:imgProps xmlns:a14="http://schemas.microsoft.com/office/drawing/2010/main">
-                  <a14:imgLayer r:embed="rId12">
+                  <a14:imgLayer r:embed="rId10">
                     <a14:imgEffect>
                       <a14:backgroundRemoval t="10000" b="90000" l="400" r="100000">
                         <a14:foregroundMark x1="13000" y1="55000" x2="12200" y2="64800"/>
@@ -3733,8 +3571,8 @@
         </p:blipFill>
         <p:spPr bwMode="auto">
           <a:xfrm>
-            <a:off x="2546634" y="10632870"/>
-            <a:ext cx="1124861" cy="1124861"/>
+            <a:off x="4480019" y="11494317"/>
+            <a:ext cx="1456600" cy="1456600"/>
           </a:xfrm>
           <a:prstGeom prst="rect">
             <a:avLst/>
@@ -3766,11 +3604,11 @@
           <p:nvPr/>
         </p:nvPicPr>
         <p:blipFill>
-          <a:blip r:embed="rId13">
+          <a:blip r:embed="rId11">
             <a:extLst>
               <a:ext uri="{BEBA8EAE-BF5A-486C-A8C5-ECC9F3942E4B}">
                 <a14:imgProps xmlns:a14="http://schemas.microsoft.com/office/drawing/2010/main">
-                  <a14:imgLayer r:embed="rId14">
+                  <a14:imgLayer r:embed="rId12">
                     <a14:imgEffect>
                       <a14:backgroundRemoval t="0" b="100000" l="0" r="100000">
                         <a14:foregroundMark x1="43000" y1="21645" x2="84000" y2="39394"/>
@@ -3787,8 +3625,8 @@
         </p:blipFill>
         <p:spPr>
           <a:xfrm>
-            <a:off x="3249612" y="7484287"/>
-            <a:ext cx="528371" cy="610268"/>
+            <a:off x="5663935" y="6149149"/>
+            <a:ext cx="1536962" cy="1775189"/>
           </a:xfrm>
           <a:prstGeom prst="rect">
             <a:avLst/>
@@ -3810,11 +3648,11 @@
           <p:nvPr/>
         </p:nvPicPr>
         <p:blipFill>
-          <a:blip r:embed="rId15">
+          <a:blip r:embed="rId13">
             <a:extLst>
               <a:ext uri="{BEBA8EAE-BF5A-486C-A8C5-ECC9F3942E4B}">
                 <a14:imgProps xmlns:a14="http://schemas.microsoft.com/office/drawing/2010/main">
-                  <a14:imgLayer r:embed="rId16">
+                  <a14:imgLayer r:embed="rId14">
                     <a14:imgEffect>
                       <a14:backgroundRemoval t="0" b="96933" l="0" r="100000">
                         <a14:foregroundMark x1="5025" y1="86503" x2="91960" y2="90798"/>
@@ -3833,8 +3671,8 @@
         </p:blipFill>
         <p:spPr>
           <a:xfrm>
-            <a:off x="2496184" y="6774823"/>
-            <a:ext cx="670625" cy="549306"/>
+            <a:off x="2326535" y="5825393"/>
+            <a:ext cx="1786828" cy="1463583"/>
           </a:xfrm>
           <a:prstGeom prst="rect">
             <a:avLst/>
@@ -3855,8 +3693,8 @@
         </p:nvSpPr>
         <p:spPr>
           <a:xfrm>
-            <a:off x="10253502" y="11344931"/>
-            <a:ext cx="1244314" cy="261610"/>
+            <a:off x="15518122" y="12279353"/>
+            <a:ext cx="2385375" cy="400110"/>
           </a:xfrm>
           <a:prstGeom prst="rect">
             <a:avLst/>
@@ -3869,8 +3707,9 @@
           </a:bodyPr>
           <a:lstStyle/>
           <a:p>
-            <a:r>
-              <a:rPr lang="pt-BR" sz="1100" dirty="0"/>
+            <a:pPr algn="just"/>
+            <a:r>
+              <a:rPr lang="pt-BR" sz="2000" dirty="0"/>
               <a:t>Troca de Dados</a:t>
             </a:r>
           </a:p>
@@ -3890,8 +3729,8 @@
         </p:nvSpPr>
         <p:spPr>
           <a:xfrm>
-            <a:off x="3082467" y="9172305"/>
-            <a:ext cx="3218630" cy="584775"/>
+            <a:off x="6325771" y="9991214"/>
+            <a:ext cx="4375182" cy="830997"/>
           </a:xfrm>
           <a:prstGeom prst="rect">
             <a:avLst/>
@@ -3904,8 +3743,9 @@
           </a:bodyPr>
           <a:lstStyle/>
           <a:p>
-            <a:r>
-              <a:rPr lang="pt-BR" sz="1600" dirty="0"/>
+            <a:pPr algn="just"/>
+            <a:r>
+              <a:rPr lang="pt-BR" sz="2400" dirty="0"/>
               <a:t>Os dados coletados são enviado para a nuvem e suas ferramentas</a:t>
             </a:r>
           </a:p>
@@ -3925,8 +3765,8 @@
         </p:nvSpPr>
         <p:spPr>
           <a:xfrm>
-            <a:off x="7557908" y="6529893"/>
-            <a:ext cx="3154624" cy="584775"/>
+            <a:off x="14602519" y="5971809"/>
+            <a:ext cx="5530323" cy="830997"/>
           </a:xfrm>
           <a:prstGeom prst="rect">
             <a:avLst/>
@@ -3952,11 +3792,11 @@
           </a:bodyPr>
           <a:lstStyle/>
           <a:p>
-            <a:r>
-              <a:rPr lang="pt-BR" sz="1600" dirty="0"/>
+            <a:pPr algn="just"/>
+            <a:r>
+              <a:rPr lang="pt-BR" sz="2400" dirty="0"/>
               <a:t>Linguagens usadas para criação da aplicação Web responsiva</a:t>
             </a:r>
-            <a:endParaRPr lang="pt-BR" sz="1600" dirty="0"/>
           </a:p>
         </p:txBody>
       </p:sp>
@@ -3969,11 +3809,11 @@
           <p:nvPr/>
         </p:nvPicPr>
         <p:blipFill>
-          <a:blip r:embed="rId4">
+          <a:blip r:embed="rId2">
             <a:extLst>
               <a:ext uri="{BEBA8EAE-BF5A-486C-A8C5-ECC9F3942E4B}">
                 <a14:imgProps xmlns:a14="http://schemas.microsoft.com/office/drawing/2010/main">
-                  <a14:imgLayer r:embed="rId5">
+                  <a14:imgLayer r:embed="rId3">
                     <a14:imgEffect>
                       <a14:backgroundRemoval t="536" b="100000" l="0" r="99667">
                         <a14:foregroundMark x1="7667" y1="11429" x2="8778" y2="25000"/>
@@ -4001,8 +3841,8 @@
         </p:blipFill>
         <p:spPr>
           <a:xfrm>
-            <a:off x="5047491" y="11099588"/>
-            <a:ext cx="1057730" cy="658143"/>
+            <a:off x="8473763" y="11922680"/>
+            <a:ext cx="1652525" cy="1028237"/>
           </a:xfrm>
           <a:prstGeom prst="rect">
             <a:avLst/>
@@ -4023,8 +3863,8 @@
         </p:nvSpPr>
         <p:spPr>
           <a:xfrm>
-            <a:off x="4774717" y="11940794"/>
-            <a:ext cx="1526380" cy="461665"/>
+            <a:off x="8500144" y="13067864"/>
+            <a:ext cx="1634796" cy="461665"/>
           </a:xfrm>
           <a:prstGeom prst="rect">
             <a:avLst/>
@@ -4032,12 +3872,12 @@
           <a:noFill/>
         </p:spPr>
         <p:txBody>
-          <a:bodyPr wrap="none" lIns="91440" tIns="45720" rIns="91440" bIns="45720">
+          <a:bodyPr wrap="square" lIns="91440" tIns="45720" rIns="91440" bIns="45720">
             <a:spAutoFit/>
           </a:bodyPr>
           <a:lstStyle/>
           <a:p>
-            <a:pPr algn="ctr"/>
+            <a:pPr algn="just"/>
             <a:r>
               <a:rPr lang="pt-BR" sz="2400" dirty="0">
                 <a:ln w="0"/>
@@ -4054,64 +3894,9 @@
               </a:rPr>
               <a:t>JS/Node JS</a:t>
             </a:r>
-            <a:endParaRPr lang="pt-BR" sz="2400" dirty="0">
-              <a:ln w="0"/>
-              <a:solidFill>
-                <a:schemeClr val="accent1"/>
-              </a:solidFill>
-              <a:effectLst>
-                <a:outerShdw blurRad="38100" dist="25400" dir="5400000" algn="ctr" rotWithShape="0">
-                  <a:srgbClr val="6E747A">
-                    <a:alpha val="43000"/>
-                  </a:srgbClr>
-                </a:outerShdw>
-              </a:effectLst>
-            </a:endParaRPr>
-          </a:p>
-        </p:txBody>
-      </p:sp>
-      <p:cxnSp>
-        <p:nvCxnSpPr>
-          <p:cNvPr id="33" name="Conector de Seta Reta 32">
-            <a:extLst>
-              <a:ext uri="{FF2B5EF4-FFF2-40B4-BE49-F238E27FC236}">
-                <a16:creationId xmlns:a16="http://schemas.microsoft.com/office/drawing/2014/main" id="{F9311CF2-1330-48A9-9EB1-D1672C80B244}"/>
-              </a:ext>
-            </a:extLst>
-          </p:cNvPr>
-          <p:cNvCxnSpPr>
-            <a:cxnSpLocks/>
-          </p:cNvCxnSpPr>
-          <p:nvPr/>
-        </p:nvCxnSpPr>
-        <p:spPr>
-          <a:xfrm flipH="1" flipV="1">
-            <a:off x="3880964" y="11373582"/>
-            <a:ext cx="1070600" cy="2"/>
-          </a:xfrm>
-          <a:prstGeom prst="straightConnector1">
-            <a:avLst/>
-          </a:prstGeom>
-          <a:ln>
-            <a:headEnd type="triangle"/>
-            <a:tailEnd type="triangle"/>
-          </a:ln>
-        </p:spPr>
-        <p:style>
-          <a:lnRef idx="3">
-            <a:schemeClr val="dk1"/>
-          </a:lnRef>
-          <a:fillRef idx="0">
-            <a:schemeClr val="dk1"/>
-          </a:fillRef>
-          <a:effectRef idx="2">
-            <a:schemeClr val="dk1"/>
-          </a:effectRef>
-          <a:fontRef idx="minor">
-            <a:schemeClr val="tx1"/>
-          </a:fontRef>
-        </p:style>
-      </p:cxnSp>
+          </a:p>
+        </p:txBody>
+      </p:sp>
       <p:sp>
         <p:nvSpPr>
           <p:cNvPr id="37" name="Retângulo 36">
@@ -4126,8 +3911,8 @@
         </p:nvSpPr>
         <p:spPr>
           <a:xfrm>
-            <a:off x="5004095" y="10574704"/>
-            <a:ext cx="1126683" cy="584775"/>
+            <a:off x="8544496" y="11533280"/>
+            <a:ext cx="1724989" cy="400110"/>
           </a:xfrm>
           <a:prstGeom prst="rect">
             <a:avLst/>
@@ -4140,9 +3925,9 @@
           </a:bodyPr>
           <a:lstStyle/>
           <a:p>
-            <a:pPr algn="ctr"/>
-            <a:r>
-              <a:rPr lang="pt-BR" sz="1600" dirty="0">
+            <a:pPr algn="just"/>
+            <a:r>
+              <a:rPr lang="pt-BR" sz="2000" dirty="0">
                 <a:ln w="0"/>
                 <a:solidFill>
                   <a:schemeClr val="accent1"/>
@@ -4157,19 +3942,6 @@
               </a:rPr>
               <a:t>Servidor Local</a:t>
             </a:r>
-            <a:endParaRPr lang="pt-BR" sz="1600" dirty="0">
-              <a:ln w="0"/>
-              <a:solidFill>
-                <a:schemeClr val="accent1"/>
-              </a:solidFill>
-              <a:effectLst>
-                <a:outerShdw blurRad="38100" dist="25400" dir="5400000" algn="ctr" rotWithShape="0">
-                  <a:srgbClr val="6E747A">
-                    <a:alpha val="43000"/>
-                  </a:srgbClr>
-                </a:outerShdw>
-              </a:effectLst>
-            </a:endParaRPr>
           </a:p>
         </p:txBody>
       </p:sp>
@@ -4181,8 +3953,8 @@
         </p:nvSpPr>
         <p:spPr>
           <a:xfrm>
-            <a:off x="2136710" y="10052008"/>
-            <a:ext cx="11918704" cy="2276717"/>
+            <a:off x="3850106" y="10948525"/>
+            <a:ext cx="16282736" cy="2948156"/>
           </a:xfrm>
           <a:prstGeom prst="rect">
             <a:avLst/>
@@ -4221,7 +3993,7 @@
           </a:bodyPr>
           <a:lstStyle/>
           <a:p>
-            <a:pPr algn="ctr"/>
+            <a:pPr algn="just"/>
             <a:endParaRPr lang="pt-BR"/>
           </a:p>
         </p:txBody>
@@ -4234,8 +4006,8 @@
         </p:nvSpPr>
         <p:spPr>
           <a:xfrm>
-            <a:off x="6981248" y="9568550"/>
-            <a:ext cx="2374015" cy="440472"/>
+            <a:off x="11705234" y="10465067"/>
+            <a:ext cx="2542636" cy="570374"/>
           </a:xfrm>
           <a:prstGeom prst="rect">
             <a:avLst/>
@@ -4268,7 +4040,7 @@
           </a:bodyPr>
           <a:lstStyle/>
           <a:p>
-            <a:pPr algn="ctr"/>
+            <a:pPr algn="just"/>
             <a:endParaRPr lang="pt-BR"/>
           </a:p>
         </p:txBody>
@@ -4281,8 +4053,8 @@
         </p:nvSpPr>
         <p:spPr>
           <a:xfrm>
-            <a:off x="6301097" y="9479589"/>
-            <a:ext cx="2362200" cy="1027307"/>
+            <a:off x="11025921" y="10376106"/>
+            <a:ext cx="2529982" cy="1330276"/>
           </a:xfrm>
           <a:prstGeom prst="rect">
             <a:avLst/>
@@ -4327,8 +4099,8 @@
         </p:nvSpPr>
         <p:spPr>
           <a:xfrm>
-            <a:off x="3001738" y="9046404"/>
-            <a:ext cx="2959284" cy="772781"/>
+            <a:off x="6182755" y="9942921"/>
+            <a:ext cx="4670873" cy="879290"/>
           </a:xfrm>
           <a:prstGeom prst="rect">
             <a:avLst/>
@@ -4367,7 +4139,7 @@
           </a:bodyPr>
           <a:lstStyle/>
           <a:p>
-            <a:pPr algn="ctr"/>
+            <a:pPr algn="just"/>
             <a:endParaRPr lang="pt-BR"/>
           </a:p>
         </p:txBody>
@@ -4381,7 +4153,7 @@
           <p:nvPr/>
         </p:nvPicPr>
         <p:blipFill>
-          <a:blip r:embed="rId17" cstate="hqprint">
+          <a:blip r:embed="rId15" cstate="hqprint">
             <a:extLst>
               <a:ext uri="{28A0092B-C50C-407E-A947-70E740481C1C}">
                 <a14:useLocalDpi xmlns:a14="http://schemas.microsoft.com/office/drawing/2010/main" val="0"/>
@@ -4394,8 +4166,8 @@
         </p:blipFill>
         <p:spPr>
           <a:xfrm>
-            <a:off x="12546148" y="6461422"/>
-            <a:ext cx="960336" cy="200265"/>
+            <a:off x="21443653" y="5794087"/>
+            <a:ext cx="1016429" cy="211962"/>
           </a:xfrm>
           <a:prstGeom prst="rect">
             <a:avLst/>
@@ -4411,7 +4183,7 @@
           <p:nvPr/>
         </p:nvPicPr>
         <p:blipFill>
-          <a:blip r:embed="rId17" cstate="hqprint">
+          <a:blip r:embed="rId15" cstate="hqprint">
             <a:extLst>
               <a:ext uri="{28A0092B-C50C-407E-A947-70E740481C1C}">
                 <a14:useLocalDpi xmlns:a14="http://schemas.microsoft.com/office/drawing/2010/main" val="0"/>
@@ -4424,8 +4196,8 @@
         </p:blipFill>
         <p:spPr>
           <a:xfrm>
-            <a:off x="11653761" y="7005115"/>
-            <a:ext cx="840762" cy="175329"/>
+            <a:off x="20522383" y="6358597"/>
+            <a:ext cx="889870" cy="185570"/>
           </a:xfrm>
           <a:prstGeom prst="rect">
             <a:avLst/>
@@ -4441,7 +4213,7 @@
           <p:nvPr/>
         </p:nvPicPr>
         <p:blipFill>
-          <a:blip r:embed="rId17" cstate="hqprint">
+          <a:blip r:embed="rId15" cstate="hqprint">
             <a:extLst>
               <a:ext uri="{28A0092B-C50C-407E-A947-70E740481C1C}">
                 <a14:useLocalDpi xmlns:a14="http://schemas.microsoft.com/office/drawing/2010/main" val="0"/>
@@ -4454,8 +4226,8 @@
         </p:blipFill>
         <p:spPr>
           <a:xfrm>
-            <a:off x="13683034" y="7180444"/>
-            <a:ext cx="576784" cy="120280"/>
+            <a:off x="22592916" y="6513109"/>
+            <a:ext cx="610476" cy="127306"/>
           </a:xfrm>
           <a:prstGeom prst="rect">
             <a:avLst/>
@@ -4471,7 +4243,7 @@
           <p:nvPr/>
         </p:nvPicPr>
         <p:blipFill>
-          <a:blip r:embed="rId18">
+          <a:blip r:embed="rId16">
             <a:extLst>
               <a:ext uri="{28A0092B-C50C-407E-A947-70E740481C1C}">
                 <a14:useLocalDpi xmlns:a14="http://schemas.microsoft.com/office/drawing/2010/main" val="0"/>
@@ -4484,8 +4256,8 @@
         </p:blipFill>
         <p:spPr>
           <a:xfrm>
-            <a:off x="12709537" y="7248980"/>
-            <a:ext cx="150298" cy="150298"/>
+            <a:off x="21599363" y="6640415"/>
+            <a:ext cx="159077" cy="159077"/>
           </a:xfrm>
           <a:prstGeom prst="rect">
             <a:avLst/>
@@ -4501,7 +4273,7 @@
           <p:nvPr/>
         </p:nvPicPr>
         <p:blipFill>
-          <a:blip r:embed="rId18">
+          <a:blip r:embed="rId16">
             <a:extLst>
               <a:ext uri="{28A0092B-C50C-407E-A947-70E740481C1C}">
                 <a14:useLocalDpi xmlns:a14="http://schemas.microsoft.com/office/drawing/2010/main" val="0"/>
@@ -4514,84 +4286,29 @@
         </p:blipFill>
         <p:spPr>
           <a:xfrm>
-            <a:off x="13372444" y="7047128"/>
-            <a:ext cx="226706" cy="226706"/>
+            <a:off x="22327824" y="6367675"/>
+            <a:ext cx="239949" cy="239949"/>
           </a:xfrm>
           <a:prstGeom prst="rect">
             <a:avLst/>
           </a:prstGeom>
         </p:spPr>
       </p:pic>
-      <p:pic>
-        <p:nvPicPr>
-          <p:cNvPr id="71" name="Picture 2" descr="Resultado de imagem para arduino uno com DHT11">
-            <a:extLst>
-              <a:ext uri="{FF2B5EF4-FFF2-40B4-BE49-F238E27FC236}">
-                <a16:creationId xmlns:a16="http://schemas.microsoft.com/office/drawing/2014/main" id="{D812938F-9E87-4536-81A3-11929954AE4C}"/>
-              </a:ext>
-            </a:extLst>
-          </p:cNvPr>
-          <p:cNvPicPr>
-            <a:picLocks noChangeAspect="1" noChangeArrowheads="1"/>
-          </p:cNvPicPr>
-          <p:nvPr/>
-        </p:nvPicPr>
-        <p:blipFill>
-          <a:blip r:embed="rId6">
-            <a:extLst>
-              <a:ext uri="{28A0092B-C50C-407E-A947-70E740481C1C}">
-                <a14:useLocalDpi xmlns:a14="http://schemas.microsoft.com/office/drawing/2010/main" val="0"/>
-              </a:ext>
-            </a:extLst>
-          </a:blip>
-          <a:srcRect/>
-          <a:stretch>
-            <a:fillRect/>
-          </a:stretch>
-        </p:blipFill>
-        <p:spPr bwMode="auto">
-          <a:xfrm>
-            <a:off x="12807205" y="2307515"/>
-            <a:ext cx="2405384" cy="1239981"/>
-          </a:xfrm>
-          <a:prstGeom prst="rect">
-            <a:avLst/>
-          </a:prstGeom>
-          <a:ln>
-            <a:noFill/>
-          </a:ln>
-          <a:effectLst>
-            <a:outerShdw blurRad="292100" dist="139700" dir="2700000" algn="tl" rotWithShape="0">
-              <a:srgbClr val="333333">
-                <a:alpha val="65000"/>
-              </a:srgbClr>
-            </a:outerShdw>
-          </a:effectLst>
-          <a:extLst/>
-        </p:spPr>
-      </p:pic>
       <p:cxnSp>
         <p:nvCxnSpPr>
-          <p:cNvPr id="72" name="Conector de Seta Reta 71">
-            <a:extLst>
-              <a:ext uri="{FF2B5EF4-FFF2-40B4-BE49-F238E27FC236}">
-                <a16:creationId xmlns:a16="http://schemas.microsoft.com/office/drawing/2014/main" id="{026327FF-F533-4EE7-A29C-8AAE39A505EA}"/>
-              </a:ext>
-            </a:extLst>
-          </p:cNvPr>
+          <p:cNvPr id="97" name="Conector de Seta Reta 96"/>
           <p:cNvCxnSpPr/>
           <p:nvPr/>
         </p:nvCxnSpPr>
         <p:spPr>
-          <a:xfrm>
-            <a:off x="15292826" y="2845374"/>
-            <a:ext cx="1765167" cy="0"/>
+          <a:xfrm flipH="1">
+            <a:off x="4232488" y="6837453"/>
+            <a:ext cx="1058374" cy="0"/>
           </a:xfrm>
           <a:prstGeom prst="straightConnector1">
             <a:avLst/>
           </a:prstGeom>
-          <a:ln>
-            <a:headEnd type="triangle"/>
+          <a:ln w="76200">
             <a:tailEnd type="triangle"/>
           </a:ln>
         </p:spPr>
@@ -4603,831 +4320,6 @@
             <a:schemeClr val="dk1"/>
           </a:fillRef>
           <a:effectRef idx="2">
-            <a:schemeClr val="dk1"/>
-          </a:effectRef>
-          <a:fontRef idx="minor">
-            <a:schemeClr val="tx1"/>
-          </a:fontRef>
-        </p:style>
-      </p:cxnSp>
-      <p:sp>
-        <p:nvSpPr>
-          <p:cNvPr id="73" name="Retângulo 72">
-            <a:extLst>
-              <a:ext uri="{FF2B5EF4-FFF2-40B4-BE49-F238E27FC236}">
-                <a16:creationId xmlns:a16="http://schemas.microsoft.com/office/drawing/2014/main" id="{8015C4A5-A75D-4892-B1AE-ED515FF5CD8C}"/>
-              </a:ext>
-            </a:extLst>
-          </p:cNvPr>
-          <p:cNvSpPr/>
-          <p:nvPr/>
-        </p:nvSpPr>
-        <p:spPr>
-          <a:xfrm>
-            <a:off x="7552517" y="3491900"/>
-            <a:ext cx="1999395" cy="461665"/>
-          </a:xfrm>
-          <a:prstGeom prst="rect">
-            <a:avLst/>
-          </a:prstGeom>
-          <a:noFill/>
-        </p:spPr>
-        <p:txBody>
-          <a:bodyPr wrap="none" lIns="91440" tIns="45720" rIns="91440" bIns="45720">
-            <a:spAutoFit/>
-          </a:bodyPr>
-          <a:lstStyle/>
-          <a:p>
-            <a:pPr algn="ctr"/>
-            <a:r>
-              <a:rPr lang="pt-BR" sz="2400" dirty="0" err="1">
-                <a:ln w="0"/>
-                <a:solidFill>
-                  <a:schemeClr val="accent1"/>
-                </a:solidFill>
-                <a:effectLst>
-                  <a:outerShdw blurRad="38100" dist="25400" dir="5400000" algn="ctr" rotWithShape="0">
-                    <a:srgbClr val="6E747A">
-                      <a:alpha val="43000"/>
-                    </a:srgbClr>
-                  </a:outerShdw>
-                </a:effectLst>
-              </a:rPr>
-              <a:t>Wifi</a:t>
-            </a:r>
-            <a:r>
-              <a:rPr lang="pt-BR" sz="2400" dirty="0">
-                <a:ln w="0"/>
-                <a:solidFill>
-                  <a:schemeClr val="accent1"/>
-                </a:solidFill>
-                <a:effectLst>
-                  <a:outerShdw blurRad="38100" dist="25400" dir="5400000" algn="ctr" rotWithShape="0">
-                    <a:srgbClr val="6E747A">
-                      <a:alpha val="43000"/>
-                    </a:srgbClr>
-                  </a:outerShdw>
-                </a:effectLst>
-              </a:rPr>
-              <a:t> + Internet</a:t>
-            </a:r>
-          </a:p>
-        </p:txBody>
-      </p:sp>
-      <p:cxnSp>
-        <p:nvCxnSpPr>
-          <p:cNvPr id="74" name="Conector de Seta Reta 73">
-            <a:extLst>
-              <a:ext uri="{FF2B5EF4-FFF2-40B4-BE49-F238E27FC236}">
-                <a16:creationId xmlns:a16="http://schemas.microsoft.com/office/drawing/2014/main" id="{F9311CF2-1330-48A9-9EB1-D1672C80B244}"/>
-              </a:ext>
-            </a:extLst>
-          </p:cNvPr>
-          <p:cNvCxnSpPr>
-            <a:cxnSpLocks/>
-          </p:cNvCxnSpPr>
-          <p:nvPr/>
-        </p:nvCxnSpPr>
-        <p:spPr>
-          <a:xfrm flipH="1">
-            <a:off x="11603452" y="2981349"/>
-            <a:ext cx="1106085" cy="5818"/>
-          </a:xfrm>
-          <a:prstGeom prst="straightConnector1">
-            <a:avLst/>
-          </a:prstGeom>
-          <a:ln>
-            <a:headEnd type="triangle"/>
-            <a:tailEnd type="triangle"/>
-          </a:ln>
-        </p:spPr>
-        <p:style>
-          <a:lnRef idx="3">
-            <a:schemeClr val="dk1"/>
-          </a:lnRef>
-          <a:fillRef idx="0">
-            <a:schemeClr val="dk1"/>
-          </a:fillRef>
-          <a:effectRef idx="2">
-            <a:schemeClr val="dk1"/>
-          </a:effectRef>
-          <a:fontRef idx="minor">
-            <a:schemeClr val="tx1"/>
-          </a:fontRef>
-        </p:style>
-      </p:cxnSp>
-      <p:sp>
-        <p:nvSpPr>
-          <p:cNvPr id="75" name="Retângulo 74">
-            <a:extLst>
-              <a:ext uri="{FF2B5EF4-FFF2-40B4-BE49-F238E27FC236}">
-                <a16:creationId xmlns:a16="http://schemas.microsoft.com/office/drawing/2014/main" id="{743871E3-138B-4807-A8B6-2963B367FEB4}"/>
-              </a:ext>
-            </a:extLst>
-          </p:cNvPr>
-          <p:cNvSpPr/>
-          <p:nvPr/>
-        </p:nvSpPr>
-        <p:spPr>
-          <a:xfrm>
-            <a:off x="16852556" y="2570583"/>
-            <a:ext cx="2683747" cy="1384995"/>
-          </a:xfrm>
-          <a:prstGeom prst="rect">
-            <a:avLst/>
-          </a:prstGeom>
-          <a:noFill/>
-        </p:spPr>
-        <p:txBody>
-          <a:bodyPr wrap="none" lIns="91440" tIns="45720" rIns="91440" bIns="45720">
-            <a:spAutoFit/>
-          </a:bodyPr>
-          <a:lstStyle/>
-          <a:p>
-            <a:pPr algn="ctr"/>
-            <a:r>
-              <a:rPr lang="pt-BR" sz="2800" dirty="0">
-                <a:ln w="0"/>
-                <a:solidFill>
-                  <a:schemeClr val="accent1"/>
-                </a:solidFill>
-                <a:effectLst>
-                  <a:outerShdw blurRad="38100" dist="25400" dir="5400000" algn="ctr" rotWithShape="0">
-                    <a:srgbClr val="6E747A">
-                      <a:alpha val="43000"/>
-                    </a:srgbClr>
-                  </a:outerShdw>
-                </a:effectLst>
-              </a:rPr>
-              <a:t>Umidificador </a:t>
-            </a:r>
-          </a:p>
-          <a:p>
-            <a:pPr algn="ctr"/>
-            <a:r>
-              <a:rPr lang="pt-BR" sz="2800" dirty="0">
-                <a:ln w="0"/>
-                <a:solidFill>
-                  <a:schemeClr val="accent1"/>
-                </a:solidFill>
-                <a:effectLst>
-                  <a:outerShdw blurRad="38100" dist="25400" dir="5400000" algn="ctr" rotWithShape="0">
-                    <a:srgbClr val="6E747A">
-                      <a:alpha val="43000"/>
-                    </a:srgbClr>
-                  </a:outerShdw>
-                </a:effectLst>
-              </a:rPr>
-              <a:t>+</a:t>
-            </a:r>
-          </a:p>
-          <a:p>
-            <a:pPr algn="ctr"/>
-            <a:r>
-              <a:rPr lang="pt-BR" sz="2800" dirty="0">
-                <a:ln w="0"/>
-                <a:solidFill>
-                  <a:schemeClr val="accent1"/>
-                </a:solidFill>
-                <a:effectLst>
-                  <a:outerShdw blurRad="38100" dist="25400" dir="5400000" algn="ctr" rotWithShape="0">
-                    <a:srgbClr val="6E747A">
-                      <a:alpha val="43000"/>
-                    </a:srgbClr>
-                  </a:outerShdw>
-                </a:effectLst>
-              </a:rPr>
-              <a:t> Ar Condicionado</a:t>
-            </a:r>
-          </a:p>
-        </p:txBody>
-      </p:sp>
-      <p:sp>
-        <p:nvSpPr>
-          <p:cNvPr id="76" name="Retângulo 75">
-            <a:extLst>
-              <a:ext uri="{FF2B5EF4-FFF2-40B4-BE49-F238E27FC236}">
-                <a16:creationId xmlns:a16="http://schemas.microsoft.com/office/drawing/2014/main" id="{F7B5A5FA-7683-40EE-BFF0-4530A2BC8586}"/>
-              </a:ext>
-            </a:extLst>
-          </p:cNvPr>
-          <p:cNvSpPr/>
-          <p:nvPr/>
-        </p:nvSpPr>
-        <p:spPr>
-          <a:xfrm>
-            <a:off x="12438592" y="3520499"/>
-            <a:ext cx="3234155" cy="461665"/>
-          </a:xfrm>
-          <a:prstGeom prst="rect">
-            <a:avLst/>
-          </a:prstGeom>
-          <a:noFill/>
-        </p:spPr>
-        <p:txBody>
-          <a:bodyPr wrap="none" lIns="91440" tIns="45720" rIns="91440" bIns="45720">
-            <a:spAutoFit/>
-          </a:bodyPr>
-          <a:lstStyle/>
-          <a:p>
-            <a:pPr algn="ctr"/>
-            <a:r>
-              <a:rPr lang="pt-BR" sz="2400" dirty="0">
-                <a:ln w="0"/>
-                <a:solidFill>
-                  <a:schemeClr val="accent1"/>
-                </a:solidFill>
-                <a:effectLst>
-                  <a:outerShdw blurRad="38100" dist="25400" dir="5400000" algn="ctr" rotWithShape="0">
-                    <a:srgbClr val="6E747A">
-                      <a:alpha val="43000"/>
-                    </a:srgbClr>
-                  </a:outerShdw>
-                </a:effectLst>
-              </a:rPr>
-              <a:t>Arduino + Sensor DHT11</a:t>
-            </a:r>
-          </a:p>
-        </p:txBody>
-      </p:sp>
-      <p:pic>
-        <p:nvPicPr>
-          <p:cNvPr id="77" name="Picture 2" descr="Resultado de imagem para modem de internet">
-            <a:extLst>
-              <a:ext uri="{FF2B5EF4-FFF2-40B4-BE49-F238E27FC236}">
-                <a16:creationId xmlns:a16="http://schemas.microsoft.com/office/drawing/2014/main" id="{82623677-CCEB-47C6-8FBB-045CD7C110BE}"/>
-              </a:ext>
-            </a:extLst>
-          </p:cNvPr>
-          <p:cNvPicPr>
-            <a:picLocks noChangeAspect="1" noChangeArrowheads="1"/>
-          </p:cNvPicPr>
-          <p:nvPr/>
-        </p:nvPicPr>
-        <p:blipFill>
-          <a:blip r:embed="rId11" cstate="hqprint">
-            <a:extLst>
-              <a:ext uri="{BEBA8EAE-BF5A-486C-A8C5-ECC9F3942E4B}">
-                <a14:imgProps xmlns:a14="http://schemas.microsoft.com/office/drawing/2010/main">
-                  <a14:imgLayer r:embed="rId12">
-                    <a14:imgEffect>
-                      <a14:backgroundRemoval t="10000" b="90000" l="400" r="100000">
-                        <a14:foregroundMark x1="13000" y1="55000" x2="12200" y2="64800"/>
-                        <a14:foregroundMark x1="87600" y1="53200" x2="93600" y2="70200"/>
-                      </a14:backgroundRemoval>
-                    </a14:imgEffect>
-                  </a14:imgLayer>
-                </a14:imgProps>
-              </a:ext>
-              <a:ext uri="{28A0092B-C50C-407E-A947-70E740481C1C}">
-                <a14:useLocalDpi xmlns:a14="http://schemas.microsoft.com/office/drawing/2010/main" val="0"/>
-              </a:ext>
-            </a:extLst>
-          </a:blip>
-          <a:srcRect/>
-          <a:stretch>
-            <a:fillRect/>
-          </a:stretch>
-        </p:blipFill>
-        <p:spPr bwMode="auto">
-          <a:xfrm>
-            <a:off x="8003978" y="2186792"/>
-            <a:ext cx="1124861" cy="1124861"/>
-          </a:xfrm>
-          <a:prstGeom prst="rect">
-            <a:avLst/>
-          </a:prstGeom>
-          <a:noFill/>
-          <a:extLst>
-            <a:ext uri="{909E8E84-426E-40DD-AFC4-6F175D3DCCD1}">
-              <a14:hiddenFill xmlns:a14="http://schemas.microsoft.com/office/drawing/2010/main">
-                <a:solidFill>
-                  <a:srgbClr val="FFFFFF"/>
-                </a:solidFill>
-              </a14:hiddenFill>
-            </a:ext>
-          </a:extLst>
-        </p:spPr>
-      </p:pic>
-      <p:sp>
-        <p:nvSpPr>
-          <p:cNvPr id="78" name="CaixaDeTexto 77">
-            <a:extLst>
-              <a:ext uri="{FF2B5EF4-FFF2-40B4-BE49-F238E27FC236}">
-                <a16:creationId xmlns:a16="http://schemas.microsoft.com/office/drawing/2014/main" id="{34EE0974-53E6-4AED-897C-A38F7FD33207}"/>
-              </a:ext>
-            </a:extLst>
-          </p:cNvPr>
-          <p:cNvSpPr txBox="1"/>
-          <p:nvPr/>
-        </p:nvSpPr>
-        <p:spPr>
-          <a:xfrm>
-            <a:off x="15710846" y="2898853"/>
-            <a:ext cx="1244314" cy="261610"/>
-          </a:xfrm>
-          <a:prstGeom prst="rect">
-            <a:avLst/>
-          </a:prstGeom>
-          <a:noFill/>
-        </p:spPr>
-        <p:txBody>
-          <a:bodyPr wrap="square" rtlCol="0">
-            <a:spAutoFit/>
-          </a:bodyPr>
-          <a:lstStyle/>
-          <a:p>
-            <a:r>
-              <a:rPr lang="pt-BR" sz="1100" dirty="0"/>
-              <a:t>Troca de Dados</a:t>
-            </a:r>
-          </a:p>
-        </p:txBody>
-      </p:sp>
-      <p:pic>
-        <p:nvPicPr>
-          <p:cNvPr id="80" name="Imagem 79"/>
-          <p:cNvPicPr>
-            <a:picLocks noChangeAspect="1"/>
-          </p:cNvPicPr>
-          <p:nvPr/>
-        </p:nvPicPr>
-        <p:blipFill>
-          <a:blip r:embed="rId4">
-            <a:extLst>
-              <a:ext uri="{BEBA8EAE-BF5A-486C-A8C5-ECC9F3942E4B}">
-                <a14:imgProps xmlns:a14="http://schemas.microsoft.com/office/drawing/2010/main">
-                  <a14:imgLayer r:embed="rId5">
-                    <a14:imgEffect>
-                      <a14:backgroundRemoval t="536" b="100000" l="0" r="99667">
-                        <a14:foregroundMark x1="7667" y1="11429" x2="8778" y2="25000"/>
-                        <a14:foregroundMark x1="10000" y1="2143" x2="89000" y2="1607"/>
-                        <a14:foregroundMark x1="89889" y1="2143" x2="89000" y2="14107"/>
-                        <a14:foregroundMark x1="50333" y1="76607" x2="49556" y2="78036"/>
-                        <a14:foregroundMark x1="3667" y1="93393" x2="18889" y2="95893"/>
-                        <a14:foregroundMark x1="18111" y1="95536" x2="96667" y2="96429"/>
-                        <a14:foregroundMark x1="49889" y1="91964" x2="54333" y2="71607"/>
-                        <a14:foregroundMark x1="20222" y1="93571" x2="95333" y2="92857"/>
-                        <a14:foregroundMark x1="10000" y1="97321" x2="3222" y2="96607"/>
-                        <a14:foregroundMark x1="60556" y1="77679" x2="89889" y2="73393"/>
-                        <a14:foregroundMark x1="89889" y1="73571" x2="89889" y2="73571"/>
-                        <a14:foregroundMark x1="35333" y1="79286" x2="8667" y2="55536"/>
-                      </a14:backgroundRemoval>
-                    </a14:imgEffect>
-                  </a14:imgLayer>
-                </a14:imgProps>
-              </a:ext>
-            </a:extLst>
-          </a:blip>
-          <a:stretch>
-            <a:fillRect/>
-          </a:stretch>
-        </p:blipFill>
-        <p:spPr>
-          <a:xfrm>
-            <a:off x="10504486" y="2682244"/>
-            <a:ext cx="1057730" cy="658143"/>
-          </a:xfrm>
-          <a:prstGeom prst="rect">
-            <a:avLst/>
-          </a:prstGeom>
-        </p:spPr>
-      </p:pic>
-      <p:sp>
-        <p:nvSpPr>
-          <p:cNvPr id="81" name="Retângulo 80">
-            <a:extLst>
-              <a:ext uri="{FF2B5EF4-FFF2-40B4-BE49-F238E27FC236}">
-                <a16:creationId xmlns:a16="http://schemas.microsoft.com/office/drawing/2014/main" id="{8015C4A5-A75D-4892-B1AE-ED515FF5CD8C}"/>
-              </a:ext>
-            </a:extLst>
-          </p:cNvPr>
-          <p:cNvSpPr/>
-          <p:nvPr/>
-        </p:nvSpPr>
-        <p:spPr>
-          <a:xfrm>
-            <a:off x="10232061" y="3494716"/>
-            <a:ext cx="1526380" cy="461665"/>
-          </a:xfrm>
-          <a:prstGeom prst="rect">
-            <a:avLst/>
-          </a:prstGeom>
-          <a:noFill/>
-        </p:spPr>
-        <p:txBody>
-          <a:bodyPr wrap="none" lIns="91440" tIns="45720" rIns="91440" bIns="45720">
-            <a:spAutoFit/>
-          </a:bodyPr>
-          <a:lstStyle/>
-          <a:p>
-            <a:pPr algn="ctr"/>
-            <a:r>
-              <a:rPr lang="pt-BR" sz="2400" dirty="0">
-                <a:ln w="0"/>
-                <a:solidFill>
-                  <a:schemeClr val="accent1"/>
-                </a:solidFill>
-                <a:effectLst>
-                  <a:outerShdw blurRad="38100" dist="25400" dir="5400000" algn="ctr" rotWithShape="0">
-                    <a:srgbClr val="6E747A">
-                      <a:alpha val="43000"/>
-                    </a:srgbClr>
-                  </a:outerShdw>
-                </a:effectLst>
-              </a:rPr>
-              <a:t>JS/Node JS</a:t>
-            </a:r>
-            <a:endParaRPr lang="pt-BR" sz="2400" dirty="0">
-              <a:ln w="0"/>
-              <a:solidFill>
-                <a:schemeClr val="accent1"/>
-              </a:solidFill>
-              <a:effectLst>
-                <a:outerShdw blurRad="38100" dist="25400" dir="5400000" algn="ctr" rotWithShape="0">
-                  <a:srgbClr val="6E747A">
-                    <a:alpha val="43000"/>
-                  </a:srgbClr>
-                </a:outerShdw>
-              </a:effectLst>
-            </a:endParaRPr>
-          </a:p>
-        </p:txBody>
-      </p:sp>
-      <p:cxnSp>
-        <p:nvCxnSpPr>
-          <p:cNvPr id="82" name="Conector de Seta Reta 81">
-            <a:extLst>
-              <a:ext uri="{FF2B5EF4-FFF2-40B4-BE49-F238E27FC236}">
-                <a16:creationId xmlns:a16="http://schemas.microsoft.com/office/drawing/2014/main" id="{F9311CF2-1330-48A9-9EB1-D1672C80B244}"/>
-              </a:ext>
-            </a:extLst>
-          </p:cNvPr>
-          <p:cNvCxnSpPr>
-            <a:cxnSpLocks/>
-          </p:cNvCxnSpPr>
-          <p:nvPr/>
-        </p:nvCxnSpPr>
-        <p:spPr>
-          <a:xfrm flipH="1" flipV="1">
-            <a:off x="9338308" y="2927504"/>
-            <a:ext cx="1070600" cy="2"/>
-          </a:xfrm>
-          <a:prstGeom prst="straightConnector1">
-            <a:avLst/>
-          </a:prstGeom>
-          <a:ln>
-            <a:headEnd type="triangle"/>
-            <a:tailEnd type="triangle"/>
-          </a:ln>
-        </p:spPr>
-        <p:style>
-          <a:lnRef idx="3">
-            <a:schemeClr val="dk1"/>
-          </a:lnRef>
-          <a:fillRef idx="0">
-            <a:schemeClr val="dk1"/>
-          </a:fillRef>
-          <a:effectRef idx="2">
-            <a:schemeClr val="dk1"/>
-          </a:effectRef>
-          <a:fontRef idx="minor">
-            <a:schemeClr val="tx1"/>
-          </a:fontRef>
-        </p:style>
-      </p:cxnSp>
-      <p:sp>
-        <p:nvSpPr>
-          <p:cNvPr id="83" name="Retângulo 82">
-            <a:extLst>
-              <a:ext uri="{FF2B5EF4-FFF2-40B4-BE49-F238E27FC236}">
-                <a16:creationId xmlns:a16="http://schemas.microsoft.com/office/drawing/2014/main" id="{8015C4A5-A75D-4892-B1AE-ED515FF5CD8C}"/>
-              </a:ext>
-            </a:extLst>
-          </p:cNvPr>
-          <p:cNvSpPr/>
-          <p:nvPr/>
-        </p:nvSpPr>
-        <p:spPr>
-          <a:xfrm>
-            <a:off x="10461439" y="2128626"/>
-            <a:ext cx="1126683" cy="584775"/>
-          </a:xfrm>
-          <a:prstGeom prst="rect">
-            <a:avLst/>
-          </a:prstGeom>
-          <a:noFill/>
-        </p:spPr>
-        <p:txBody>
-          <a:bodyPr wrap="square" lIns="91440" tIns="45720" rIns="91440" bIns="45720">
-            <a:spAutoFit/>
-          </a:bodyPr>
-          <a:lstStyle/>
-          <a:p>
-            <a:pPr algn="ctr"/>
-            <a:r>
-              <a:rPr lang="pt-BR" sz="1600" dirty="0">
-                <a:ln w="0"/>
-                <a:solidFill>
-                  <a:schemeClr val="accent1"/>
-                </a:solidFill>
-                <a:effectLst>
-                  <a:outerShdw blurRad="38100" dist="25400" dir="5400000" algn="ctr" rotWithShape="0">
-                    <a:srgbClr val="6E747A">
-                      <a:alpha val="43000"/>
-                    </a:srgbClr>
-                  </a:outerShdw>
-                </a:effectLst>
-              </a:rPr>
-              <a:t>Servidor Local</a:t>
-            </a:r>
-            <a:endParaRPr lang="pt-BR" sz="1600" dirty="0">
-              <a:ln w="0"/>
-              <a:solidFill>
-                <a:schemeClr val="accent1"/>
-              </a:solidFill>
-              <a:effectLst>
-                <a:outerShdw blurRad="38100" dist="25400" dir="5400000" algn="ctr" rotWithShape="0">
-                  <a:srgbClr val="6E747A">
-                    <a:alpha val="43000"/>
-                  </a:srgbClr>
-                </a:outerShdw>
-              </a:effectLst>
-            </a:endParaRPr>
-          </a:p>
-        </p:txBody>
-      </p:sp>
-      <p:sp>
-        <p:nvSpPr>
-          <p:cNvPr id="84" name="Retângulo 83"/>
-          <p:cNvSpPr/>
-          <p:nvPr/>
-        </p:nvSpPr>
-        <p:spPr>
-          <a:xfrm>
-            <a:off x="7547132" y="1586860"/>
-            <a:ext cx="11918704" cy="2276717"/>
-          </a:xfrm>
-          <a:prstGeom prst="rect">
-            <a:avLst/>
-          </a:prstGeom>
-          <a:noFill/>
-          <a:ln w="9525" cap="flat" cmpd="sng" algn="ctr">
-            <a:solidFill>
-              <a:schemeClr val="dk1"/>
-            </a:solidFill>
-            <a:prstDash val="solid"/>
-            <a:round/>
-            <a:headEnd type="none" w="med" len="med"/>
-            <a:tailEnd type="none" w="med" len="med"/>
-          </a:ln>
-        </p:spPr>
-        <p:style>
-          <a:lnRef idx="0">
-            <a:scrgbClr r="0" g="0" b="0"/>
-          </a:lnRef>
-          <a:fillRef idx="0">
-            <a:scrgbClr r="0" g="0" b="0"/>
-          </a:fillRef>
-          <a:effectRef idx="0">
-            <a:scrgbClr r="0" g="0" b="0"/>
-          </a:effectRef>
-          <a:fontRef idx="minor">
-            <a:schemeClr val="dk1"/>
-          </a:fontRef>
-        </p:style>
-        <p:txBody>
-          <a:bodyPr rot="0" spcFirstLastPara="0" vertOverflow="overflow" horzOverflow="overflow" vert="horz" wrap="square" lIns="91440" tIns="45720" rIns="91440" bIns="45720" numCol="1" spcCol="0" rtlCol="0" fromWordArt="0" anchor="ctr" anchorCtr="0" forceAA="0" compatLnSpc="1">
-            <a:prstTxWarp prst="textNoShape">
-              <a:avLst/>
-            </a:prstTxWarp>
-            <a:noAutofit/>
-          </a:bodyPr>
-          <a:lstStyle/>
-          <a:p>
-            <a:pPr algn="ctr"/>
-            <a:endParaRPr lang="pt-BR"/>
-          </a:p>
-        </p:txBody>
-      </p:sp>
-      <p:sp>
-        <p:nvSpPr>
-          <p:cNvPr id="85" name="Retângulo 84"/>
-          <p:cNvSpPr/>
-          <p:nvPr/>
-        </p:nvSpPr>
-        <p:spPr>
-          <a:xfrm>
-            <a:off x="12438592" y="1122472"/>
-            <a:ext cx="2374015" cy="440472"/>
-          </a:xfrm>
-          <a:prstGeom prst="rect">
-            <a:avLst/>
-          </a:prstGeom>
-          <a:noFill/>
-          <a:ln>
-            <a:noFill/>
-          </a:ln>
-        </p:spPr>
-        <p:style>
-          <a:lnRef idx="0">
-            <a:scrgbClr r="0" g="0" b="0"/>
-          </a:lnRef>
-          <a:fillRef idx="0">
-            <a:scrgbClr r="0" g="0" b="0"/>
-          </a:fillRef>
-          <a:effectRef idx="0">
-            <a:scrgbClr r="0" g="0" b="0"/>
-          </a:effectRef>
-          <a:fontRef idx="minor">
-            <a:schemeClr val="dk1"/>
-          </a:fontRef>
-        </p:style>
-        <p:txBody>
-          <a:bodyPr rot="0" spcFirstLastPara="0" vertOverflow="overflow" horzOverflow="overflow" vert="horz" wrap="square" lIns="91440" tIns="45720" rIns="91440" bIns="45720" numCol="1" spcCol="0" rtlCol="0" fromWordArt="0" anchor="ctr" anchorCtr="0" forceAA="0" compatLnSpc="1">
-            <a:prstTxWarp prst="textNoShape">
-              <a:avLst/>
-            </a:prstTxWarp>
-            <a:noAutofit/>
-          </a:bodyPr>
-          <a:lstStyle/>
-          <a:p>
-            <a:pPr algn="ctr"/>
-            <a:endParaRPr lang="pt-BR"/>
-          </a:p>
-        </p:txBody>
-      </p:sp>
-      <p:sp>
-        <p:nvSpPr>
-          <p:cNvPr id="86" name="Retângulo 85"/>
-          <p:cNvSpPr/>
-          <p:nvPr/>
-        </p:nvSpPr>
-        <p:spPr>
-          <a:xfrm>
-            <a:off x="11758441" y="1033511"/>
-            <a:ext cx="2362200" cy="1027307"/>
-          </a:xfrm>
-          <a:prstGeom prst="rect">
-            <a:avLst/>
-          </a:prstGeom>
-        </p:spPr>
-        <p:style>
-          <a:lnRef idx="2">
-            <a:schemeClr val="dk1"/>
-          </a:lnRef>
-          <a:fillRef idx="1">
-            <a:schemeClr val="lt1"/>
-          </a:fillRef>
-          <a:effectRef idx="0">
-            <a:schemeClr val="dk1"/>
-          </a:effectRef>
-          <a:fontRef idx="minor">
-            <a:schemeClr val="dk1"/>
-          </a:fontRef>
-        </p:style>
-        <p:txBody>
-          <a:bodyPr rot="0" spcFirstLastPara="0" vertOverflow="overflow" horzOverflow="overflow" vert="horz" wrap="square" lIns="91440" tIns="45720" rIns="91440" bIns="45720" numCol="1" spcCol="0" rtlCol="0" fromWordArt="0" anchor="ctr" anchorCtr="0" forceAA="0" compatLnSpc="1">
-            <a:prstTxWarp prst="textNoShape">
-              <a:avLst/>
-            </a:prstTxWarp>
-            <a:noAutofit/>
-          </a:bodyPr>
-          <a:lstStyle/>
-          <a:p>
-            <a:pPr algn="ctr"/>
-            <a:r>
-              <a:rPr lang="pt-BR" dirty="0"/>
-              <a:t>Rede local</a:t>
-            </a:r>
-          </a:p>
-        </p:txBody>
-      </p:sp>
-      <p:cxnSp>
-        <p:nvCxnSpPr>
-          <p:cNvPr id="61" name="Conector de Seta Reta 60"/>
-          <p:cNvCxnSpPr/>
-          <p:nvPr/>
-        </p:nvCxnSpPr>
-        <p:spPr>
-          <a:xfrm flipV="1">
-            <a:off x="5004095" y="3953565"/>
-            <a:ext cx="2248098" cy="1380957"/>
-          </a:xfrm>
-          <a:prstGeom prst="straightConnector1">
-            <a:avLst/>
-          </a:prstGeom>
-          <a:ln>
-            <a:tailEnd type="triangle"/>
-          </a:ln>
-        </p:spPr>
-        <p:style>
-          <a:lnRef idx="1">
-            <a:schemeClr val="dk1"/>
-          </a:lnRef>
-          <a:fillRef idx="0">
-            <a:schemeClr val="dk1"/>
-          </a:fillRef>
-          <a:effectRef idx="0">
-            <a:schemeClr val="dk1"/>
-          </a:effectRef>
-          <a:fontRef idx="minor">
-            <a:schemeClr val="tx1"/>
-          </a:fontRef>
-        </p:style>
-      </p:cxnSp>
-      <p:cxnSp>
-        <p:nvCxnSpPr>
-          <p:cNvPr id="97" name="Conector de Seta Reta 96"/>
-          <p:cNvCxnSpPr/>
-          <p:nvPr/>
-        </p:nvCxnSpPr>
-        <p:spPr>
-          <a:xfrm flipH="1" flipV="1">
-            <a:off x="3062860" y="7358993"/>
-            <a:ext cx="188395" cy="197163"/>
-          </a:xfrm>
-          <a:prstGeom prst="straightConnector1">
-            <a:avLst/>
-          </a:prstGeom>
-          <a:ln>
-            <a:tailEnd type="triangle"/>
-          </a:ln>
-        </p:spPr>
-        <p:style>
-          <a:lnRef idx="1">
-            <a:schemeClr val="dk1"/>
-          </a:lnRef>
-          <a:fillRef idx="0">
-            <a:schemeClr val="dk1"/>
-          </a:fillRef>
-          <a:effectRef idx="0">
-            <a:schemeClr val="dk1"/>
-          </a:effectRef>
-          <a:fontRef idx="minor">
-            <a:schemeClr val="tx1"/>
-          </a:fontRef>
-        </p:style>
-      </p:cxnSp>
-      <p:cxnSp>
-        <p:nvCxnSpPr>
-          <p:cNvPr id="102" name="Conector de Seta Reta 101"/>
-          <p:cNvCxnSpPr/>
-          <p:nvPr/>
-        </p:nvCxnSpPr>
-        <p:spPr>
-          <a:xfrm flipV="1">
-            <a:off x="3267659" y="7137320"/>
-            <a:ext cx="403836" cy="1"/>
-          </a:xfrm>
-          <a:prstGeom prst="straightConnector1">
-            <a:avLst/>
-          </a:prstGeom>
-          <a:ln>
-            <a:tailEnd type="triangle"/>
-          </a:ln>
-        </p:spPr>
-        <p:style>
-          <a:lnRef idx="1">
-            <a:schemeClr val="dk1"/>
-          </a:lnRef>
-          <a:fillRef idx="0">
-            <a:schemeClr val="dk1"/>
-          </a:fillRef>
-          <a:effectRef idx="0">
-            <a:schemeClr val="dk1"/>
-          </a:effectRef>
-          <a:fontRef idx="minor">
-            <a:schemeClr val="tx1"/>
-          </a:fontRef>
-        </p:style>
-      </p:cxnSp>
-      <p:cxnSp>
-        <p:nvCxnSpPr>
-          <p:cNvPr id="107" name="Conector de Seta Reta 106"/>
-          <p:cNvCxnSpPr/>
-          <p:nvPr/>
-        </p:nvCxnSpPr>
-        <p:spPr>
-          <a:xfrm flipH="1" flipV="1">
-            <a:off x="3683785" y="6711504"/>
-            <a:ext cx="188395" cy="197163"/>
-          </a:xfrm>
-          <a:prstGeom prst="straightConnector1">
-            <a:avLst/>
-          </a:prstGeom>
-          <a:ln>
-            <a:tailEnd type="triangle"/>
-          </a:ln>
-        </p:spPr>
-        <p:style>
-          <a:lnRef idx="1">
-            <a:schemeClr val="dk1"/>
-          </a:lnRef>
-          <a:fillRef idx="0">
-            <a:schemeClr val="dk1"/>
-          </a:fillRef>
-          <a:effectRef idx="0">
             <a:schemeClr val="dk1"/>
           </a:effectRef>
           <a:fontRef idx="minor">
@@ -5450,11 +4342,11 @@
           <p:nvPr/>
         </p:nvPicPr>
         <p:blipFill>
-          <a:blip r:embed="rId13">
+          <a:blip r:embed="rId11">
             <a:extLst>
               <a:ext uri="{BEBA8EAE-BF5A-486C-A8C5-ECC9F3942E4B}">
                 <a14:imgProps xmlns:a14="http://schemas.microsoft.com/office/drawing/2010/main">
-                  <a14:imgLayer r:embed="rId14">
+                  <a14:imgLayer r:embed="rId12">
                     <a14:imgEffect>
                       <a14:backgroundRemoval t="0" b="100000" l="0" r="100000">
                         <a14:foregroundMark x1="43000" y1="21645" x2="84000" y2="39394"/>
@@ -5471,78 +4363,417 @@
         </p:blipFill>
         <p:spPr>
           <a:xfrm>
-            <a:off x="5403459" y="11159479"/>
-            <a:ext cx="345794" cy="399391"/>
+            <a:off x="9008251" y="12054191"/>
+            <a:ext cx="447774" cy="517178"/>
           </a:xfrm>
           <a:prstGeom prst="rect">
             <a:avLst/>
           </a:prstGeom>
         </p:spPr>
       </p:pic>
-      <p:sp>
-        <p:nvSpPr>
-          <p:cNvPr id="113" name="Retângulo 112"/>
-          <p:cNvSpPr/>
+      <p:cxnSp>
+        <p:nvCxnSpPr>
+          <p:cNvPr id="69" name="Conector de Seta Reta 68"/>
+          <p:cNvCxnSpPr/>
           <p:nvPr/>
-        </p:nvSpPr>
-        <p:spPr>
-          <a:xfrm>
-            <a:off x="3623081" y="3633515"/>
-            <a:ext cx="2621093" cy="843002"/>
+        </p:nvCxnSpPr>
+        <p:spPr>
+          <a:xfrm flipV="1">
+            <a:off x="3515143" y="5347976"/>
+            <a:ext cx="598220" cy="437954"/>
+          </a:xfrm>
+          <a:prstGeom prst="straightConnector1">
+            <a:avLst/>
+          </a:prstGeom>
+          <a:ln w="76200">
+            <a:tailEnd type="triangle"/>
+          </a:ln>
+        </p:spPr>
+        <p:style>
+          <a:lnRef idx="3">
+            <a:schemeClr val="dk1"/>
+          </a:lnRef>
+          <a:fillRef idx="0">
+            <a:schemeClr val="dk1"/>
+          </a:fillRef>
+          <a:effectRef idx="2">
+            <a:schemeClr val="dk1"/>
+          </a:effectRef>
+          <a:fontRef idx="minor">
+            <a:schemeClr val="tx1"/>
+          </a:fontRef>
+        </p:style>
+      </p:cxnSp>
+      <p:cxnSp>
+        <p:nvCxnSpPr>
+          <p:cNvPr id="70" name="Conector de Seta Reta 69"/>
+          <p:cNvCxnSpPr/>
+          <p:nvPr/>
+        </p:nvCxnSpPr>
+        <p:spPr>
+          <a:xfrm flipV="1">
+            <a:off x="6845767" y="8407797"/>
+            <a:ext cx="0" cy="1244089"/>
+          </a:xfrm>
+          <a:prstGeom prst="straightConnector1">
+            <a:avLst/>
+          </a:prstGeom>
+          <a:ln w="76200">
+            <a:solidFill>
+              <a:schemeClr val="tx1"/>
+            </a:solidFill>
+            <a:tailEnd type="triangle"/>
+          </a:ln>
+        </p:spPr>
+        <p:style>
+          <a:lnRef idx="1">
+            <a:schemeClr val="accent1"/>
+          </a:lnRef>
+          <a:fillRef idx="0">
+            <a:schemeClr val="accent1"/>
+          </a:fillRef>
+          <a:effectRef idx="0">
+            <a:schemeClr val="accent1"/>
+          </a:effectRef>
+          <a:fontRef idx="minor">
+            <a:schemeClr val="tx1"/>
+          </a:fontRef>
+        </p:style>
+      </p:cxnSp>
+      <p:pic>
+        <p:nvPicPr>
+          <p:cNvPr id="90" name="Imagem 89"/>
+          <p:cNvPicPr>
+            <a:picLocks noChangeAspect="1"/>
+          </p:cNvPicPr>
+          <p:nvPr/>
+        </p:nvPicPr>
+        <p:blipFill rotWithShape="1">
+          <a:blip r:embed="rId17">
+            <a:extLst>
+              <a:ext uri="{BEBA8EAE-BF5A-486C-A8C5-ECC9F3942E4B}">
+                <a14:imgProps xmlns:a14="http://schemas.microsoft.com/office/drawing/2010/main">
+                  <a14:imgLayer r:embed="rId18">
+                    <a14:imgEffect>
+                      <a14:backgroundRemoval t="9961" b="89844" l="3711" r="94141"/>
+                    </a14:imgEffect>
+                  </a14:imgLayer>
+                </a14:imgProps>
+              </a:ext>
+              <a:ext uri="{28A0092B-C50C-407E-A947-70E740481C1C}">
+                <a14:useLocalDpi xmlns:a14="http://schemas.microsoft.com/office/drawing/2010/main" val="0"/>
+              </a:ext>
+            </a:extLst>
+          </a:blip>
+          <a:srcRect l="5427" t="23699" b="24881"/>
+          <a:stretch/>
+        </p:blipFill>
+        <p:spPr>
+          <a:xfrm>
+            <a:off x="533000" y="3547028"/>
+            <a:ext cx="8827820" cy="4799750"/>
           </a:xfrm>
           <a:prstGeom prst="rect">
             <a:avLst/>
           </a:prstGeom>
-          <a:noFill/>
-          <a:ln w="9525" cap="flat" cmpd="sng" algn="ctr">
+        </p:spPr>
+      </p:pic>
+      <p:cxnSp>
+        <p:nvCxnSpPr>
+          <p:cNvPr id="101" name="Conector de Seta Reta 100"/>
+          <p:cNvCxnSpPr/>
+          <p:nvPr/>
+        </p:nvCxnSpPr>
+        <p:spPr>
+          <a:xfrm>
+            <a:off x="7531768" y="8424019"/>
+            <a:ext cx="8021" cy="1227867"/>
+          </a:xfrm>
+          <a:prstGeom prst="straightConnector1">
+            <a:avLst/>
+          </a:prstGeom>
+          <a:ln w="76200">
             <a:solidFill>
-              <a:schemeClr val="dk1"/>
+              <a:schemeClr val="tx1"/>
             </a:solidFill>
-            <a:prstDash val="solid"/>
-            <a:round/>
-            <a:headEnd type="none" w="med" len="med"/>
-            <a:tailEnd type="none" w="med" len="med"/>
+            <a:tailEnd type="triangle"/>
           </a:ln>
         </p:spPr>
         <p:style>
-          <a:lnRef idx="0">
-            <a:scrgbClr r="0" g="0" b="0"/>
+          <a:lnRef idx="1">
+            <a:schemeClr val="accent1"/>
           </a:lnRef>
           <a:fillRef idx="0">
-            <a:scrgbClr r="0" g="0" b="0"/>
+            <a:schemeClr val="accent1"/>
           </a:fillRef>
           <a:effectRef idx="0">
-            <a:scrgbClr r="0" g="0" b="0"/>
+            <a:schemeClr val="accent1"/>
           </a:effectRef>
           <a:fontRef idx="minor">
-            <a:schemeClr val="dk1"/>
+            <a:schemeClr val="tx1"/>
           </a:fontRef>
         </p:style>
-        <p:txBody>
-          <a:bodyPr rtlCol="0" anchor="ctr"/>
-          <a:lstStyle/>
-          <a:p>
-            <a:pPr algn="ctr"/>
-            <a:r>
-              <a:rPr lang="pt-BR" sz="1600" dirty="0" smtClean="0"/>
-              <a:t>Comunicação inversa Node </a:t>
-            </a:r>
-            <a:r>
-              <a:rPr lang="pt-BR" sz="1600" dirty="0" err="1"/>
-              <a:t>J</a:t>
-            </a:r>
-            <a:r>
-              <a:rPr lang="pt-BR" sz="1600" dirty="0" err="1" smtClean="0"/>
-              <a:t>s</a:t>
-            </a:r>
-            <a:r>
-              <a:rPr lang="pt-BR" sz="1600" dirty="0" smtClean="0"/>
-              <a:t>/Rede Local</a:t>
-            </a:r>
-            <a:endParaRPr lang="pt-BR" sz="1600" dirty="0"/>
-          </a:p>
-        </p:txBody>
-      </p:sp>
+      </p:cxnSp>
+      <p:cxnSp>
+        <p:nvCxnSpPr>
+          <p:cNvPr id="125" name="Conector de Seta Reta 124"/>
+          <p:cNvCxnSpPr/>
+          <p:nvPr/>
+        </p:nvCxnSpPr>
+        <p:spPr>
+          <a:xfrm flipH="1" flipV="1">
+            <a:off x="6530783" y="12360802"/>
+            <a:ext cx="1379099" cy="16708"/>
+          </a:xfrm>
+          <a:prstGeom prst="straightConnector1">
+            <a:avLst/>
+          </a:prstGeom>
+          <a:ln w="28575">
+            <a:solidFill>
+              <a:schemeClr val="tx1"/>
+            </a:solidFill>
+            <a:tailEnd type="triangle"/>
+          </a:ln>
+        </p:spPr>
+        <p:style>
+          <a:lnRef idx="1">
+            <a:schemeClr val="accent1"/>
+          </a:lnRef>
+          <a:fillRef idx="0">
+            <a:schemeClr val="accent1"/>
+          </a:fillRef>
+          <a:effectRef idx="0">
+            <a:schemeClr val="accent1"/>
+          </a:effectRef>
+          <a:fontRef idx="minor">
+            <a:schemeClr val="tx1"/>
+          </a:fontRef>
+        </p:style>
+      </p:cxnSp>
+      <p:cxnSp>
+        <p:nvCxnSpPr>
+          <p:cNvPr id="135" name="Conector de Seta Reta 134"/>
+          <p:cNvCxnSpPr/>
+          <p:nvPr/>
+        </p:nvCxnSpPr>
+        <p:spPr>
+          <a:xfrm>
+            <a:off x="6460118" y="12679463"/>
+            <a:ext cx="1559885" cy="20042"/>
+          </a:xfrm>
+          <a:prstGeom prst="straightConnector1">
+            <a:avLst/>
+          </a:prstGeom>
+          <a:ln w="28575">
+            <a:solidFill>
+              <a:schemeClr val="tx1"/>
+            </a:solidFill>
+            <a:tailEnd type="triangle"/>
+          </a:ln>
+        </p:spPr>
+        <p:style>
+          <a:lnRef idx="1">
+            <a:schemeClr val="accent1"/>
+          </a:lnRef>
+          <a:fillRef idx="0">
+            <a:schemeClr val="accent1"/>
+          </a:fillRef>
+          <a:effectRef idx="0">
+            <a:schemeClr val="accent1"/>
+          </a:effectRef>
+          <a:fontRef idx="minor">
+            <a:schemeClr val="tx1"/>
+          </a:fontRef>
+        </p:style>
+      </p:cxnSp>
+      <p:cxnSp>
+        <p:nvCxnSpPr>
+          <p:cNvPr id="141" name="Conector de Seta Reta 140"/>
+          <p:cNvCxnSpPr/>
+          <p:nvPr/>
+        </p:nvCxnSpPr>
+        <p:spPr>
+          <a:xfrm>
+            <a:off x="10381982" y="12630126"/>
+            <a:ext cx="1559885" cy="20042"/>
+          </a:xfrm>
+          <a:prstGeom prst="straightConnector1">
+            <a:avLst/>
+          </a:prstGeom>
+          <a:ln w="28575">
+            <a:solidFill>
+              <a:schemeClr val="tx1"/>
+            </a:solidFill>
+            <a:tailEnd type="triangle"/>
+          </a:ln>
+        </p:spPr>
+        <p:style>
+          <a:lnRef idx="1">
+            <a:schemeClr val="accent1"/>
+          </a:lnRef>
+          <a:fillRef idx="0">
+            <a:schemeClr val="accent1"/>
+          </a:fillRef>
+          <a:effectRef idx="0">
+            <a:schemeClr val="accent1"/>
+          </a:effectRef>
+          <a:fontRef idx="minor">
+            <a:schemeClr val="tx1"/>
+          </a:fontRef>
+        </p:style>
+      </p:cxnSp>
+      <p:cxnSp>
+        <p:nvCxnSpPr>
+          <p:cNvPr id="142" name="Conector de Seta Reta 141"/>
+          <p:cNvCxnSpPr/>
+          <p:nvPr/>
+        </p:nvCxnSpPr>
+        <p:spPr>
+          <a:xfrm flipH="1" flipV="1">
+            <a:off x="10381982" y="12299852"/>
+            <a:ext cx="1379099" cy="16708"/>
+          </a:xfrm>
+          <a:prstGeom prst="straightConnector1">
+            <a:avLst/>
+          </a:prstGeom>
+          <a:ln w="28575">
+            <a:solidFill>
+              <a:schemeClr val="tx1"/>
+            </a:solidFill>
+            <a:tailEnd type="triangle"/>
+          </a:ln>
+        </p:spPr>
+        <p:style>
+          <a:lnRef idx="1">
+            <a:schemeClr val="accent1"/>
+          </a:lnRef>
+          <a:fillRef idx="0">
+            <a:schemeClr val="accent1"/>
+          </a:fillRef>
+          <a:effectRef idx="0">
+            <a:schemeClr val="accent1"/>
+          </a:effectRef>
+          <a:fontRef idx="minor">
+            <a:schemeClr val="tx1"/>
+          </a:fontRef>
+        </p:style>
+      </p:cxnSp>
+      <p:cxnSp>
+        <p:nvCxnSpPr>
+          <p:cNvPr id="143" name="Conector de Seta Reta 142"/>
+          <p:cNvCxnSpPr/>
+          <p:nvPr/>
+        </p:nvCxnSpPr>
+        <p:spPr>
+          <a:xfrm flipH="1" flipV="1">
+            <a:off x="15631125" y="12235312"/>
+            <a:ext cx="1379099" cy="16708"/>
+          </a:xfrm>
+          <a:prstGeom prst="straightConnector1">
+            <a:avLst/>
+          </a:prstGeom>
+          <a:ln w="28575">
+            <a:solidFill>
+              <a:schemeClr val="tx1"/>
+            </a:solidFill>
+            <a:tailEnd type="triangle"/>
+          </a:ln>
+        </p:spPr>
+        <p:style>
+          <a:lnRef idx="1">
+            <a:schemeClr val="accent1"/>
+          </a:lnRef>
+          <a:fillRef idx="0">
+            <a:schemeClr val="accent1"/>
+          </a:fillRef>
+          <a:effectRef idx="0">
+            <a:schemeClr val="accent1"/>
+          </a:effectRef>
+          <a:fontRef idx="minor">
+            <a:schemeClr val="tx1"/>
+          </a:fontRef>
+        </p:style>
+      </p:cxnSp>
+      <p:cxnSp>
+        <p:nvCxnSpPr>
+          <p:cNvPr id="144" name="Conector de Seta Reta 143"/>
+          <p:cNvCxnSpPr/>
+          <p:nvPr/>
+        </p:nvCxnSpPr>
+        <p:spPr>
+          <a:xfrm>
+            <a:off x="15559815" y="12752848"/>
+            <a:ext cx="1559885" cy="20042"/>
+          </a:xfrm>
+          <a:prstGeom prst="straightConnector1">
+            <a:avLst/>
+          </a:prstGeom>
+          <a:ln w="28575">
+            <a:solidFill>
+              <a:schemeClr val="tx1"/>
+            </a:solidFill>
+            <a:tailEnd type="triangle"/>
+          </a:ln>
+        </p:spPr>
+        <p:style>
+          <a:lnRef idx="1">
+            <a:schemeClr val="accent1"/>
+          </a:lnRef>
+          <a:fillRef idx="0">
+            <a:schemeClr val="accent1"/>
+          </a:fillRef>
+          <a:effectRef idx="0">
+            <a:schemeClr val="accent1"/>
+          </a:effectRef>
+          <a:fontRef idx="minor">
+            <a:schemeClr val="tx1"/>
+          </a:fontRef>
+        </p:style>
+      </p:cxnSp>
+      <p:cxnSp>
+        <p:nvCxnSpPr>
+          <p:cNvPr id="150" name="Conector de Seta Reta 149">
+            <a:extLst>
+              <a:ext uri="{FF2B5EF4-FFF2-40B4-BE49-F238E27FC236}">
+                <a16:creationId xmlns:a16="http://schemas.microsoft.com/office/drawing/2014/main" id="{DAB823FA-DDB4-4D8D-88D9-90488631C715}"/>
+              </a:ext>
+            </a:extLst>
+          </p:cNvPr>
+          <p:cNvCxnSpPr>
+            <a:cxnSpLocks/>
+          </p:cNvCxnSpPr>
+          <p:nvPr/>
+        </p:nvCxnSpPr>
+        <p:spPr>
+          <a:xfrm flipV="1">
+            <a:off x="7669405" y="3547028"/>
+            <a:ext cx="1338846" cy="1276067"/>
+          </a:xfrm>
+          <a:prstGeom prst="straightConnector1">
+            <a:avLst/>
+          </a:prstGeom>
+          <a:ln w="76200">
+            <a:solidFill>
+              <a:schemeClr val="tx1"/>
+            </a:solidFill>
+            <a:tailEnd type="triangle"/>
+          </a:ln>
+        </p:spPr>
+        <p:style>
+          <a:lnRef idx="3">
+            <a:schemeClr val="dk1"/>
+          </a:lnRef>
+          <a:fillRef idx="0">
+            <a:schemeClr val="dk1"/>
+          </a:fillRef>
+          <a:effectRef idx="2">
+            <a:schemeClr val="dk1"/>
+          </a:effectRef>
+          <a:fontRef idx="minor">
+            <a:schemeClr val="tx1"/>
+          </a:fontRef>
+        </p:style>
+      </p:cxnSp>
     </p:spTree>
     <p:extLst>
       <p:ext uri="{BB962C8B-B14F-4D97-AF65-F5344CB8AC3E}">
@@ -5553,6 +4784,13 @@
   <p:clrMapOvr>
     <a:masterClrMapping/>
   </p:clrMapOvr>
+  <p:timing>
+    <p:tnLst>
+      <p:par>
+        <p:cTn id="1" dur="indefinite" restart="never" nodeType="tmRoot"/>
+      </p:par>
+    </p:tnLst>
+  </p:timing>
 </p:sld>
 </file>
 
